--- a/Дипломна защита.pptx
+++ b/Дипломна защита.pptx
@@ -5,7 +5,7 @@
     <p:sldMasterId id="2147483830" r:id="rId1"/>
   </p:sldMasterIdLst>
   <p:notesMasterIdLst>
-    <p:notesMasterId r:id="rId7"/>
+    <p:notesMasterId r:id="rId10"/>
   </p:notesMasterIdLst>
   <p:sldIdLst>
     <p:sldId id="256" r:id="rId2"/>
@@ -13,6 +13,9 @@
     <p:sldId id="258" r:id="rId4"/>
     <p:sldId id="259" r:id="rId5"/>
     <p:sldId id="260" r:id="rId6"/>
+    <p:sldId id="261" r:id="rId7"/>
+    <p:sldId id="262" r:id="rId8"/>
+    <p:sldId id="263" r:id="rId9"/>
   </p:sldIdLst>
   <p:sldSz cx="12192000" cy="6858000"/>
   <p:notesSz cx="6858000" cy="9144000"/>
@@ -111,6 +114,11 @@
       </a:defRPr>
     </a:lvl9pPr>
   </p:defaultTextStyle>
+  <p:extLst>
+    <p:ext uri="{EFAFB233-063F-42B5-8137-9DF3F51BA10A}">
+      <p15:sldGuideLst xmlns:p15="http://schemas.microsoft.com/office/powerpoint/2012/main"/>
+    </p:ext>
+  </p:extLst>
 </p:presentation>
 </file>
 
@@ -260,35 +268,35 @@
           <a:p>
             <a:pPr lvl="0"/>
             <a:r>
-              <a:rPr lang="en-US" smtClean="0"/>
+              <a:rPr lang="en-US"/>
               <a:t>Click to edit Master text styles</a:t>
             </a:r>
           </a:p>
           <a:p>
             <a:pPr lvl="1"/>
             <a:r>
-              <a:rPr lang="en-US" smtClean="0"/>
+              <a:rPr lang="en-US"/>
               <a:t>Second level</a:t>
             </a:r>
           </a:p>
           <a:p>
             <a:pPr lvl="2"/>
             <a:r>
-              <a:rPr lang="en-US" smtClean="0"/>
+              <a:rPr lang="en-US"/>
               <a:t>Third level</a:t>
             </a:r>
           </a:p>
           <a:p>
             <a:pPr lvl="3"/>
             <a:r>
-              <a:rPr lang="en-US" smtClean="0"/>
+              <a:rPr lang="en-US"/>
               <a:t>Fourth level</a:t>
             </a:r>
           </a:p>
           <a:p>
             <a:pPr lvl="4"/>
             <a:r>
-              <a:rPr lang="en-US" smtClean="0"/>
+              <a:rPr lang="en-US"/>
               <a:t>Fifth level</a:t>
             </a:r>
             <a:endParaRPr lang="bg-BG"/>
@@ -592,7 +600,7 @@
           </a:lstStyle>
           <a:p>
             <a:r>
-              <a:rPr lang="en-US" smtClean="0"/>
+              <a:rPr lang="en-US"/>
               <a:t>Click to edit Master title style</a:t>
             </a:r>
             <a:endParaRPr lang="en-US" dirty="0"/>
@@ -712,7 +720,7 @@
           </a:lstStyle>
           <a:p>
             <a:r>
-              <a:rPr lang="en-US" smtClean="0"/>
+              <a:rPr lang="en-US"/>
               <a:t>Click to edit Master subtitle style</a:t>
             </a:r>
             <a:endParaRPr lang="en-US" dirty="0"/>
@@ -928,7 +936,7 @@
           </a:lstStyle>
           <a:p>
             <a:r>
-              <a:rPr lang="en-US" smtClean="0"/>
+              <a:rPr lang="en-US"/>
               <a:t>Click to edit Master title style</a:t>
             </a:r>
             <a:endParaRPr lang="en-US" dirty="0"/>
@@ -1051,7 +1059,7 @@
           <a:p>
             <a:pPr lvl="0"/>
             <a:r>
-              <a:rPr lang="en-US" smtClean="0"/>
+              <a:rPr lang="en-US"/>
               <a:t>Click to edit Master text styles</a:t>
             </a:r>
           </a:p>
@@ -1266,7 +1274,7 @@
           </a:lstStyle>
           <a:p>
             <a:r>
-              <a:rPr lang="en-US" smtClean="0"/>
+              <a:rPr lang="en-US"/>
               <a:t>Click to edit Master title style</a:t>
             </a:r>
             <a:endParaRPr lang="en-US" dirty="0"/>
@@ -1330,7 +1338,7 @@
           <a:p>
             <a:pPr lvl="0"/>
             <a:r>
-              <a:rPr lang="en-US" smtClean="0"/>
+              <a:rPr lang="en-US"/>
               <a:t>Click to edit Master text styles</a:t>
             </a:r>
           </a:p>
@@ -1452,7 +1460,7 @@
           <a:p>
             <a:pPr lvl="0"/>
             <a:r>
-              <a:rPr lang="en-US" smtClean="0"/>
+              <a:rPr lang="en-US"/>
               <a:t>Click to edit Master text styles</a:t>
             </a:r>
           </a:p>
@@ -1743,7 +1751,7 @@
           </a:lstStyle>
           <a:p>
             <a:r>
-              <a:rPr lang="en-US" smtClean="0"/>
+              <a:rPr lang="en-US"/>
               <a:t>Click to edit Master title style</a:t>
             </a:r>
             <a:endParaRPr lang="en-US" dirty="0"/>
@@ -1788,7 +1796,7 @@
               <a:buNone/>
             </a:pPr>
             <a:r>
-              <a:rPr lang="en-US" smtClean="0"/>
+              <a:rPr lang="en-US"/>
               <a:t>Click to edit Master text styles</a:t>
             </a:r>
           </a:p>
@@ -2003,7 +2011,7 @@
           </a:lstStyle>
           <a:p>
             <a:r>
-              <a:rPr lang="en-US" smtClean="0"/>
+              <a:rPr lang="en-US"/>
               <a:t>Click to edit Master title style</a:t>
             </a:r>
             <a:endParaRPr lang="en-US" dirty="0"/>
@@ -2064,7 +2072,7 @@
           <a:p>
             <a:pPr lvl="0"/>
             <a:r>
-              <a:rPr lang="en-US" smtClean="0"/>
+              <a:rPr lang="en-US"/>
               <a:t>Click to edit Master text styles</a:t>
             </a:r>
           </a:p>
@@ -2108,7 +2116,7 @@
               <a:buNone/>
             </a:pPr>
             <a:r>
-              <a:rPr lang="en-US" smtClean="0"/>
+              <a:rPr lang="en-US"/>
               <a:t>Click to edit Master text styles</a:t>
             </a:r>
           </a:p>
@@ -2399,7 +2407,7 @@
           </a:lstStyle>
           <a:p>
             <a:r>
-              <a:rPr lang="en-US" smtClean="0"/>
+              <a:rPr lang="en-US"/>
               <a:t>Click to edit Master title style</a:t>
             </a:r>
             <a:endParaRPr lang="en-US" dirty="0"/>
@@ -2460,7 +2468,7 @@
           <a:p>
             <a:pPr lvl="0"/>
             <a:r>
-              <a:rPr lang="en-US" smtClean="0"/>
+              <a:rPr lang="en-US"/>
               <a:t>Click to edit Master text styles</a:t>
             </a:r>
           </a:p>
@@ -2504,7 +2512,7 @@
               <a:buNone/>
             </a:pPr>
             <a:r>
-              <a:rPr lang="en-US" smtClean="0"/>
+              <a:rPr lang="en-US"/>
               <a:t>Click to edit Master text styles</a:t>
             </a:r>
           </a:p>
@@ -2708,7 +2716,7 @@
           <a:lstStyle/>
           <a:p>
             <a:r>
-              <a:rPr lang="en-US" smtClean="0"/>
+              <a:rPr lang="en-US"/>
               <a:t>Click to edit Master title style</a:t>
             </a:r>
             <a:endParaRPr lang="en-US" dirty="0"/>
@@ -2732,35 +2740,35 @@
           <a:p>
             <a:pPr lvl="0"/>
             <a:r>
-              <a:rPr lang="en-US" smtClean="0"/>
+              <a:rPr lang="en-US"/>
               <a:t>Click to edit Master text styles</a:t>
             </a:r>
           </a:p>
           <a:p>
             <a:pPr lvl="1"/>
             <a:r>
-              <a:rPr lang="en-US" smtClean="0"/>
+              <a:rPr lang="en-US"/>
               <a:t>Second level</a:t>
             </a:r>
           </a:p>
           <a:p>
             <a:pPr lvl="2"/>
             <a:r>
-              <a:rPr lang="en-US" smtClean="0"/>
+              <a:rPr lang="en-US"/>
               <a:t>Third level</a:t>
             </a:r>
           </a:p>
           <a:p>
             <a:pPr lvl="3"/>
             <a:r>
-              <a:rPr lang="en-US" smtClean="0"/>
+              <a:rPr lang="en-US"/>
               <a:t>Fourth level</a:t>
             </a:r>
           </a:p>
           <a:p>
             <a:pPr lvl="4"/>
             <a:r>
-              <a:rPr lang="en-US" smtClean="0"/>
+              <a:rPr lang="en-US"/>
               <a:t>Fifth level</a:t>
             </a:r>
             <a:endParaRPr lang="en-US" dirty="0"/>
@@ -2965,7 +2973,7 @@
           <a:lstStyle/>
           <a:p>
             <a:r>
-              <a:rPr lang="en-US" smtClean="0"/>
+              <a:rPr lang="en-US"/>
               <a:t>Click to edit Master title style</a:t>
             </a:r>
             <a:endParaRPr lang="en-US" dirty="0"/>
@@ -2994,35 +3002,35 @@
           <a:p>
             <a:pPr lvl="0"/>
             <a:r>
-              <a:rPr lang="en-US" smtClean="0"/>
+              <a:rPr lang="en-US"/>
               <a:t>Click to edit Master text styles</a:t>
             </a:r>
           </a:p>
           <a:p>
             <a:pPr lvl="1"/>
             <a:r>
-              <a:rPr lang="en-US" smtClean="0"/>
+              <a:rPr lang="en-US"/>
               <a:t>Second level</a:t>
             </a:r>
           </a:p>
           <a:p>
             <a:pPr lvl="2"/>
             <a:r>
-              <a:rPr lang="en-US" smtClean="0"/>
+              <a:rPr lang="en-US"/>
               <a:t>Third level</a:t>
             </a:r>
           </a:p>
           <a:p>
             <a:pPr lvl="3"/>
             <a:r>
-              <a:rPr lang="en-US" smtClean="0"/>
+              <a:rPr lang="en-US"/>
               <a:t>Fourth level</a:t>
             </a:r>
           </a:p>
           <a:p>
             <a:pPr lvl="4"/>
             <a:r>
-              <a:rPr lang="en-US" smtClean="0"/>
+              <a:rPr lang="en-US"/>
               <a:t>Fifth level</a:t>
             </a:r>
             <a:endParaRPr lang="en-US" dirty="0"/>
@@ -3227,7 +3235,7 @@
           <a:lstStyle/>
           <a:p>
             <a:r>
-              <a:rPr lang="en-US" smtClean="0"/>
+              <a:rPr lang="en-US"/>
               <a:t>Click to edit Master title style</a:t>
             </a:r>
             <a:endParaRPr lang="en-US" dirty="0"/>
@@ -3256,35 +3264,35 @@
           <a:p>
             <a:pPr lvl="0"/>
             <a:r>
-              <a:rPr lang="en-US" smtClean="0"/>
+              <a:rPr lang="en-US"/>
               <a:t>Click to edit Master text styles</a:t>
             </a:r>
           </a:p>
           <a:p>
             <a:pPr lvl="1"/>
             <a:r>
-              <a:rPr lang="en-US" smtClean="0"/>
+              <a:rPr lang="en-US"/>
               <a:t>Second level</a:t>
             </a:r>
           </a:p>
           <a:p>
             <a:pPr lvl="2"/>
             <a:r>
-              <a:rPr lang="en-US" smtClean="0"/>
+              <a:rPr lang="en-US"/>
               <a:t>Third level</a:t>
             </a:r>
           </a:p>
           <a:p>
             <a:pPr lvl="3"/>
             <a:r>
-              <a:rPr lang="en-US" smtClean="0"/>
+              <a:rPr lang="en-US"/>
               <a:t>Fourth level</a:t>
             </a:r>
           </a:p>
           <a:p>
             <a:pPr lvl="4"/>
             <a:r>
-              <a:rPr lang="en-US" smtClean="0"/>
+              <a:rPr lang="en-US"/>
               <a:t>Fifth level</a:t>
             </a:r>
             <a:endParaRPr lang="en-US" dirty="0"/>
@@ -3493,7 +3501,7 @@
           </a:lstStyle>
           <a:p>
             <a:r>
-              <a:rPr lang="en-US" smtClean="0"/>
+              <a:rPr lang="en-US"/>
               <a:t>Click to edit Master title style</a:t>
             </a:r>
             <a:endParaRPr lang="en-US" dirty="0"/>
@@ -3614,7 +3622,7 @@
           <a:p>
             <a:pPr lvl="0"/>
             <a:r>
-              <a:rPr lang="en-US" smtClean="0"/>
+              <a:rPr lang="en-US"/>
               <a:t>Click to edit Master text styles</a:t>
             </a:r>
           </a:p>
@@ -3818,7 +3826,7 @@
           <a:lstStyle/>
           <a:p>
             <a:r>
-              <a:rPr lang="en-US" smtClean="0"/>
+              <a:rPr lang="en-US"/>
               <a:t>Click to edit Master title style</a:t>
             </a:r>
             <a:endParaRPr lang="en-US" dirty="0"/>
@@ -3849,35 +3857,35 @@
           <a:p>
             <a:pPr lvl="0"/>
             <a:r>
-              <a:rPr lang="en-US" smtClean="0"/>
+              <a:rPr lang="en-US"/>
               <a:t>Click to edit Master text styles</a:t>
             </a:r>
           </a:p>
           <a:p>
             <a:pPr lvl="1"/>
             <a:r>
-              <a:rPr lang="en-US" smtClean="0"/>
+              <a:rPr lang="en-US"/>
               <a:t>Second level</a:t>
             </a:r>
           </a:p>
           <a:p>
             <a:pPr lvl="2"/>
             <a:r>
-              <a:rPr lang="en-US" smtClean="0"/>
+              <a:rPr lang="en-US"/>
               <a:t>Third level</a:t>
             </a:r>
           </a:p>
           <a:p>
             <a:pPr lvl="3"/>
             <a:r>
-              <a:rPr lang="en-US" smtClean="0"/>
+              <a:rPr lang="en-US"/>
               <a:t>Fourth level</a:t>
             </a:r>
           </a:p>
           <a:p>
             <a:pPr lvl="4"/>
             <a:r>
-              <a:rPr lang="en-US" smtClean="0"/>
+              <a:rPr lang="en-US"/>
               <a:t>Fifth level</a:t>
             </a:r>
             <a:endParaRPr lang="en-US" dirty="0"/>
@@ -3908,35 +3916,35 @@
           <a:p>
             <a:pPr lvl="0"/>
             <a:r>
-              <a:rPr lang="en-US" smtClean="0"/>
+              <a:rPr lang="en-US"/>
               <a:t>Click to edit Master text styles</a:t>
             </a:r>
           </a:p>
           <a:p>
             <a:pPr lvl="1"/>
             <a:r>
-              <a:rPr lang="en-US" smtClean="0"/>
+              <a:rPr lang="en-US"/>
               <a:t>Second level</a:t>
             </a:r>
           </a:p>
           <a:p>
             <a:pPr lvl="2"/>
             <a:r>
-              <a:rPr lang="en-US" smtClean="0"/>
+              <a:rPr lang="en-US"/>
               <a:t>Third level</a:t>
             </a:r>
           </a:p>
           <a:p>
             <a:pPr lvl="3"/>
             <a:r>
-              <a:rPr lang="en-US" smtClean="0"/>
+              <a:rPr lang="en-US"/>
               <a:t>Fourth level</a:t>
             </a:r>
           </a:p>
           <a:p>
             <a:pPr lvl="4"/>
             <a:r>
-              <a:rPr lang="en-US" smtClean="0"/>
+              <a:rPr lang="en-US"/>
               <a:t>Fifth level</a:t>
             </a:r>
             <a:endParaRPr lang="en-US" dirty="0"/>
@@ -4141,7 +4149,7 @@
           <a:lstStyle/>
           <a:p>
             <a:r>
-              <a:rPr lang="en-US" smtClean="0"/>
+              <a:rPr lang="en-US"/>
               <a:t>Click to edit Master title style</a:t>
             </a:r>
             <a:endParaRPr lang="en-US" dirty="0"/>
@@ -4209,7 +4217,7 @@
           <a:p>
             <a:pPr lvl="0"/>
             <a:r>
-              <a:rPr lang="en-US" smtClean="0"/>
+              <a:rPr lang="en-US"/>
               <a:t>Click to edit Master text styles</a:t>
             </a:r>
           </a:p>
@@ -4239,35 +4247,35 @@
           <a:p>
             <a:pPr lvl="0"/>
             <a:r>
-              <a:rPr lang="en-US" smtClean="0"/>
+              <a:rPr lang="en-US"/>
               <a:t>Click to edit Master text styles</a:t>
             </a:r>
           </a:p>
           <a:p>
             <a:pPr lvl="1"/>
             <a:r>
-              <a:rPr lang="en-US" smtClean="0"/>
+              <a:rPr lang="en-US"/>
               <a:t>Second level</a:t>
             </a:r>
           </a:p>
           <a:p>
             <a:pPr lvl="2"/>
             <a:r>
-              <a:rPr lang="en-US" smtClean="0"/>
+              <a:rPr lang="en-US"/>
               <a:t>Third level</a:t>
             </a:r>
           </a:p>
           <a:p>
             <a:pPr lvl="3"/>
             <a:r>
-              <a:rPr lang="en-US" smtClean="0"/>
+              <a:rPr lang="en-US"/>
               <a:t>Fourth level</a:t>
             </a:r>
           </a:p>
           <a:p>
             <a:pPr lvl="4"/>
             <a:r>
-              <a:rPr lang="en-US" smtClean="0"/>
+              <a:rPr lang="en-US"/>
               <a:t>Fifth level</a:t>
             </a:r>
             <a:endParaRPr lang="en-US" dirty="0"/>
@@ -4335,7 +4343,7 @@
           <a:p>
             <a:pPr lvl="0"/>
             <a:r>
-              <a:rPr lang="en-US" smtClean="0"/>
+              <a:rPr lang="en-US"/>
               <a:t>Click to edit Master text styles</a:t>
             </a:r>
           </a:p>
@@ -4365,35 +4373,35 @@
           <a:p>
             <a:pPr lvl="0"/>
             <a:r>
-              <a:rPr lang="en-US" smtClean="0"/>
+              <a:rPr lang="en-US"/>
               <a:t>Click to edit Master text styles</a:t>
             </a:r>
           </a:p>
           <a:p>
             <a:pPr lvl="1"/>
             <a:r>
-              <a:rPr lang="en-US" smtClean="0"/>
+              <a:rPr lang="en-US"/>
               <a:t>Second level</a:t>
             </a:r>
           </a:p>
           <a:p>
             <a:pPr lvl="2"/>
             <a:r>
-              <a:rPr lang="en-US" smtClean="0"/>
+              <a:rPr lang="en-US"/>
               <a:t>Third level</a:t>
             </a:r>
           </a:p>
           <a:p>
             <a:pPr lvl="3"/>
             <a:r>
-              <a:rPr lang="en-US" smtClean="0"/>
+              <a:rPr lang="en-US"/>
               <a:t>Fourth level</a:t>
             </a:r>
           </a:p>
           <a:p>
             <a:pPr lvl="4"/>
             <a:r>
-              <a:rPr lang="en-US" smtClean="0"/>
+              <a:rPr lang="en-US"/>
               <a:t>Fifth level</a:t>
             </a:r>
             <a:endParaRPr lang="en-US" dirty="0"/>
@@ -4598,7 +4606,7 @@
           <a:lstStyle/>
           <a:p>
             <a:r>
-              <a:rPr lang="en-US" smtClean="0"/>
+              <a:rPr lang="en-US"/>
               <a:t>Click to edit Master title style</a:t>
             </a:r>
             <a:endParaRPr lang="en-US" dirty="0"/>
@@ -4984,7 +4992,7 @@
           </a:lstStyle>
           <a:p>
             <a:r>
-              <a:rPr lang="en-US" smtClean="0"/>
+              <a:rPr lang="en-US"/>
               <a:t>Click to edit Master title style</a:t>
             </a:r>
             <a:endParaRPr lang="en-US" dirty="0"/>
@@ -5015,35 +5023,35 @@
           <a:p>
             <a:pPr lvl="0"/>
             <a:r>
-              <a:rPr lang="en-US" smtClean="0"/>
+              <a:rPr lang="en-US"/>
               <a:t>Click to edit Master text styles</a:t>
             </a:r>
           </a:p>
           <a:p>
             <a:pPr lvl="1"/>
             <a:r>
-              <a:rPr lang="en-US" smtClean="0"/>
+              <a:rPr lang="en-US"/>
               <a:t>Second level</a:t>
             </a:r>
           </a:p>
           <a:p>
             <a:pPr lvl="2"/>
             <a:r>
-              <a:rPr lang="en-US" smtClean="0"/>
+              <a:rPr lang="en-US"/>
               <a:t>Third level</a:t>
             </a:r>
           </a:p>
           <a:p>
             <a:pPr lvl="3"/>
             <a:r>
-              <a:rPr lang="en-US" smtClean="0"/>
+              <a:rPr lang="en-US"/>
               <a:t>Fourth level</a:t>
             </a:r>
           </a:p>
           <a:p>
             <a:pPr lvl="4"/>
             <a:r>
-              <a:rPr lang="en-US" smtClean="0"/>
+              <a:rPr lang="en-US"/>
               <a:t>Fifth level</a:t>
             </a:r>
             <a:endParaRPr lang="en-US" dirty="0"/>
@@ -5109,7 +5117,7 @@
           <a:p>
             <a:pPr lvl="0"/>
             <a:r>
-              <a:rPr lang="en-US" smtClean="0"/>
+              <a:rPr lang="en-US"/>
               <a:t>Click to edit Master text styles</a:t>
             </a:r>
           </a:p>
@@ -5319,7 +5327,7 @@
           </a:lstStyle>
           <a:p>
             <a:r>
-              <a:rPr lang="en-US" smtClean="0"/>
+              <a:rPr lang="en-US"/>
               <a:t>Click to edit Master title style</a:t>
             </a:r>
             <a:endParaRPr lang="en-US" dirty="0"/>
@@ -5386,7 +5394,7 @@
           </a:lstStyle>
           <a:p>
             <a:r>
-              <a:rPr lang="en-US" smtClean="0"/>
+              <a:rPr lang="en-US"/>
               <a:t>Click icon to add picture</a:t>
             </a:r>
             <a:endParaRPr lang="en-US" dirty="0"/>
@@ -5454,7 +5462,7 @@
           <a:p>
             <a:pPr lvl="0"/>
             <a:r>
-              <a:rPr lang="en-US" smtClean="0"/>
+              <a:rPr lang="en-US"/>
               <a:t>Click to edit Master text styles</a:t>
             </a:r>
           </a:p>
@@ -7490,7 +7498,7 @@
           <a:lstStyle/>
           <a:p>
             <a:r>
-              <a:rPr lang="en-US" smtClean="0"/>
+              <a:rPr lang="en-US"/>
               <a:t>Click to edit Master title style</a:t>
             </a:r>
             <a:endParaRPr lang="en-US" dirty="0"/>
@@ -7524,35 +7532,35 @@
           <a:p>
             <a:pPr lvl="0"/>
             <a:r>
-              <a:rPr lang="en-US" smtClean="0"/>
+              <a:rPr lang="en-US"/>
               <a:t>Click to edit Master text styles</a:t>
             </a:r>
           </a:p>
           <a:p>
             <a:pPr lvl="1"/>
             <a:r>
-              <a:rPr lang="en-US" smtClean="0"/>
+              <a:rPr lang="en-US"/>
               <a:t>Second level</a:t>
             </a:r>
           </a:p>
           <a:p>
             <a:pPr lvl="2"/>
             <a:r>
-              <a:rPr lang="en-US" smtClean="0"/>
+              <a:rPr lang="en-US"/>
               <a:t>Third level</a:t>
             </a:r>
           </a:p>
           <a:p>
             <a:pPr lvl="3"/>
             <a:r>
-              <a:rPr lang="en-US" smtClean="0"/>
+              <a:rPr lang="en-US"/>
               <a:t>Fourth level</a:t>
             </a:r>
           </a:p>
           <a:p>
             <a:pPr lvl="4"/>
             <a:r>
-              <a:rPr lang="en-US" smtClean="0"/>
+              <a:rPr lang="en-US"/>
               <a:t>Fifth level</a:t>
             </a:r>
             <a:endParaRPr lang="en-US" dirty="0"/>
@@ -8135,10 +8143,9 @@
           <a:lstStyle/>
           <a:p>
             <a:r>
-              <a:rPr lang="bg-BG" dirty="0" smtClean="0"/>
+              <a:rPr lang="bg-BG" dirty="0"/>
               <a:t>Разработване на уеб приложение за резервация на спортни съоръжения</a:t>
             </a:r>
-            <a:endParaRPr lang="bg-BG" dirty="0"/>
           </a:p>
         </p:txBody>
       </p:sp>
@@ -8165,22 +8172,21 @@
           <a:lstStyle/>
           <a:p>
             <a:r>
-              <a:rPr lang="bg-BG" sz="2400" dirty="0" smtClean="0"/>
+              <a:rPr lang="bg-BG" sz="2400" dirty="0"/>
               <a:t>Дипломна работа</a:t>
             </a:r>
           </a:p>
           <a:p>
             <a:r>
-              <a:rPr lang="bg-BG" sz="2400" dirty="0" smtClean="0"/>
+              <a:rPr lang="bg-BG" sz="2400" dirty="0"/>
               <a:t>На </a:t>
             </a:r>
           </a:p>
           <a:p>
             <a:r>
-              <a:rPr lang="bg-BG" sz="2400" dirty="0" smtClean="0"/>
+              <a:rPr lang="bg-BG" sz="2400" dirty="0"/>
               <a:t>Изабел Христова Филипова</a:t>
             </a:r>
-            <a:endParaRPr lang="bg-BG" sz="2400" dirty="0"/>
           </a:p>
         </p:txBody>
       </p:sp>
@@ -8237,10 +8243,9 @@
           <a:lstStyle/>
           <a:p>
             <a:r>
-              <a:rPr lang="bg-BG" sz="2800" dirty="0" smtClean="0"/>
+              <a:rPr lang="bg-BG" sz="2800" dirty="0"/>
               <a:t>Технически университет - София</a:t>
             </a:r>
-            <a:endParaRPr lang="bg-BG" sz="2800" dirty="0"/>
           </a:p>
         </p:txBody>
       </p:sp>
@@ -8313,10 +8318,9 @@
           <a:lstStyle/>
           <a:p>
             <a:r>
-              <a:rPr lang="bg-BG" dirty="0" smtClean="0"/>
+              <a:rPr lang="bg-BG" dirty="0"/>
               <a:t>Цел и изходна постановка на дипломната работа</a:t>
             </a:r>
-            <a:endParaRPr lang="bg-BG" dirty="0"/>
           </a:p>
         </p:txBody>
       </p:sp>
@@ -8343,57 +8347,57 @@
           <a:lstStyle/>
           <a:p>
             <a:r>
-              <a:rPr lang="bg-BG" sz="2400" dirty="0" smtClean="0"/>
+              <a:rPr lang="bg-BG" sz="2400" dirty="0"/>
               <a:t>Цел: Да се разработи уеб приложение за резервация на спортни съоръжения</a:t>
             </a:r>
             <a:r>
-              <a:rPr lang="en-US" sz="2400" dirty="0" smtClean="0"/>
+              <a:rPr lang="en-US" sz="2400" dirty="0"/>
               <a:t>, </a:t>
             </a:r>
             <a:r>
-              <a:rPr lang="bg-BG" sz="2400" dirty="0" smtClean="0"/>
+              <a:rPr lang="bg-BG" sz="2400" dirty="0"/>
               <a:t>използващо зададените в изходната постановка технологии</a:t>
             </a:r>
             <a:endParaRPr lang="en-US" sz="2400" dirty="0"/>
           </a:p>
           <a:p>
-            <a:endParaRPr lang="bg-BG" sz="2400" dirty="0" smtClean="0"/>
-          </a:p>
-          <a:p>
-            <a:r>
-              <a:rPr lang="bg-BG" sz="2400" dirty="0" smtClean="0"/>
+            <a:endParaRPr lang="bg-BG" sz="2400" dirty="0"/>
+          </a:p>
+          <a:p>
+            <a:r>
+              <a:rPr lang="bg-BG" sz="2400" dirty="0"/>
               <a:t>Изходна постановка</a:t>
             </a:r>
             <a:r>
-              <a:rPr lang="en-US" sz="2400" dirty="0" smtClean="0"/>
+              <a:rPr lang="en-US" sz="2400" dirty="0"/>
               <a:t>:</a:t>
             </a:r>
           </a:p>
           <a:p>
             <a:pPr lvl="1"/>
             <a:r>
-              <a:rPr lang="en-US" sz="2400" dirty="0" smtClean="0"/>
+              <a:rPr lang="en-US" sz="2400" dirty="0"/>
               <a:t>Java</a:t>
             </a:r>
           </a:p>
           <a:p>
             <a:pPr lvl="1"/>
             <a:r>
-              <a:rPr lang="en-US" sz="2400" dirty="0" smtClean="0"/>
+              <a:rPr lang="en-US" sz="2400" dirty="0"/>
               <a:t>Spring Boot</a:t>
             </a:r>
           </a:p>
           <a:p>
             <a:pPr lvl="1"/>
             <a:r>
-              <a:rPr lang="en-US" sz="2400" dirty="0" smtClean="0"/>
+              <a:rPr lang="en-US" sz="2400" dirty="0"/>
               <a:t>Hibernate</a:t>
             </a:r>
           </a:p>
           <a:p>
             <a:pPr lvl="1"/>
             <a:r>
-              <a:rPr lang="en-US" sz="2400" dirty="0" smtClean="0"/>
+              <a:rPr lang="en-US" sz="2400" dirty="0"/>
               <a:t>MySQL</a:t>
             </a:r>
             <a:endParaRPr lang="bg-BG" sz="2400" dirty="0"/>
@@ -8469,10 +8473,9 @@
           <a:lstStyle/>
           <a:p>
             <a:r>
-              <a:rPr lang="bg-BG" dirty="0" smtClean="0"/>
+              <a:rPr lang="bg-BG" dirty="0"/>
               <a:t>Разгледани софтуерни продукти</a:t>
             </a:r>
-            <a:endParaRPr lang="bg-BG" dirty="0"/>
           </a:p>
         </p:txBody>
       </p:sp>
@@ -8504,13 +8507,9 @@
             </a:r>
             <a:r>
               <a:rPr lang="en-US" sz="2400" dirty="0"/>
-              <a:t>Tereni.bg</a:t>
-            </a:r>
-            <a:r>
-              <a:rPr lang="en-US" sz="2400" dirty="0" smtClean="0"/>
-              <a:t>“</a:t>
-            </a:r>
-            <a:endParaRPr lang="bg-BG" sz="2400" dirty="0" smtClean="0"/>
+              <a:t>Tereni.bg“</a:t>
+            </a:r>
+            <a:endParaRPr lang="bg-BG" sz="2400" dirty="0"/>
           </a:p>
           <a:p>
             <a:r>
@@ -8519,13 +8518,9 @@
             </a:r>
             <a:r>
               <a:rPr lang="en-US" sz="2400" dirty="0"/>
-              <a:t>easybook.bg</a:t>
-            </a:r>
-            <a:r>
-              <a:rPr lang="en-US" sz="2400" dirty="0" smtClean="0"/>
-              <a:t>“</a:t>
-            </a:r>
-            <a:endParaRPr lang="bg-BG" sz="2400" dirty="0" smtClean="0"/>
+              <a:t>easybook.bg“</a:t>
+            </a:r>
+            <a:endParaRPr lang="bg-BG" sz="2400" dirty="0"/>
           </a:p>
           <a:p>
             <a:r>
@@ -8534,22 +8529,14 @@
             </a:r>
             <a:r>
               <a:rPr lang="en-US" sz="2400" dirty="0"/>
-              <a:t>Sport4All.bg</a:t>
-            </a:r>
-            <a:r>
-              <a:rPr lang="en-US" sz="2400" dirty="0" smtClean="0"/>
-              <a:t>“</a:t>
-            </a:r>
-            <a:endParaRPr lang="bg-BG" sz="2400" dirty="0" smtClean="0"/>
+              <a:t>Sport4All.bg“</a:t>
+            </a:r>
+            <a:endParaRPr lang="bg-BG" sz="2400" dirty="0"/>
           </a:p>
           <a:p>
             <a:r>
               <a:rPr lang="ru-RU" sz="2400" dirty="0"/>
-              <a:t>Онлайн система за резервация на автобусни </a:t>
-            </a:r>
-            <a:r>
-              <a:rPr lang="ru-RU" sz="2400" dirty="0" smtClean="0"/>
-              <a:t>билети</a:t>
+              <a:t>Онлайн система за резервация на автобусни билети</a:t>
             </a:r>
           </a:p>
           <a:p>
@@ -8559,22 +8546,14 @@
             </a:r>
             <a:r>
               <a:rPr lang="en-US" sz="2400" dirty="0"/>
-              <a:t>Hospital Reservation System – HRS</a:t>
-            </a:r>
-            <a:r>
-              <a:rPr lang="en-US" sz="2400" dirty="0" smtClean="0"/>
-              <a:t>“</a:t>
-            </a:r>
-            <a:endParaRPr lang="bg-BG" sz="2400" dirty="0" smtClean="0"/>
+              <a:t>Hospital Reservation System – HRS“</a:t>
+            </a:r>
+            <a:endParaRPr lang="bg-BG" sz="2400" dirty="0"/>
           </a:p>
           <a:p>
             <a:r>
               <a:rPr lang="ru-RU" sz="2400" dirty="0"/>
-              <a:t>Мобилно приложение за резервация на автобусни </a:t>
-            </a:r>
-            <a:r>
-              <a:rPr lang="ru-RU" sz="2400" dirty="0" smtClean="0"/>
-              <a:t>билети</a:t>
+              <a:t>Мобилно приложение за резервация на автобусни билети</a:t>
             </a:r>
           </a:p>
           <a:p>
@@ -8655,10 +8634,9 @@
           <a:lstStyle/>
           <a:p>
             <a:r>
-              <a:rPr lang="bg-BG" dirty="0" smtClean="0"/>
+              <a:rPr lang="bg-BG" dirty="0"/>
               <a:t>Недостатъци на разгледаните платформи</a:t>
             </a:r>
-            <a:endParaRPr lang="bg-BG" dirty="0"/>
           </a:p>
         </p:txBody>
       </p:sp>
@@ -8685,40 +8663,39 @@
           <a:lstStyle/>
           <a:p>
             <a:r>
-              <a:rPr lang="bg-BG" sz="2400" dirty="0" smtClean="0"/>
+              <a:rPr lang="bg-BG" sz="2400" dirty="0"/>
               <a:t>Резервация, обвързана с непосредствено плащане</a:t>
             </a:r>
           </a:p>
           <a:p>
             <a:r>
-              <a:rPr lang="bg-BG" sz="2400" dirty="0" smtClean="0"/>
+              <a:rPr lang="bg-BG" sz="2400" dirty="0"/>
               <a:t>Ограничен обхват на приложението само за даден град</a:t>
             </a:r>
           </a:p>
           <a:p>
             <a:r>
-              <a:rPr lang="bg-BG" sz="2400" dirty="0" smtClean="0"/>
+              <a:rPr lang="bg-BG" sz="2400" dirty="0"/>
               <a:t>Липса на регистрация на потребителите</a:t>
             </a:r>
           </a:p>
           <a:p>
             <a:r>
-              <a:rPr lang="bg-BG" sz="2400" dirty="0" smtClean="0"/>
+              <a:rPr lang="bg-BG" sz="2400" dirty="0"/>
               <a:t>Невъзможност за отмяна на резервация</a:t>
             </a:r>
           </a:p>
           <a:p>
             <a:r>
-              <a:rPr lang="bg-BG" sz="2400" dirty="0" smtClean="0"/>
+              <a:rPr lang="bg-BG" sz="2400" dirty="0"/>
               <a:t>Липса на история за извършените резервации</a:t>
             </a:r>
           </a:p>
           <a:p>
             <a:r>
-              <a:rPr lang="bg-BG" sz="2400" dirty="0" smtClean="0"/>
+              <a:rPr lang="bg-BG" sz="2400" dirty="0"/>
               <a:t>Достъп до обектите за резервация само след вход/регистрация</a:t>
             </a:r>
-            <a:endParaRPr lang="bg-BG" sz="2400" dirty="0"/>
           </a:p>
         </p:txBody>
       </p:sp>
@@ -8791,10 +8768,9 @@
           <a:lstStyle/>
           <a:p>
             <a:r>
-              <a:rPr lang="bg-BG" dirty="0" smtClean="0"/>
+              <a:rPr lang="bg-BG" dirty="0"/>
               <a:t>Подобрения при разработвания дипломен проект</a:t>
             </a:r>
-            <a:endParaRPr lang="bg-BG" dirty="0"/>
           </a:p>
         </p:txBody>
       </p:sp>
@@ -8821,47 +8797,47 @@
           <a:lstStyle/>
           <a:p>
             <a:r>
-              <a:rPr lang="bg-BG" sz="2400" dirty="0" smtClean="0"/>
+              <a:rPr lang="bg-BG" sz="2400" dirty="0"/>
               <a:t>Резервиране на  игрище, без нужда от плащане</a:t>
             </a:r>
             <a:br>
-              <a:rPr lang="bg-BG" sz="2400" dirty="0" smtClean="0"/>
+              <a:rPr lang="bg-BG" sz="2400" dirty="0"/>
             </a:br>
-            <a:endParaRPr lang="bg-BG" sz="2400" dirty="0" smtClean="0"/>
-          </a:p>
-          <a:p>
-            <a:r>
-              <a:rPr lang="bg-BG" sz="2400" dirty="0" smtClean="0"/>
+            <a:endParaRPr lang="bg-BG" sz="2400" dirty="0"/>
+          </a:p>
+          <a:p>
+            <a:r>
+              <a:rPr lang="bg-BG" sz="2400" dirty="0"/>
               <a:t>Отмяна на резервация по всяко време</a:t>
             </a:r>
             <a:br>
-              <a:rPr lang="bg-BG" sz="2400" dirty="0" smtClean="0"/>
+              <a:rPr lang="bg-BG" sz="2400" dirty="0"/>
             </a:br>
-            <a:endParaRPr lang="bg-BG" sz="2400" dirty="0" smtClean="0"/>
-          </a:p>
-          <a:p>
-            <a:r>
-              <a:rPr lang="bg-BG" sz="2400" dirty="0" smtClean="0"/>
+            <a:endParaRPr lang="bg-BG" sz="2400" dirty="0"/>
+          </a:p>
+          <a:p>
+            <a:r>
+              <a:rPr lang="bg-BG" sz="2400" dirty="0"/>
               <a:t>Добавяне на спортни игрища от цялата страна</a:t>
             </a:r>
             <a:br>
-              <a:rPr lang="bg-BG" sz="2400" dirty="0" smtClean="0"/>
+              <a:rPr lang="bg-BG" sz="2400" dirty="0"/>
             </a:br>
-            <a:endParaRPr lang="bg-BG" sz="2400" dirty="0" smtClean="0"/>
-          </a:p>
-          <a:p>
-            <a:r>
-              <a:rPr lang="bg-BG" sz="2400" dirty="0" smtClean="0"/>
+            <a:endParaRPr lang="bg-BG" sz="2400" dirty="0"/>
+          </a:p>
+          <a:p>
+            <a:r>
+              <a:rPr lang="bg-BG" sz="2400" dirty="0"/>
               <a:t>Свободно разглеждане на всички игрища</a:t>
             </a:r>
             <a:br>
-              <a:rPr lang="bg-BG" sz="2400" dirty="0" smtClean="0"/>
+              <a:rPr lang="bg-BG" sz="2400" dirty="0"/>
             </a:br>
-            <a:endParaRPr lang="bg-BG" sz="2400" dirty="0" smtClean="0"/>
-          </a:p>
-          <a:p>
-            <a:r>
-              <a:rPr lang="bg-BG" sz="2400" dirty="0" smtClean="0"/>
+            <a:endParaRPr lang="bg-BG" sz="2400" dirty="0"/>
+          </a:p>
+          <a:p>
+            <a:r>
+              <a:rPr lang="bg-BG" sz="2400" dirty="0"/>
               <a:t>История на резервациите на всеки потребител</a:t>
             </a:r>
           </a:p>
@@ -8897,6 +8873,1691 @@
     <p:extLst>
       <p:ext uri="{BB962C8B-B14F-4D97-AF65-F5344CB8AC3E}">
         <p14:creationId xmlns:p14="http://schemas.microsoft.com/office/powerpoint/2010/main" val="3292949251"/>
+      </p:ext>
+    </p:extLst>
+  </p:cSld>
+  <p:clrMapOvr>
+    <a:masterClrMapping/>
+  </p:clrMapOvr>
+</p:sld>
+</file>
+
+<file path=ppt/slides/slide6.xml><?xml version="1.0" encoding="utf-8"?>
+<p:sld xmlns:a="http://schemas.openxmlformats.org/drawingml/2006/main" xmlns:r="http://schemas.openxmlformats.org/officeDocument/2006/relationships" xmlns:p="http://schemas.openxmlformats.org/presentationml/2006/main">
+  <p:cSld>
+    <p:spTree>
+      <p:nvGrpSpPr>
+        <p:cNvPr id="1" name=""/>
+        <p:cNvGrpSpPr/>
+        <p:nvPr/>
+      </p:nvGrpSpPr>
+      <p:grpSpPr>
+        <a:xfrm>
+          <a:off x="0" y="0"/>
+          <a:ext cx="0" cy="0"/>
+          <a:chOff x="0" y="0"/>
+          <a:chExt cx="0" cy="0"/>
+        </a:xfrm>
+      </p:grpSpPr>
+      <p:sp>
+        <p:nvSpPr>
+          <p:cNvPr id="2" name="Title 1">
+            <a:extLst>
+              <a:ext uri="{FF2B5EF4-FFF2-40B4-BE49-F238E27FC236}">
+                <a16:creationId xmlns:a16="http://schemas.microsoft.com/office/drawing/2014/main" id="{B408E0A3-B784-44CA-8041-FA768EA360FF}"/>
+              </a:ext>
+            </a:extLst>
+          </p:cNvPr>
+          <p:cNvSpPr>
+            <a:spLocks noGrp="1"/>
+          </p:cNvSpPr>
+          <p:nvPr>
+            <p:ph type="title"/>
+          </p:nvPr>
+        </p:nvSpPr>
+        <p:spPr>
+          <a:xfrm>
+            <a:off x="1714501" y="550562"/>
+            <a:ext cx="10477499" cy="1204690"/>
+          </a:xfrm>
+        </p:spPr>
+        <p:txBody>
+          <a:bodyPr/>
+          <a:lstStyle/>
+          <a:p>
+            <a:r>
+              <a:rPr lang="bg-BG" dirty="0"/>
+              <a:t>Архитектура на разрабтваното приложение</a:t>
+            </a:r>
+            <a:endParaRPr lang="en-US" dirty="0"/>
+          </a:p>
+        </p:txBody>
+      </p:sp>
+      <p:pic>
+        <p:nvPicPr>
+          <p:cNvPr id="6" name="Content Placeholder 5" descr="Diagram&#10;&#10;Description automatically generated">
+            <a:extLst>
+              <a:ext uri="{FF2B5EF4-FFF2-40B4-BE49-F238E27FC236}">
+                <a16:creationId xmlns:a16="http://schemas.microsoft.com/office/drawing/2014/main" id="{F820F938-F9B5-48E5-B2EB-5312B40595FA}"/>
+              </a:ext>
+            </a:extLst>
+          </p:cNvPr>
+          <p:cNvPicPr>
+            <a:picLocks noGrp="1" noChangeAspect="1"/>
+          </p:cNvPicPr>
+          <p:nvPr>
+            <p:ph idx="1"/>
+          </p:nvPr>
+        </p:nvPicPr>
+        <p:blipFill>
+          <a:blip r:embed="rId2">
+            <a:extLst>
+              <a:ext uri="{28A0092B-C50C-407E-A947-70E740481C1C}">
+                <a14:useLocalDpi xmlns:a14="http://schemas.microsoft.com/office/drawing/2010/main" val="0"/>
+              </a:ext>
+            </a:extLst>
+          </a:blip>
+          <a:stretch>
+            <a:fillRect/>
+          </a:stretch>
+        </p:blipFill>
+        <p:spPr>
+          <a:xfrm>
+            <a:off x="2529191" y="1191587"/>
+            <a:ext cx="8628435" cy="5548115"/>
+          </a:xfrm>
+        </p:spPr>
+      </p:pic>
+      <p:sp>
+        <p:nvSpPr>
+          <p:cNvPr id="4" name="Slide Number Placeholder 3">
+            <a:extLst>
+              <a:ext uri="{FF2B5EF4-FFF2-40B4-BE49-F238E27FC236}">
+                <a16:creationId xmlns:a16="http://schemas.microsoft.com/office/drawing/2014/main" id="{8B68E8C7-8E4D-4540-AAB1-42306B3846C6}"/>
+              </a:ext>
+            </a:extLst>
+          </p:cNvPr>
+          <p:cNvSpPr>
+            <a:spLocks noGrp="1"/>
+          </p:cNvSpPr>
+          <p:nvPr>
+            <p:ph type="sldNum" sz="quarter" idx="12"/>
+          </p:nvPr>
+        </p:nvSpPr>
+        <p:spPr/>
+        <p:txBody>
+          <a:bodyPr/>
+          <a:lstStyle/>
+          <a:p>
+            <a:fld id="{7C933938-B8E8-47AB-B89E-92B6FF3A5B7F}" type="slidenum">
+              <a:rPr lang="bg-BG" smtClean="0"/>
+              <a:t>6</a:t>
+            </a:fld>
+            <a:endParaRPr lang="bg-BG"/>
+          </a:p>
+        </p:txBody>
+      </p:sp>
+    </p:spTree>
+    <p:extLst>
+      <p:ext uri="{BB962C8B-B14F-4D97-AF65-F5344CB8AC3E}">
+        <p14:creationId xmlns:p14="http://schemas.microsoft.com/office/powerpoint/2010/main" val="1283789372"/>
+      </p:ext>
+    </p:extLst>
+  </p:cSld>
+  <p:clrMapOvr>
+    <a:masterClrMapping/>
+  </p:clrMapOvr>
+</p:sld>
+</file>
+
+<file path=ppt/slides/slide7.xml><?xml version="1.0" encoding="utf-8"?>
+<p:sld xmlns:a="http://schemas.openxmlformats.org/drawingml/2006/main" xmlns:r="http://schemas.openxmlformats.org/officeDocument/2006/relationships" xmlns:p="http://schemas.openxmlformats.org/presentationml/2006/main">
+  <p:cSld>
+    <p:bg>
+      <p:bgPr>
+        <a:solidFill>
+          <a:schemeClr val="bg2"/>
+        </a:solidFill>
+        <a:effectLst/>
+      </p:bgPr>
+    </p:bg>
+    <p:spTree>
+      <p:nvGrpSpPr>
+        <p:cNvPr id="1" name=""/>
+        <p:cNvGrpSpPr/>
+        <p:nvPr/>
+      </p:nvGrpSpPr>
+      <p:grpSpPr>
+        <a:xfrm>
+          <a:off x="0" y="0"/>
+          <a:ext cx="0" cy="0"/>
+          <a:chOff x="0" y="0"/>
+          <a:chExt cx="0" cy="0"/>
+        </a:xfrm>
+      </p:grpSpPr>
+      <p:sp useBgFill="1">
+        <p:nvSpPr>
+          <p:cNvPr id="9" name="Rectangle 8">
+            <a:extLst>
+              <a:ext uri="{FF2B5EF4-FFF2-40B4-BE49-F238E27FC236}">
+                <a16:creationId xmlns:a16="http://schemas.microsoft.com/office/drawing/2014/main" id="{CD306B45-25EE-434D-ABA9-A27B79320CFF}"/>
+              </a:ext>
+              <a:ext uri="{C183D7F6-B498-43B3-948B-1728B52AA6E4}">
+                <adec:decorative xmlns:adec="http://schemas.microsoft.com/office/drawing/2017/decorative" val="1"/>
+              </a:ext>
+            </a:extLst>
+          </p:cNvPr>
+          <p:cNvSpPr>
+            <a:spLocks noGrp="1" noRot="1" noChangeAspect="1" noMove="1" noResize="1" noEditPoints="1" noAdjustHandles="1" noChangeArrowheads="1" noChangeShapeType="1" noTextEdit="1"/>
+          </p:cNvSpPr>
+          <p:nvPr>
+            <p:extLst>
+              <p:ext uri="{386F3935-93C4-4BCD-93E2-E3B085C9AB24}">
+                <p16:designElem xmlns:p16="http://schemas.microsoft.com/office/powerpoint/2015/main" val="1"/>
+              </p:ext>
+            </p:extLst>
+          </p:nvPr>
+        </p:nvSpPr>
+        <p:spPr>
+          <a:xfrm>
+            <a:off x="2" y="0"/>
+            <a:ext cx="12191998" cy="6858000"/>
+          </a:xfrm>
+          <a:prstGeom prst="rect">
+            <a:avLst/>
+          </a:prstGeom>
+          <a:ln>
+            <a:noFill/>
+          </a:ln>
+        </p:spPr>
+        <p:style>
+          <a:lnRef idx="2">
+            <a:schemeClr val="accent1">
+              <a:shade val="50000"/>
+            </a:schemeClr>
+          </a:lnRef>
+          <a:fillRef idx="1">
+            <a:schemeClr val="accent1"/>
+          </a:fillRef>
+          <a:effectRef idx="0">
+            <a:schemeClr val="accent1"/>
+          </a:effectRef>
+          <a:fontRef idx="minor">
+            <a:schemeClr val="lt1"/>
+          </a:fontRef>
+        </p:style>
+        <p:txBody>
+          <a:bodyPr rtlCol="0" anchor="ctr"/>
+          <a:lstStyle/>
+          <a:p>
+            <a:pPr algn="ctr"/>
+            <a:endParaRPr lang="en-US"/>
+          </a:p>
+        </p:txBody>
+      </p:sp>
+      <p:sp>
+        <p:nvSpPr>
+          <p:cNvPr id="2" name="Title 1">
+            <a:extLst>
+              <a:ext uri="{FF2B5EF4-FFF2-40B4-BE49-F238E27FC236}">
+                <a16:creationId xmlns:a16="http://schemas.microsoft.com/office/drawing/2014/main" id="{F008E7E5-FCC6-476E-95BA-0E5DEE55AEC8}"/>
+              </a:ext>
+            </a:extLst>
+          </p:cNvPr>
+          <p:cNvSpPr>
+            <a:spLocks noGrp="1"/>
+          </p:cNvSpPr>
+          <p:nvPr>
+            <p:ph type="title"/>
+          </p:nvPr>
+        </p:nvSpPr>
+        <p:spPr>
+          <a:xfrm>
+            <a:off x="1046019" y="942108"/>
+            <a:ext cx="3256550" cy="4969113"/>
+          </a:xfrm>
+        </p:spPr>
+        <p:txBody>
+          <a:bodyPr anchor="ctr">
+            <a:normAutofit/>
+          </a:bodyPr>
+          <a:lstStyle/>
+          <a:p>
+            <a:r>
+              <a:rPr lang="bg-BG" dirty="0">
+                <a:solidFill>
+                  <a:schemeClr val="tx2">
+                    <a:lumMod val="75000"/>
+                  </a:schemeClr>
+                </a:solidFill>
+              </a:rPr>
+              <a:t>Операции, извършвани от анонимен потребител</a:t>
+            </a:r>
+            <a:endParaRPr lang="en-US" dirty="0">
+              <a:solidFill>
+                <a:schemeClr val="tx2">
+                  <a:lumMod val="75000"/>
+                </a:schemeClr>
+              </a:solidFill>
+            </a:endParaRPr>
+          </a:p>
+        </p:txBody>
+      </p:sp>
+      <p:sp>
+        <p:nvSpPr>
+          <p:cNvPr id="11" name="Rectangle 10">
+            <a:extLst>
+              <a:ext uri="{FF2B5EF4-FFF2-40B4-BE49-F238E27FC236}">
+                <a16:creationId xmlns:a16="http://schemas.microsoft.com/office/drawing/2014/main" id="{0A42F85E-4939-431E-8B4A-EC07C8E0AB65}"/>
+              </a:ext>
+              <a:ext uri="{C183D7F6-B498-43B3-948B-1728B52AA6E4}">
+                <adec:decorative xmlns:adec="http://schemas.microsoft.com/office/drawing/2017/decorative" val="1"/>
+              </a:ext>
+            </a:extLst>
+          </p:cNvPr>
+          <p:cNvSpPr>
+            <a:spLocks noGrp="1" noRot="1" noChangeAspect="1" noMove="1" noResize="1" noEditPoints="1" noAdjustHandles="1" noChangeArrowheads="1" noChangeShapeType="1" noTextEdit="1"/>
+          </p:cNvSpPr>
+          <p:nvPr>
+            <p:extLst>
+              <p:ext uri="{386F3935-93C4-4BCD-93E2-E3B085C9AB24}">
+                <p16:designElem xmlns:p16="http://schemas.microsoft.com/office/powerpoint/2015/main" val="1"/>
+              </p:ext>
+            </p:extLst>
+          </p:nvPr>
+        </p:nvSpPr>
+        <p:spPr>
+          <a:xfrm>
+            <a:off x="0" y="0"/>
+            <a:ext cx="182880" cy="6858000"/>
+          </a:xfrm>
+          <a:prstGeom prst="rect">
+            <a:avLst/>
+          </a:prstGeom>
+          <a:solidFill>
+            <a:schemeClr val="tx2"/>
+          </a:solidFill>
+          <a:ln>
+            <a:noFill/>
+          </a:ln>
+          <a:effectLst/>
+        </p:spPr>
+        <p:style>
+          <a:lnRef idx="1">
+            <a:schemeClr val="accent1"/>
+          </a:lnRef>
+          <a:fillRef idx="3">
+            <a:schemeClr val="accent1"/>
+          </a:fillRef>
+          <a:effectRef idx="2">
+            <a:schemeClr val="accent1"/>
+          </a:effectRef>
+          <a:fontRef idx="minor">
+            <a:schemeClr val="lt1"/>
+          </a:fontRef>
+        </p:style>
+      </p:sp>
+      <p:sp>
+        <p:nvSpPr>
+          <p:cNvPr id="4" name="Slide Number Placeholder 3">
+            <a:extLst>
+              <a:ext uri="{FF2B5EF4-FFF2-40B4-BE49-F238E27FC236}">
+                <a16:creationId xmlns:a16="http://schemas.microsoft.com/office/drawing/2014/main" id="{BB89A8F9-EC3B-41E5-9838-7FC620CEAA00}"/>
+              </a:ext>
+            </a:extLst>
+          </p:cNvPr>
+          <p:cNvSpPr>
+            <a:spLocks noGrp="1"/>
+          </p:cNvSpPr>
+          <p:nvPr>
+            <p:ph type="sldNum" sz="quarter" idx="12"/>
+          </p:nvPr>
+        </p:nvSpPr>
+        <p:spPr>
+          <a:xfrm>
+            <a:off x="151790" y="3246438"/>
+            <a:ext cx="596886" cy="365125"/>
+          </a:xfrm>
+        </p:spPr>
+        <p:txBody>
+          <a:bodyPr>
+            <a:normAutofit/>
+          </a:bodyPr>
+          <a:lstStyle/>
+          <a:p>
+            <a:pPr>
+              <a:lnSpc>
+                <a:spcPct val="90000"/>
+              </a:lnSpc>
+              <a:spcAft>
+                <a:spcPts val="600"/>
+              </a:spcAft>
+            </a:pPr>
+            <a:fld id="{7C933938-B8E8-47AB-B89E-92B6FF3A5B7F}" type="slidenum">
+              <a:rPr lang="bg-BG" sz="1900">
+                <a:solidFill>
+                  <a:schemeClr val="accent1"/>
+                </a:solidFill>
+              </a:rPr>
+              <a:pPr>
+                <a:lnSpc>
+                  <a:spcPct val="90000"/>
+                </a:lnSpc>
+                <a:spcAft>
+                  <a:spcPts val="600"/>
+                </a:spcAft>
+              </a:pPr>
+              <a:t>7</a:t>
+            </a:fld>
+            <a:endParaRPr lang="bg-BG" sz="1900">
+              <a:solidFill>
+                <a:schemeClr val="accent1"/>
+              </a:solidFill>
+            </a:endParaRPr>
+          </a:p>
+        </p:txBody>
+      </p:sp>
+      <p:cxnSp>
+        <p:nvCxnSpPr>
+          <p:cNvPr id="13" name="Straight Connector 12">
+            <a:extLst>
+              <a:ext uri="{FF2B5EF4-FFF2-40B4-BE49-F238E27FC236}">
+                <a16:creationId xmlns:a16="http://schemas.microsoft.com/office/drawing/2014/main" id="{27EBB3F9-D6F7-4F6A-8843-9FEBA15E4969}"/>
+              </a:ext>
+              <a:ext uri="{C183D7F6-B498-43B3-948B-1728B52AA6E4}">
+                <adec:decorative xmlns:adec="http://schemas.microsoft.com/office/drawing/2017/decorative" val="1"/>
+              </a:ext>
+            </a:extLst>
+          </p:cNvPr>
+          <p:cNvCxnSpPr>
+            <a:cxnSpLocks noGrp="1" noRot="1" noChangeAspect="1" noMove="1" noResize="1" noEditPoints="1" noAdjustHandles="1" noChangeArrowheads="1" noChangeShapeType="1"/>
+          </p:cNvCxnSpPr>
+          <p:nvPr>
+            <p:extLst>
+              <p:ext uri="{386F3935-93C4-4BCD-93E2-E3B085C9AB24}">
+                <p16:designElem xmlns:p16="http://schemas.microsoft.com/office/powerpoint/2015/main" val="1"/>
+              </p:ext>
+            </p:extLst>
+          </p:nvPr>
+        </p:nvCxnSpPr>
+        <p:spPr>
+          <a:xfrm>
+            <a:off x="4654296" y="1871831"/>
+            <a:ext cx="0" cy="3200400"/>
+          </a:xfrm>
+          <a:prstGeom prst="line">
+            <a:avLst/>
+          </a:prstGeom>
+          <a:ln w="15875">
+            <a:solidFill>
+              <a:schemeClr val="accent4"/>
+            </a:solidFill>
+          </a:ln>
+        </p:spPr>
+        <p:style>
+          <a:lnRef idx="1">
+            <a:schemeClr val="accent1"/>
+          </a:lnRef>
+          <a:fillRef idx="0">
+            <a:schemeClr val="accent1"/>
+          </a:fillRef>
+          <a:effectRef idx="0">
+            <a:schemeClr val="accent1"/>
+          </a:effectRef>
+          <a:fontRef idx="minor">
+            <a:schemeClr val="tx1"/>
+          </a:fontRef>
+        </p:style>
+      </p:cxnSp>
+      <p:grpSp>
+        <p:nvGrpSpPr>
+          <p:cNvPr id="15" name="Group 14">
+            <a:extLst>
+              <a:ext uri="{FF2B5EF4-FFF2-40B4-BE49-F238E27FC236}">
+                <a16:creationId xmlns:a16="http://schemas.microsoft.com/office/drawing/2014/main" id="{5D2B17EF-74EB-4C33-B2E2-8E727B2E7D68}"/>
+              </a:ext>
+              <a:ext uri="{C183D7F6-B498-43B3-948B-1728B52AA6E4}">
+                <adec:decorative xmlns:adec="http://schemas.microsoft.com/office/drawing/2017/decorative" val="1"/>
+              </a:ext>
+            </a:extLst>
+          </p:cNvPr>
+          <p:cNvGrpSpPr>
+            <a:grpSpLocks noGrp="1" noUngrp="1" noRot="1" noChangeAspect="1" noMove="1" noResize="1"/>
+          </p:cNvGrpSpPr>
+          <p:nvPr>
+            <p:extLst>
+              <p:ext uri="{386F3935-93C4-4BCD-93E2-E3B085C9AB24}">
+                <p16:designElem xmlns:p16="http://schemas.microsoft.com/office/powerpoint/2015/main" val="1"/>
+              </p:ext>
+            </p:extLst>
+          </p:nvPr>
+        </p:nvGrpSpPr>
+        <p:grpSpPr>
+          <a:xfrm flipH="1">
+            <a:off x="6009967" y="0"/>
+            <a:ext cx="6176982" cy="6853245"/>
+            <a:chOff x="2487613" y="285750"/>
+            <a:chExt cx="2428876" cy="5654676"/>
+          </a:xfrm>
+          <a:solidFill>
+            <a:schemeClr val="bg1">
+              <a:alpha val="30000"/>
+            </a:schemeClr>
+          </a:solidFill>
+        </p:grpSpPr>
+        <p:sp>
+          <p:nvSpPr>
+            <p:cNvPr id="16" name="Freeform 11">
+              <a:extLst>
+                <a:ext uri="{FF2B5EF4-FFF2-40B4-BE49-F238E27FC236}">
+                  <a16:creationId xmlns:a16="http://schemas.microsoft.com/office/drawing/2014/main" id="{0A5F1F8A-3206-4B86-883F-65E98BB6E475}"/>
+                </a:ext>
+                <a:ext uri="{C183D7F6-B498-43B3-948B-1728B52AA6E4}">
+                  <adec:decorative xmlns:adec="http://schemas.microsoft.com/office/drawing/2017/decorative" val="1"/>
+                </a:ext>
+              </a:extLst>
+            </p:cNvPr>
+            <p:cNvSpPr/>
+            <p:nvPr>
+              <p:extLst>
+                <p:ext uri="{386F3935-93C4-4BCD-93E2-E3B085C9AB24}">
+                  <p16:designElem xmlns:p16="http://schemas.microsoft.com/office/powerpoint/2015/main" val="1"/>
+                </p:ext>
+              </p:extLst>
+            </p:nvPr>
+          </p:nvSpPr>
+          <p:spPr bwMode="auto">
+            <a:xfrm>
+              <a:off x="2487613" y="2284413"/>
+              <a:ext cx="85725" cy="533400"/>
+            </a:xfrm>
+            <a:custGeom>
+              <a:avLst/>
+              <a:gdLst/>
+              <a:ahLst/>
+              <a:cxnLst/>
+              <a:rect l="0" t="0" r="r" b="b"/>
+              <a:pathLst>
+                <a:path w="22" h="136">
+                  <a:moveTo>
+                    <a:pt x="22" y="136"/>
+                  </a:moveTo>
+                  <a:cubicBezTo>
+                    <a:pt x="20" y="117"/>
+                    <a:pt x="19" y="99"/>
+                    <a:pt x="17" y="80"/>
+                  </a:cubicBezTo>
+                  <a:cubicBezTo>
+                    <a:pt x="11" y="54"/>
+                    <a:pt x="6" y="27"/>
+                    <a:pt x="0" y="0"/>
+                  </a:cubicBezTo>
+                  <a:cubicBezTo>
+                    <a:pt x="0" y="35"/>
+                    <a:pt x="0" y="35"/>
+                    <a:pt x="0" y="35"/>
+                  </a:cubicBezTo>
+                  <a:cubicBezTo>
+                    <a:pt x="6" y="64"/>
+                    <a:pt x="13" y="94"/>
+                    <a:pt x="20" y="124"/>
+                  </a:cubicBezTo>
+                  <a:cubicBezTo>
+                    <a:pt x="20" y="128"/>
+                    <a:pt x="21" y="132"/>
+                    <a:pt x="22" y="136"/>
+                  </a:cubicBezTo>
+                  <a:close/>
+                </a:path>
+              </a:pathLst>
+            </a:custGeom>
+            <a:grpFill/>
+            <a:ln>
+              <a:noFill/>
+            </a:ln>
+          </p:spPr>
+        </p:sp>
+        <p:sp>
+          <p:nvSpPr>
+            <p:cNvPr id="17" name="Freeform 12">
+              <a:extLst>
+                <a:ext uri="{FF2B5EF4-FFF2-40B4-BE49-F238E27FC236}">
+                  <a16:creationId xmlns:a16="http://schemas.microsoft.com/office/drawing/2014/main" id="{6935F8C7-CC88-4243-9786-F3CDBF04A09F}"/>
+                </a:ext>
+                <a:ext uri="{C183D7F6-B498-43B3-948B-1728B52AA6E4}">
+                  <adec:decorative xmlns:adec="http://schemas.microsoft.com/office/drawing/2017/decorative" val="1"/>
+                </a:ext>
+              </a:extLst>
+            </p:cNvPr>
+            <p:cNvSpPr/>
+            <p:nvPr>
+              <p:extLst>
+                <p:ext uri="{386F3935-93C4-4BCD-93E2-E3B085C9AB24}">
+                  <p16:designElem xmlns:p16="http://schemas.microsoft.com/office/powerpoint/2015/main" val="1"/>
+                </p:ext>
+              </p:extLst>
+            </p:nvPr>
+          </p:nvSpPr>
+          <p:spPr bwMode="auto">
+            <a:xfrm>
+              <a:off x="2597151" y="2779713"/>
+              <a:ext cx="550863" cy="1978025"/>
+            </a:xfrm>
+            <a:custGeom>
+              <a:avLst/>
+              <a:gdLst/>
+              <a:ahLst/>
+              <a:cxnLst/>
+              <a:rect l="0" t="0" r="r" b="b"/>
+              <a:pathLst>
+                <a:path w="140" h="504">
+                  <a:moveTo>
+                    <a:pt x="86" y="350"/>
+                  </a:moveTo>
+                  <a:cubicBezTo>
+                    <a:pt x="103" y="402"/>
+                    <a:pt x="120" y="453"/>
+                    <a:pt x="139" y="504"/>
+                  </a:cubicBezTo>
+                  <a:cubicBezTo>
+                    <a:pt x="139" y="495"/>
+                    <a:pt x="139" y="487"/>
+                    <a:pt x="140" y="478"/>
+                  </a:cubicBezTo>
+                  <a:cubicBezTo>
+                    <a:pt x="124" y="435"/>
+                    <a:pt x="109" y="391"/>
+                    <a:pt x="95" y="347"/>
+                  </a:cubicBezTo>
+                  <a:cubicBezTo>
+                    <a:pt x="58" y="233"/>
+                    <a:pt x="27" y="117"/>
+                    <a:pt x="0" y="0"/>
+                  </a:cubicBezTo>
+                  <a:cubicBezTo>
+                    <a:pt x="2" y="20"/>
+                    <a:pt x="4" y="41"/>
+                    <a:pt x="6" y="61"/>
+                  </a:cubicBezTo>
+                  <a:cubicBezTo>
+                    <a:pt x="30" y="158"/>
+                    <a:pt x="56" y="255"/>
+                    <a:pt x="86" y="350"/>
+                  </a:cubicBezTo>
+                  <a:close/>
+                </a:path>
+              </a:pathLst>
+            </a:custGeom>
+            <a:grpFill/>
+            <a:ln>
+              <a:noFill/>
+            </a:ln>
+          </p:spPr>
+        </p:sp>
+        <p:sp>
+          <p:nvSpPr>
+            <p:cNvPr id="18" name="Freeform 13">
+              <a:extLst>
+                <a:ext uri="{FF2B5EF4-FFF2-40B4-BE49-F238E27FC236}">
+                  <a16:creationId xmlns:a16="http://schemas.microsoft.com/office/drawing/2014/main" id="{9AF7BAD9-71B3-40D8-A089-EFF7FE67BD66}"/>
+                </a:ext>
+                <a:ext uri="{C183D7F6-B498-43B3-948B-1728B52AA6E4}">
+                  <adec:decorative xmlns:adec="http://schemas.microsoft.com/office/drawing/2017/decorative" val="1"/>
+                </a:ext>
+              </a:extLst>
+            </p:cNvPr>
+            <p:cNvSpPr/>
+            <p:nvPr>
+              <p:extLst>
+                <p:ext uri="{386F3935-93C4-4BCD-93E2-E3B085C9AB24}">
+                  <p16:designElem xmlns:p16="http://schemas.microsoft.com/office/powerpoint/2015/main" val="1"/>
+                </p:ext>
+              </p:extLst>
+            </p:nvPr>
+          </p:nvSpPr>
+          <p:spPr bwMode="auto">
+            <a:xfrm>
+              <a:off x="3175001" y="4730750"/>
+              <a:ext cx="519113" cy="1209675"/>
+            </a:xfrm>
+            <a:custGeom>
+              <a:avLst/>
+              <a:gdLst/>
+              <a:ahLst/>
+              <a:cxnLst/>
+              <a:rect l="0" t="0" r="r" b="b"/>
+              <a:pathLst>
+                <a:path w="132" h="308">
+                  <a:moveTo>
+                    <a:pt x="8" y="22"/>
+                  </a:moveTo>
+                  <a:cubicBezTo>
+                    <a:pt x="5" y="15"/>
+                    <a:pt x="2" y="8"/>
+                    <a:pt x="0" y="0"/>
+                  </a:cubicBezTo>
+                  <a:cubicBezTo>
+                    <a:pt x="0" y="10"/>
+                    <a:pt x="0" y="19"/>
+                    <a:pt x="0" y="29"/>
+                  </a:cubicBezTo>
+                  <a:cubicBezTo>
+                    <a:pt x="21" y="85"/>
+                    <a:pt x="44" y="140"/>
+                    <a:pt x="68" y="194"/>
+                  </a:cubicBezTo>
+                  <a:cubicBezTo>
+                    <a:pt x="85" y="232"/>
+                    <a:pt x="104" y="270"/>
+                    <a:pt x="123" y="308"/>
+                  </a:cubicBezTo>
+                  <a:cubicBezTo>
+                    <a:pt x="132" y="308"/>
+                    <a:pt x="132" y="308"/>
+                    <a:pt x="132" y="308"/>
+                  </a:cubicBezTo>
+                  <a:cubicBezTo>
+                    <a:pt x="113" y="269"/>
+                    <a:pt x="94" y="230"/>
+                    <a:pt x="77" y="190"/>
+                  </a:cubicBezTo>
+                  <a:cubicBezTo>
+                    <a:pt x="52" y="135"/>
+                    <a:pt x="29" y="79"/>
+                    <a:pt x="8" y="22"/>
+                  </a:cubicBezTo>
+                  <a:close/>
+                </a:path>
+              </a:pathLst>
+            </a:custGeom>
+            <a:grpFill/>
+            <a:ln>
+              <a:noFill/>
+            </a:ln>
+          </p:spPr>
+        </p:sp>
+        <p:sp>
+          <p:nvSpPr>
+            <p:cNvPr id="19" name="Freeform 14">
+              <a:extLst>
+                <a:ext uri="{FF2B5EF4-FFF2-40B4-BE49-F238E27FC236}">
+                  <a16:creationId xmlns:a16="http://schemas.microsoft.com/office/drawing/2014/main" id="{6467094F-AEF0-4D3B-BB76-8B3C1F08B937}"/>
+                </a:ext>
+                <a:ext uri="{C183D7F6-B498-43B3-948B-1728B52AA6E4}">
+                  <adec:decorative xmlns:adec="http://schemas.microsoft.com/office/drawing/2017/decorative" val="1"/>
+                </a:ext>
+              </a:extLst>
+            </p:cNvPr>
+            <p:cNvSpPr/>
+            <p:nvPr>
+              <p:extLst>
+                <p:ext uri="{386F3935-93C4-4BCD-93E2-E3B085C9AB24}">
+                  <p16:designElem xmlns:p16="http://schemas.microsoft.com/office/powerpoint/2015/main" val="1"/>
+                </p:ext>
+              </p:extLst>
+            </p:nvPr>
+          </p:nvSpPr>
+          <p:spPr bwMode="auto">
+            <a:xfrm>
+              <a:off x="3305176" y="5630863"/>
+              <a:ext cx="146050" cy="309563"/>
+            </a:xfrm>
+            <a:custGeom>
+              <a:avLst/>
+              <a:gdLst/>
+              <a:ahLst/>
+              <a:cxnLst/>
+              <a:rect l="0" t="0" r="r" b="b"/>
+              <a:pathLst>
+                <a:path w="37" h="79">
+                  <a:moveTo>
+                    <a:pt x="28" y="79"/>
+                  </a:moveTo>
+                  <a:cubicBezTo>
+                    <a:pt x="37" y="79"/>
+                    <a:pt x="37" y="79"/>
+                    <a:pt x="37" y="79"/>
+                  </a:cubicBezTo>
+                  <a:cubicBezTo>
+                    <a:pt x="24" y="53"/>
+                    <a:pt x="12" y="27"/>
+                    <a:pt x="0" y="0"/>
+                  </a:cubicBezTo>
+                  <a:cubicBezTo>
+                    <a:pt x="8" y="27"/>
+                    <a:pt x="17" y="53"/>
+                    <a:pt x="28" y="79"/>
+                  </a:cubicBezTo>
+                  <a:close/>
+                </a:path>
+              </a:pathLst>
+            </a:custGeom>
+            <a:grpFill/>
+            <a:ln>
+              <a:noFill/>
+            </a:ln>
+          </p:spPr>
+        </p:sp>
+        <p:sp>
+          <p:nvSpPr>
+            <p:cNvPr id="20" name="Freeform 15">
+              <a:extLst>
+                <a:ext uri="{FF2B5EF4-FFF2-40B4-BE49-F238E27FC236}">
+                  <a16:creationId xmlns:a16="http://schemas.microsoft.com/office/drawing/2014/main" id="{36F56AF9-DEF1-44E7-BF42-6AAC1AA9D19D}"/>
+                </a:ext>
+                <a:ext uri="{C183D7F6-B498-43B3-948B-1728B52AA6E4}">
+                  <adec:decorative xmlns:adec="http://schemas.microsoft.com/office/drawing/2017/decorative" val="1"/>
+                </a:ext>
+              </a:extLst>
+            </p:cNvPr>
+            <p:cNvSpPr/>
+            <p:nvPr>
+              <p:extLst>
+                <p:ext uri="{386F3935-93C4-4BCD-93E2-E3B085C9AB24}">
+                  <p16:designElem xmlns:p16="http://schemas.microsoft.com/office/powerpoint/2015/main" val="1"/>
+                </p:ext>
+              </p:extLst>
+            </p:nvPr>
+          </p:nvSpPr>
+          <p:spPr bwMode="auto">
+            <a:xfrm>
+              <a:off x="2573338" y="2817813"/>
+              <a:ext cx="700088" cy="2835275"/>
+            </a:xfrm>
+            <a:custGeom>
+              <a:avLst/>
+              <a:gdLst/>
+              <a:ahLst/>
+              <a:cxnLst/>
+              <a:rect l="0" t="0" r="r" b="b"/>
+              <a:pathLst>
+                <a:path w="178" h="722">
+                  <a:moveTo>
+                    <a:pt x="162" y="660"/>
+                  </a:moveTo>
+                  <a:cubicBezTo>
+                    <a:pt x="145" y="618"/>
+                    <a:pt x="130" y="576"/>
+                    <a:pt x="116" y="534"/>
+                  </a:cubicBezTo>
+                  <a:cubicBezTo>
+                    <a:pt x="84" y="437"/>
+                    <a:pt x="59" y="337"/>
+                    <a:pt x="40" y="236"/>
+                  </a:cubicBezTo>
+                  <a:cubicBezTo>
+                    <a:pt x="29" y="175"/>
+                    <a:pt x="20" y="113"/>
+                    <a:pt x="12" y="51"/>
+                  </a:cubicBezTo>
+                  <a:cubicBezTo>
+                    <a:pt x="8" y="34"/>
+                    <a:pt x="4" y="17"/>
+                    <a:pt x="0" y="0"/>
+                  </a:cubicBezTo>
+                  <a:cubicBezTo>
+                    <a:pt x="8" y="79"/>
+                    <a:pt x="19" y="159"/>
+                    <a:pt x="33" y="237"/>
+                  </a:cubicBezTo>
+                  <a:cubicBezTo>
+                    <a:pt x="51" y="339"/>
+                    <a:pt x="76" y="439"/>
+                    <a:pt x="107" y="537"/>
+                  </a:cubicBezTo>
+                  <a:cubicBezTo>
+                    <a:pt x="123" y="586"/>
+                    <a:pt x="141" y="634"/>
+                    <a:pt x="160" y="681"/>
+                  </a:cubicBezTo>
+                  <a:cubicBezTo>
+                    <a:pt x="166" y="695"/>
+                    <a:pt x="172" y="708"/>
+                    <a:pt x="178" y="722"/>
+                  </a:cubicBezTo>
+                  <a:cubicBezTo>
+                    <a:pt x="176" y="717"/>
+                    <a:pt x="175" y="713"/>
+                    <a:pt x="174" y="708"/>
+                  </a:cubicBezTo>
+                  <a:cubicBezTo>
+                    <a:pt x="169" y="692"/>
+                    <a:pt x="165" y="676"/>
+                    <a:pt x="162" y="660"/>
+                  </a:cubicBezTo>
+                  <a:close/>
+                </a:path>
+              </a:pathLst>
+            </a:custGeom>
+            <a:grpFill/>
+            <a:ln>
+              <a:noFill/>
+            </a:ln>
+          </p:spPr>
+        </p:sp>
+        <p:sp>
+          <p:nvSpPr>
+            <p:cNvPr id="21" name="Freeform 16">
+              <a:extLst>
+                <a:ext uri="{FF2B5EF4-FFF2-40B4-BE49-F238E27FC236}">
+                  <a16:creationId xmlns:a16="http://schemas.microsoft.com/office/drawing/2014/main" id="{A43EBE71-20BA-4A40-A513-516678089D11}"/>
+                </a:ext>
+                <a:ext uri="{C183D7F6-B498-43B3-948B-1728B52AA6E4}">
+                  <adec:decorative xmlns:adec="http://schemas.microsoft.com/office/drawing/2017/decorative" val="1"/>
+                </a:ext>
+              </a:extLst>
+            </p:cNvPr>
+            <p:cNvSpPr/>
+            <p:nvPr>
+              <p:extLst>
+                <p:ext uri="{386F3935-93C4-4BCD-93E2-E3B085C9AB24}">
+                  <p16:designElem xmlns:p16="http://schemas.microsoft.com/office/powerpoint/2015/main" val="1"/>
+                </p:ext>
+              </p:extLst>
+            </p:nvPr>
+          </p:nvSpPr>
+          <p:spPr bwMode="auto">
+            <a:xfrm>
+              <a:off x="2506663" y="285750"/>
+              <a:ext cx="90488" cy="2493963"/>
+            </a:xfrm>
+            <a:custGeom>
+              <a:avLst/>
+              <a:gdLst/>
+              <a:ahLst/>
+              <a:cxnLst/>
+              <a:rect l="0" t="0" r="r" b="b"/>
+              <a:pathLst>
+                <a:path w="23" h="635">
+                  <a:moveTo>
+                    <a:pt x="11" y="577"/>
+                  </a:moveTo>
+                  <a:cubicBezTo>
+                    <a:pt x="12" y="581"/>
+                    <a:pt x="12" y="585"/>
+                    <a:pt x="12" y="589"/>
+                  </a:cubicBezTo>
+                  <a:cubicBezTo>
+                    <a:pt x="15" y="603"/>
+                    <a:pt x="19" y="617"/>
+                    <a:pt x="22" y="632"/>
+                  </a:cubicBezTo>
+                  <a:cubicBezTo>
+                    <a:pt x="22" y="633"/>
+                    <a:pt x="22" y="634"/>
+                    <a:pt x="23" y="635"/>
+                  </a:cubicBezTo>
+                  <a:cubicBezTo>
+                    <a:pt x="21" y="615"/>
+                    <a:pt x="19" y="596"/>
+                    <a:pt x="17" y="576"/>
+                  </a:cubicBezTo>
+                  <a:cubicBezTo>
+                    <a:pt x="9" y="474"/>
+                    <a:pt x="5" y="372"/>
+                    <a:pt x="5" y="269"/>
+                  </a:cubicBezTo>
+                  <a:cubicBezTo>
+                    <a:pt x="6" y="179"/>
+                    <a:pt x="9" y="90"/>
+                    <a:pt x="15" y="0"/>
+                  </a:cubicBezTo>
+                  <a:cubicBezTo>
+                    <a:pt x="12" y="0"/>
+                    <a:pt x="12" y="0"/>
+                    <a:pt x="12" y="0"/>
+                  </a:cubicBezTo>
+                  <a:cubicBezTo>
+                    <a:pt x="5" y="89"/>
+                    <a:pt x="2" y="179"/>
+                    <a:pt x="1" y="269"/>
+                  </a:cubicBezTo>
+                  <a:cubicBezTo>
+                    <a:pt x="0" y="372"/>
+                    <a:pt x="3" y="474"/>
+                    <a:pt x="11" y="577"/>
+                  </a:cubicBezTo>
+                  <a:close/>
+                </a:path>
+              </a:pathLst>
+            </a:custGeom>
+            <a:grpFill/>
+            <a:ln>
+              <a:noFill/>
+            </a:ln>
+          </p:spPr>
+        </p:sp>
+        <p:sp>
+          <p:nvSpPr>
+            <p:cNvPr id="22" name="Freeform 17">
+              <a:extLst>
+                <a:ext uri="{FF2B5EF4-FFF2-40B4-BE49-F238E27FC236}">
+                  <a16:creationId xmlns:a16="http://schemas.microsoft.com/office/drawing/2014/main" id="{1DB39648-7B38-4D0B-93C5-048EC4A45C99}"/>
+                </a:ext>
+                <a:ext uri="{C183D7F6-B498-43B3-948B-1728B52AA6E4}">
+                  <adec:decorative xmlns:adec="http://schemas.microsoft.com/office/drawing/2017/decorative" val="1"/>
+                </a:ext>
+              </a:extLst>
+            </p:cNvPr>
+            <p:cNvSpPr/>
+            <p:nvPr>
+              <p:extLst>
+                <p:ext uri="{386F3935-93C4-4BCD-93E2-E3B085C9AB24}">
+                  <p16:designElem xmlns:p16="http://schemas.microsoft.com/office/powerpoint/2015/main" val="1"/>
+                </p:ext>
+              </p:extLst>
+            </p:nvPr>
+          </p:nvSpPr>
+          <p:spPr bwMode="auto">
+            <a:xfrm>
+              <a:off x="2554288" y="2598738"/>
+              <a:ext cx="66675" cy="420688"/>
+            </a:xfrm>
+            <a:custGeom>
+              <a:avLst/>
+              <a:gdLst/>
+              <a:ahLst/>
+              <a:cxnLst/>
+              <a:rect l="0" t="0" r="r" b="b"/>
+              <a:pathLst>
+                <a:path w="17" h="107">
+                  <a:moveTo>
+                    <a:pt x="0" y="0"/>
+                  </a:moveTo>
+                  <a:cubicBezTo>
+                    <a:pt x="2" y="19"/>
+                    <a:pt x="3" y="37"/>
+                    <a:pt x="5" y="56"/>
+                  </a:cubicBezTo>
+                  <a:cubicBezTo>
+                    <a:pt x="9" y="73"/>
+                    <a:pt x="13" y="90"/>
+                    <a:pt x="17" y="107"/>
+                  </a:cubicBezTo>
+                  <a:cubicBezTo>
+                    <a:pt x="15" y="87"/>
+                    <a:pt x="13" y="66"/>
+                    <a:pt x="11" y="46"/>
+                  </a:cubicBezTo>
+                  <a:cubicBezTo>
+                    <a:pt x="10" y="45"/>
+                    <a:pt x="10" y="44"/>
+                    <a:pt x="10" y="43"/>
+                  </a:cubicBezTo>
+                  <a:cubicBezTo>
+                    <a:pt x="7" y="28"/>
+                    <a:pt x="3" y="14"/>
+                    <a:pt x="0" y="0"/>
+                  </a:cubicBezTo>
+                  <a:close/>
+                </a:path>
+              </a:pathLst>
+            </a:custGeom>
+            <a:grpFill/>
+            <a:ln>
+              <a:noFill/>
+            </a:ln>
+          </p:spPr>
+        </p:sp>
+        <p:sp>
+          <p:nvSpPr>
+            <p:cNvPr id="23" name="Freeform 18">
+              <a:extLst>
+                <a:ext uri="{FF2B5EF4-FFF2-40B4-BE49-F238E27FC236}">
+                  <a16:creationId xmlns:a16="http://schemas.microsoft.com/office/drawing/2014/main" id="{8DD2661F-DE5F-45EA-B30B-7C6589638836}"/>
+                </a:ext>
+                <a:ext uri="{C183D7F6-B498-43B3-948B-1728B52AA6E4}">
+                  <adec:decorative xmlns:adec="http://schemas.microsoft.com/office/drawing/2017/decorative" val="1"/>
+                </a:ext>
+              </a:extLst>
+            </p:cNvPr>
+            <p:cNvSpPr/>
+            <p:nvPr>
+              <p:extLst>
+                <p:ext uri="{386F3935-93C4-4BCD-93E2-E3B085C9AB24}">
+                  <p16:designElem xmlns:p16="http://schemas.microsoft.com/office/powerpoint/2015/main" val="1"/>
+                </p:ext>
+              </p:extLst>
+            </p:nvPr>
+          </p:nvSpPr>
+          <p:spPr bwMode="auto">
+            <a:xfrm>
+              <a:off x="3143251" y="4757738"/>
+              <a:ext cx="161925" cy="873125"/>
+            </a:xfrm>
+            <a:custGeom>
+              <a:avLst/>
+              <a:gdLst/>
+              <a:ahLst/>
+              <a:cxnLst/>
+              <a:rect l="0" t="0" r="r" b="b"/>
+              <a:pathLst>
+                <a:path w="41" h="222">
+                  <a:moveTo>
+                    <a:pt x="0" y="0"/>
+                  </a:moveTo>
+                  <a:cubicBezTo>
+                    <a:pt x="0" y="31"/>
+                    <a:pt x="2" y="62"/>
+                    <a:pt x="5" y="93"/>
+                  </a:cubicBezTo>
+                  <a:cubicBezTo>
+                    <a:pt x="8" y="117"/>
+                    <a:pt x="12" y="142"/>
+                    <a:pt x="17" y="166"/>
+                  </a:cubicBezTo>
+                  <a:cubicBezTo>
+                    <a:pt x="19" y="172"/>
+                    <a:pt x="22" y="178"/>
+                    <a:pt x="24" y="184"/>
+                  </a:cubicBezTo>
+                  <a:cubicBezTo>
+                    <a:pt x="30" y="197"/>
+                    <a:pt x="35" y="209"/>
+                    <a:pt x="41" y="222"/>
+                  </a:cubicBezTo>
+                  <a:cubicBezTo>
+                    <a:pt x="40" y="219"/>
+                    <a:pt x="39" y="215"/>
+                    <a:pt x="38" y="212"/>
+                  </a:cubicBezTo>
+                  <a:cubicBezTo>
+                    <a:pt x="26" y="172"/>
+                    <a:pt x="18" y="132"/>
+                    <a:pt x="13" y="92"/>
+                  </a:cubicBezTo>
+                  <a:cubicBezTo>
+                    <a:pt x="11" y="68"/>
+                    <a:pt x="9" y="45"/>
+                    <a:pt x="8" y="22"/>
+                  </a:cubicBezTo>
+                  <a:cubicBezTo>
+                    <a:pt x="8" y="21"/>
+                    <a:pt x="7" y="20"/>
+                    <a:pt x="7" y="18"/>
+                  </a:cubicBezTo>
+                  <a:cubicBezTo>
+                    <a:pt x="5" y="12"/>
+                    <a:pt x="2" y="6"/>
+                    <a:pt x="0" y="0"/>
+                  </a:cubicBezTo>
+                  <a:close/>
+                </a:path>
+              </a:pathLst>
+            </a:custGeom>
+            <a:grpFill/>
+            <a:ln>
+              <a:noFill/>
+            </a:ln>
+          </p:spPr>
+        </p:sp>
+        <p:sp>
+          <p:nvSpPr>
+            <p:cNvPr id="24" name="Freeform 19">
+              <a:extLst>
+                <a:ext uri="{FF2B5EF4-FFF2-40B4-BE49-F238E27FC236}">
+                  <a16:creationId xmlns:a16="http://schemas.microsoft.com/office/drawing/2014/main" id="{ABF0A0E5-E68E-4183-A913-228692FD85EC}"/>
+                </a:ext>
+                <a:ext uri="{C183D7F6-B498-43B3-948B-1728B52AA6E4}">
+                  <adec:decorative xmlns:adec="http://schemas.microsoft.com/office/drawing/2017/decorative" val="1"/>
+                </a:ext>
+              </a:extLst>
+            </p:cNvPr>
+            <p:cNvSpPr/>
+            <p:nvPr>
+              <p:extLst>
+                <p:ext uri="{386F3935-93C4-4BCD-93E2-E3B085C9AB24}">
+                  <p16:designElem xmlns:p16="http://schemas.microsoft.com/office/powerpoint/2015/main" val="1"/>
+                </p:ext>
+              </p:extLst>
+            </p:nvPr>
+          </p:nvSpPr>
+          <p:spPr bwMode="auto">
+            <a:xfrm>
+              <a:off x="3148014" y="468286"/>
+              <a:ext cx="1768475" cy="4262464"/>
+            </a:xfrm>
+            <a:custGeom>
+              <a:avLst/>
+              <a:gdLst/>
+              <a:ahLst/>
+              <a:cxnLst/>
+              <a:rect l="0" t="0" r="r" b="b"/>
+              <a:pathLst>
+                <a:path w="450" h="878">
+                  <a:moveTo>
+                    <a:pt x="7" y="854"/>
+                  </a:moveTo>
+                  <a:cubicBezTo>
+                    <a:pt x="10" y="772"/>
+                    <a:pt x="26" y="691"/>
+                    <a:pt x="50" y="613"/>
+                  </a:cubicBezTo>
+                  <a:cubicBezTo>
+                    <a:pt x="75" y="535"/>
+                    <a:pt x="109" y="460"/>
+                    <a:pt x="149" y="388"/>
+                  </a:cubicBezTo>
+                  <a:cubicBezTo>
+                    <a:pt x="189" y="316"/>
+                    <a:pt x="235" y="248"/>
+                    <a:pt x="285" y="183"/>
+                  </a:cubicBezTo>
+                  <a:cubicBezTo>
+                    <a:pt x="310" y="151"/>
+                    <a:pt x="337" y="119"/>
+                    <a:pt x="364" y="89"/>
+                  </a:cubicBezTo>
+                  <a:cubicBezTo>
+                    <a:pt x="378" y="74"/>
+                    <a:pt x="392" y="58"/>
+                    <a:pt x="406" y="44"/>
+                  </a:cubicBezTo>
+                  <a:cubicBezTo>
+                    <a:pt x="421" y="29"/>
+                    <a:pt x="435" y="15"/>
+                    <a:pt x="450" y="1"/>
+                  </a:cubicBezTo>
+                  <a:cubicBezTo>
+                    <a:pt x="450" y="0"/>
+                    <a:pt x="450" y="0"/>
+                    <a:pt x="450" y="0"/>
+                  </a:cubicBezTo>
+                  <a:cubicBezTo>
+                    <a:pt x="434" y="14"/>
+                    <a:pt x="420" y="28"/>
+                    <a:pt x="405" y="43"/>
+                  </a:cubicBezTo>
+                  <a:cubicBezTo>
+                    <a:pt x="391" y="57"/>
+                    <a:pt x="377" y="72"/>
+                    <a:pt x="363" y="88"/>
+                  </a:cubicBezTo>
+                  <a:cubicBezTo>
+                    <a:pt x="335" y="118"/>
+                    <a:pt x="308" y="149"/>
+                    <a:pt x="283" y="181"/>
+                  </a:cubicBezTo>
+                  <a:cubicBezTo>
+                    <a:pt x="232" y="246"/>
+                    <a:pt x="185" y="314"/>
+                    <a:pt x="145" y="386"/>
+                  </a:cubicBezTo>
+                  <a:cubicBezTo>
+                    <a:pt x="104" y="457"/>
+                    <a:pt x="70" y="533"/>
+                    <a:pt x="45" y="611"/>
+                  </a:cubicBezTo>
+                  <a:cubicBezTo>
+                    <a:pt x="19" y="690"/>
+                    <a:pt x="3" y="771"/>
+                    <a:pt x="0" y="854"/>
+                  </a:cubicBezTo>
+                  <a:cubicBezTo>
+                    <a:pt x="0" y="856"/>
+                    <a:pt x="0" y="857"/>
+                    <a:pt x="0" y="859"/>
+                  </a:cubicBezTo>
+                  <a:cubicBezTo>
+                    <a:pt x="2" y="865"/>
+                    <a:pt x="4" y="872"/>
+                    <a:pt x="7" y="878"/>
+                  </a:cubicBezTo>
+                  <a:cubicBezTo>
+                    <a:pt x="7" y="870"/>
+                    <a:pt x="7" y="862"/>
+                    <a:pt x="7" y="854"/>
+                  </a:cubicBezTo>
+                  <a:close/>
+                </a:path>
+              </a:pathLst>
+            </a:custGeom>
+            <a:grpFill/>
+            <a:ln>
+              <a:noFill/>
+            </a:ln>
+          </p:spPr>
+        </p:sp>
+        <p:sp>
+          <p:nvSpPr>
+            <p:cNvPr id="25" name="Freeform 20">
+              <a:extLst>
+                <a:ext uri="{FF2B5EF4-FFF2-40B4-BE49-F238E27FC236}">
+                  <a16:creationId xmlns:a16="http://schemas.microsoft.com/office/drawing/2014/main" id="{615D8F55-8ACD-4EFE-A832-06E785479EA5}"/>
+                </a:ext>
+                <a:ext uri="{C183D7F6-B498-43B3-948B-1728B52AA6E4}">
+                  <adec:decorative xmlns:adec="http://schemas.microsoft.com/office/drawing/2017/decorative" val="1"/>
+                </a:ext>
+              </a:extLst>
+            </p:cNvPr>
+            <p:cNvSpPr/>
+            <p:nvPr>
+              <p:extLst>
+                <p:ext uri="{386F3935-93C4-4BCD-93E2-E3B085C9AB24}">
+                  <p16:designElem xmlns:p16="http://schemas.microsoft.com/office/powerpoint/2015/main" val="1"/>
+                </p:ext>
+              </p:extLst>
+            </p:nvPr>
+          </p:nvSpPr>
+          <p:spPr bwMode="auto">
+            <a:xfrm>
+              <a:off x="3273426" y="5653088"/>
+              <a:ext cx="138113" cy="287338"/>
+            </a:xfrm>
+            <a:custGeom>
+              <a:avLst/>
+              <a:gdLst/>
+              <a:ahLst/>
+              <a:cxnLst/>
+              <a:rect l="0" t="0" r="r" b="b"/>
+              <a:pathLst>
+                <a:path w="35" h="73">
+                  <a:moveTo>
+                    <a:pt x="0" y="0"/>
+                  </a:moveTo>
+                  <a:cubicBezTo>
+                    <a:pt x="7" y="24"/>
+                    <a:pt x="16" y="49"/>
+                    <a:pt x="26" y="73"/>
+                  </a:cubicBezTo>
+                  <a:cubicBezTo>
+                    <a:pt x="35" y="73"/>
+                    <a:pt x="35" y="73"/>
+                    <a:pt x="35" y="73"/>
+                  </a:cubicBezTo>
+                  <a:cubicBezTo>
+                    <a:pt x="23" y="49"/>
+                    <a:pt x="11" y="24"/>
+                    <a:pt x="0" y="0"/>
+                  </a:cubicBezTo>
+                  <a:close/>
+                </a:path>
+              </a:pathLst>
+            </a:custGeom>
+            <a:grpFill/>
+            <a:ln>
+              <a:noFill/>
+            </a:ln>
+          </p:spPr>
+        </p:sp>
+        <p:sp>
+          <p:nvSpPr>
+            <p:cNvPr id="26" name="Freeform 21">
+              <a:extLst>
+                <a:ext uri="{FF2B5EF4-FFF2-40B4-BE49-F238E27FC236}">
+                  <a16:creationId xmlns:a16="http://schemas.microsoft.com/office/drawing/2014/main" id="{0FDF4201-8CEC-474B-A6B1-88039B70416F}"/>
+                </a:ext>
+                <a:ext uri="{C183D7F6-B498-43B3-948B-1728B52AA6E4}">
+                  <adec:decorative xmlns:adec="http://schemas.microsoft.com/office/drawing/2017/decorative" val="1"/>
+                </a:ext>
+              </a:extLst>
+            </p:cNvPr>
+            <p:cNvSpPr/>
+            <p:nvPr>
+              <p:extLst>
+                <p:ext uri="{386F3935-93C4-4BCD-93E2-E3B085C9AB24}">
+                  <p16:designElem xmlns:p16="http://schemas.microsoft.com/office/powerpoint/2015/main" val="1"/>
+                </p:ext>
+              </p:extLst>
+            </p:nvPr>
+          </p:nvSpPr>
+          <p:spPr bwMode="auto">
+            <a:xfrm>
+              <a:off x="3143251" y="4656138"/>
+              <a:ext cx="31750" cy="188913"/>
+            </a:xfrm>
+            <a:custGeom>
+              <a:avLst/>
+              <a:gdLst/>
+              <a:ahLst/>
+              <a:cxnLst/>
+              <a:rect l="0" t="0" r="r" b="b"/>
+              <a:pathLst>
+                <a:path w="8" h="48">
+                  <a:moveTo>
+                    <a:pt x="7" y="44"/>
+                  </a:moveTo>
+                  <a:cubicBezTo>
+                    <a:pt x="7" y="46"/>
+                    <a:pt x="8" y="47"/>
+                    <a:pt x="8" y="48"/>
+                  </a:cubicBezTo>
+                  <a:cubicBezTo>
+                    <a:pt x="8" y="38"/>
+                    <a:pt x="8" y="29"/>
+                    <a:pt x="8" y="19"/>
+                  </a:cubicBezTo>
+                  <a:cubicBezTo>
+                    <a:pt x="5" y="13"/>
+                    <a:pt x="3" y="6"/>
+                    <a:pt x="1" y="0"/>
+                  </a:cubicBezTo>
+                  <a:cubicBezTo>
+                    <a:pt x="0" y="9"/>
+                    <a:pt x="0" y="17"/>
+                    <a:pt x="0" y="26"/>
+                  </a:cubicBezTo>
+                  <a:cubicBezTo>
+                    <a:pt x="2" y="32"/>
+                    <a:pt x="5" y="38"/>
+                    <a:pt x="7" y="44"/>
+                  </a:cubicBezTo>
+                  <a:close/>
+                </a:path>
+              </a:pathLst>
+            </a:custGeom>
+            <a:grpFill/>
+            <a:ln>
+              <a:noFill/>
+            </a:ln>
+          </p:spPr>
+        </p:sp>
+        <p:sp>
+          <p:nvSpPr>
+            <p:cNvPr id="27" name="Freeform 22">
+              <a:extLst>
+                <a:ext uri="{FF2B5EF4-FFF2-40B4-BE49-F238E27FC236}">
+                  <a16:creationId xmlns:a16="http://schemas.microsoft.com/office/drawing/2014/main" id="{0F60AEA4-B25F-417E-93FC-59686DFBE56E}"/>
+                </a:ext>
+                <a:ext uri="{C183D7F6-B498-43B3-948B-1728B52AA6E4}">
+                  <adec:decorative xmlns:adec="http://schemas.microsoft.com/office/drawing/2017/decorative" val="1"/>
+                </a:ext>
+              </a:extLst>
+            </p:cNvPr>
+            <p:cNvSpPr/>
+            <p:nvPr>
+              <p:extLst>
+                <p:ext uri="{386F3935-93C4-4BCD-93E2-E3B085C9AB24}">
+                  <p16:designElem xmlns:p16="http://schemas.microsoft.com/office/powerpoint/2015/main" val="1"/>
+                </p:ext>
+              </p:extLst>
+            </p:nvPr>
+          </p:nvSpPr>
+          <p:spPr bwMode="auto">
+            <a:xfrm>
+              <a:off x="3211513" y="5410200"/>
+              <a:ext cx="203200" cy="530225"/>
+            </a:xfrm>
+            <a:custGeom>
+              <a:avLst/>
+              <a:gdLst/>
+              <a:ahLst/>
+              <a:cxnLst/>
+              <a:rect l="0" t="0" r="r" b="b"/>
+              <a:pathLst>
+                <a:path w="52" h="135">
+                  <a:moveTo>
+                    <a:pt x="7" y="18"/>
+                  </a:moveTo>
+                  <a:cubicBezTo>
+                    <a:pt x="5" y="12"/>
+                    <a:pt x="2" y="6"/>
+                    <a:pt x="0" y="0"/>
+                  </a:cubicBezTo>
+                  <a:cubicBezTo>
+                    <a:pt x="3" y="16"/>
+                    <a:pt x="7" y="32"/>
+                    <a:pt x="12" y="48"/>
+                  </a:cubicBezTo>
+                  <a:cubicBezTo>
+                    <a:pt x="13" y="53"/>
+                    <a:pt x="14" y="57"/>
+                    <a:pt x="16" y="62"/>
+                  </a:cubicBezTo>
+                  <a:cubicBezTo>
+                    <a:pt x="27" y="86"/>
+                    <a:pt x="39" y="111"/>
+                    <a:pt x="51" y="135"/>
+                  </a:cubicBezTo>
+                  <a:cubicBezTo>
+                    <a:pt x="52" y="135"/>
+                    <a:pt x="52" y="135"/>
+                    <a:pt x="52" y="135"/>
+                  </a:cubicBezTo>
+                  <a:cubicBezTo>
+                    <a:pt x="41" y="109"/>
+                    <a:pt x="32" y="83"/>
+                    <a:pt x="24" y="56"/>
+                  </a:cubicBezTo>
+                  <a:cubicBezTo>
+                    <a:pt x="18" y="43"/>
+                    <a:pt x="13" y="31"/>
+                    <a:pt x="7" y="18"/>
+                  </a:cubicBezTo>
+                  <a:close/>
+                </a:path>
+              </a:pathLst>
+            </a:custGeom>
+            <a:grpFill/>
+            <a:ln>
+              <a:noFill/>
+            </a:ln>
+          </p:spPr>
+        </p:sp>
+      </p:grpSp>
+      <p:pic>
+        <p:nvPicPr>
+          <p:cNvPr id="6" name="Content Placeholder 5" descr="Diagram&#10;&#10;Description automatically generated">
+            <a:extLst>
+              <a:ext uri="{FF2B5EF4-FFF2-40B4-BE49-F238E27FC236}">
+                <a16:creationId xmlns:a16="http://schemas.microsoft.com/office/drawing/2014/main" id="{2DB2AEB3-386B-4292-925A-826BC3536A59}"/>
+              </a:ext>
+            </a:extLst>
+          </p:cNvPr>
+          <p:cNvPicPr>
+            <a:picLocks noGrp="1" noChangeAspect="1"/>
+          </p:cNvPicPr>
+          <p:nvPr>
+            <p:ph idx="1"/>
+          </p:nvPr>
+        </p:nvPicPr>
+        <p:blipFill>
+          <a:blip r:embed="rId2">
+            <a:extLst>
+              <a:ext uri="{28A0092B-C50C-407E-A947-70E740481C1C}">
+                <a14:useLocalDpi xmlns:a14="http://schemas.microsoft.com/office/drawing/2010/main" val="0"/>
+              </a:ext>
+            </a:extLst>
+          </a:blip>
+          <a:stretch>
+            <a:fillRect/>
+          </a:stretch>
+        </p:blipFill>
+        <p:spPr>
+          <a:xfrm>
+            <a:off x="5020794" y="1179649"/>
+            <a:ext cx="6266325" cy="4677986"/>
+          </a:xfrm>
+        </p:spPr>
+      </p:pic>
+    </p:spTree>
+    <p:extLst>
+      <p:ext uri="{BB962C8B-B14F-4D97-AF65-F5344CB8AC3E}">
+        <p14:creationId xmlns:p14="http://schemas.microsoft.com/office/powerpoint/2010/main" val="3548046900"/>
+      </p:ext>
+    </p:extLst>
+  </p:cSld>
+  <p:clrMapOvr>
+    <a:masterClrMapping/>
+  </p:clrMapOvr>
+</p:sld>
+</file>
+
+<file path=ppt/slides/slide8.xml><?xml version="1.0" encoding="utf-8"?>
+<p:sld xmlns:a="http://schemas.openxmlformats.org/drawingml/2006/main" xmlns:r="http://schemas.openxmlformats.org/officeDocument/2006/relationships" xmlns:p="http://schemas.openxmlformats.org/presentationml/2006/main">
+  <p:cSld>
+    <p:spTree>
+      <p:nvGrpSpPr>
+        <p:cNvPr id="1" name=""/>
+        <p:cNvGrpSpPr/>
+        <p:nvPr/>
+      </p:nvGrpSpPr>
+      <p:grpSpPr>
+        <a:xfrm>
+          <a:off x="0" y="0"/>
+          <a:ext cx="0" cy="0"/>
+          <a:chOff x="0" y="0"/>
+          <a:chExt cx="0" cy="0"/>
+        </a:xfrm>
+      </p:grpSpPr>
+      <p:sp>
+        <p:nvSpPr>
+          <p:cNvPr id="2" name="Title 1">
+            <a:extLst>
+              <a:ext uri="{FF2B5EF4-FFF2-40B4-BE49-F238E27FC236}">
+                <a16:creationId xmlns:a16="http://schemas.microsoft.com/office/drawing/2014/main" id="{C3E4A3CA-A45D-4274-BC4F-ED9987452F2E}"/>
+              </a:ext>
+            </a:extLst>
+          </p:cNvPr>
+          <p:cNvSpPr>
+            <a:spLocks noGrp="1"/>
+          </p:cNvSpPr>
+          <p:nvPr>
+            <p:ph type="title"/>
+          </p:nvPr>
+        </p:nvSpPr>
+        <p:spPr/>
+        <p:txBody>
+          <a:bodyPr/>
+          <a:lstStyle/>
+          <a:p>
+            <a:r>
+              <a:rPr lang="bg-BG" dirty="0"/>
+              <a:t>Компоненти на програмната реализация</a:t>
+            </a:r>
+            <a:endParaRPr lang="en-US" dirty="0"/>
+          </a:p>
+        </p:txBody>
+      </p:sp>
+      <p:sp>
+        <p:nvSpPr>
+          <p:cNvPr id="3" name="Content Placeholder 2">
+            <a:extLst>
+              <a:ext uri="{FF2B5EF4-FFF2-40B4-BE49-F238E27FC236}">
+                <a16:creationId xmlns:a16="http://schemas.microsoft.com/office/drawing/2014/main" id="{E058B035-56E1-4E2E-938D-85F47CF9B782}"/>
+              </a:ext>
+            </a:extLst>
+          </p:cNvPr>
+          <p:cNvSpPr>
+            <a:spLocks noGrp="1"/>
+          </p:cNvSpPr>
+          <p:nvPr>
+            <p:ph idx="1"/>
+          </p:nvPr>
+        </p:nvSpPr>
+        <p:spPr>
+          <a:xfrm>
+            <a:off x="2589212" y="2456268"/>
+            <a:ext cx="8915400" cy="3777622"/>
+          </a:xfrm>
+        </p:spPr>
+        <p:txBody>
+          <a:bodyPr>
+            <a:normAutofit lnSpcReduction="10000"/>
+          </a:bodyPr>
+          <a:lstStyle/>
+          <a:p>
+            <a:r>
+              <a:rPr lang="bg-BG" sz="2400" dirty="0"/>
+              <a:t>Обекти – </a:t>
+            </a:r>
+            <a:r>
+              <a:rPr lang="en-US" sz="2400" dirty="0"/>
+              <a:t>Entities</a:t>
+            </a:r>
+            <a:br>
+              <a:rPr lang="en-US" sz="2400" dirty="0"/>
+            </a:br>
+            <a:endParaRPr lang="en-US" sz="2400" dirty="0"/>
+          </a:p>
+          <a:p>
+            <a:r>
+              <a:rPr lang="bg-BG" sz="2400" dirty="0"/>
+              <a:t>Услуги – </a:t>
+            </a:r>
+            <a:r>
+              <a:rPr lang="en-US" sz="2400" dirty="0"/>
+              <a:t>Services</a:t>
+            </a:r>
+            <a:br>
+              <a:rPr lang="en-US" sz="2400" dirty="0"/>
+            </a:br>
+            <a:endParaRPr lang="en-US" sz="2400" dirty="0"/>
+          </a:p>
+          <a:p>
+            <a:r>
+              <a:rPr lang="bg-BG" sz="2400" dirty="0"/>
+              <a:t>Управление – </a:t>
+            </a:r>
+            <a:r>
+              <a:rPr lang="en-US" sz="2400" dirty="0"/>
+              <a:t>Controllers</a:t>
+            </a:r>
+            <a:br>
+              <a:rPr lang="en-US" sz="2400" dirty="0"/>
+            </a:br>
+            <a:endParaRPr lang="en-US" sz="2400" dirty="0"/>
+          </a:p>
+          <a:p>
+            <a:r>
+              <a:rPr lang="bg-BG" sz="2400" dirty="0"/>
+              <a:t>Хранилища – </a:t>
+            </a:r>
+            <a:r>
+              <a:rPr lang="en-US" sz="2400" dirty="0"/>
+              <a:t>Repositories</a:t>
+            </a:r>
+            <a:br>
+              <a:rPr lang="en-US" sz="2400" dirty="0"/>
+            </a:br>
+            <a:endParaRPr lang="en-US" sz="2400" dirty="0"/>
+          </a:p>
+          <a:p>
+            <a:r>
+              <a:rPr lang="bg-BG" sz="2400" dirty="0"/>
+              <a:t>Сигурност и нейната конфигурация - </a:t>
+            </a:r>
+            <a:r>
+              <a:rPr lang="en-US" sz="2400" dirty="0" err="1"/>
+              <a:t>SecurityConfig</a:t>
+            </a:r>
+            <a:endParaRPr lang="en-US" sz="2400" dirty="0"/>
+          </a:p>
+        </p:txBody>
+      </p:sp>
+      <p:sp>
+        <p:nvSpPr>
+          <p:cNvPr id="4" name="Slide Number Placeholder 3">
+            <a:extLst>
+              <a:ext uri="{FF2B5EF4-FFF2-40B4-BE49-F238E27FC236}">
+                <a16:creationId xmlns:a16="http://schemas.microsoft.com/office/drawing/2014/main" id="{09156448-26D9-4098-9BAD-2BB86A3CAE73}"/>
+              </a:ext>
+            </a:extLst>
+          </p:cNvPr>
+          <p:cNvSpPr>
+            <a:spLocks noGrp="1"/>
+          </p:cNvSpPr>
+          <p:nvPr>
+            <p:ph type="sldNum" sz="quarter" idx="12"/>
+          </p:nvPr>
+        </p:nvSpPr>
+        <p:spPr/>
+        <p:txBody>
+          <a:bodyPr/>
+          <a:lstStyle/>
+          <a:p>
+            <a:fld id="{7C933938-B8E8-47AB-B89E-92B6FF3A5B7F}" type="slidenum">
+              <a:rPr lang="bg-BG" smtClean="0"/>
+              <a:t>8</a:t>
+            </a:fld>
+            <a:endParaRPr lang="bg-BG"/>
+          </a:p>
+        </p:txBody>
+      </p:sp>
+    </p:spTree>
+    <p:extLst>
+      <p:ext uri="{BB962C8B-B14F-4D97-AF65-F5344CB8AC3E}">
+        <p14:creationId xmlns:p14="http://schemas.microsoft.com/office/powerpoint/2010/main" val="2817122198"/>
       </p:ext>
     </p:extLst>
   </p:cSld>

--- a/Дипломна защита.pptx
+++ b/Дипломна защита.pptx
@@ -5,7 +5,7 @@
     <p:sldMasterId id="2147483830" r:id="rId1"/>
   </p:sldMasterIdLst>
   <p:notesMasterIdLst>
-    <p:notesMasterId r:id="rId10"/>
+    <p:notesMasterId r:id="rId33"/>
   </p:notesMasterIdLst>
   <p:sldIdLst>
     <p:sldId id="256" r:id="rId2"/>
@@ -16,6 +16,29 @@
     <p:sldId id="261" r:id="rId7"/>
     <p:sldId id="262" r:id="rId8"/>
     <p:sldId id="263" r:id="rId9"/>
+    <p:sldId id="264" r:id="rId10"/>
+    <p:sldId id="265" r:id="rId11"/>
+    <p:sldId id="267" r:id="rId12"/>
+    <p:sldId id="268" r:id="rId13"/>
+    <p:sldId id="269" r:id="rId14"/>
+    <p:sldId id="270" r:id="rId15"/>
+    <p:sldId id="271" r:id="rId16"/>
+    <p:sldId id="272" r:id="rId17"/>
+    <p:sldId id="273" r:id="rId18"/>
+    <p:sldId id="274" r:id="rId19"/>
+    <p:sldId id="275" r:id="rId20"/>
+    <p:sldId id="277" r:id="rId21"/>
+    <p:sldId id="278" r:id="rId22"/>
+    <p:sldId id="279" r:id="rId23"/>
+    <p:sldId id="280" r:id="rId24"/>
+    <p:sldId id="281" r:id="rId25"/>
+    <p:sldId id="282" r:id="rId26"/>
+    <p:sldId id="283" r:id="rId27"/>
+    <p:sldId id="284" r:id="rId28"/>
+    <p:sldId id="285" r:id="rId29"/>
+    <p:sldId id="286" r:id="rId30"/>
+    <p:sldId id="287" r:id="rId31"/>
+    <p:sldId id="288" r:id="rId32"/>
   </p:sldIdLst>
   <p:sldSz cx="12192000" cy="6858000"/>
   <p:notesSz cx="6858000" cy="9144000"/>
@@ -8285,6 +8308,2045 @@
 </p:sld>
 </file>
 
+<file path=ppt/slides/slide10.xml><?xml version="1.0" encoding="utf-8"?>
+<p:sld xmlns:a="http://schemas.openxmlformats.org/drawingml/2006/main" xmlns:r="http://schemas.openxmlformats.org/officeDocument/2006/relationships" xmlns:p="http://schemas.openxmlformats.org/presentationml/2006/main">
+  <p:cSld>
+    <p:spTree>
+      <p:nvGrpSpPr>
+        <p:cNvPr id="1" name=""/>
+        <p:cNvGrpSpPr/>
+        <p:nvPr/>
+      </p:nvGrpSpPr>
+      <p:grpSpPr>
+        <a:xfrm>
+          <a:off x="0" y="0"/>
+          <a:ext cx="0" cy="0"/>
+          <a:chOff x="0" y="0"/>
+          <a:chExt cx="0" cy="0"/>
+        </a:xfrm>
+      </p:grpSpPr>
+      <p:sp>
+        <p:nvSpPr>
+          <p:cNvPr id="7" name="Text Placeholder 6">
+            <a:extLst>
+              <a:ext uri="{FF2B5EF4-FFF2-40B4-BE49-F238E27FC236}">
+                <a16:creationId xmlns:a16="http://schemas.microsoft.com/office/drawing/2014/main" id="{AEA9C637-FC21-4EE9-8F92-C06BFDF35CED}"/>
+              </a:ext>
+            </a:extLst>
+          </p:cNvPr>
+          <p:cNvSpPr>
+            <a:spLocks noGrp="1"/>
+          </p:cNvSpPr>
+          <p:nvPr>
+            <p:ph type="body" idx="1"/>
+          </p:nvPr>
+        </p:nvSpPr>
+        <p:spPr>
+          <a:xfrm>
+            <a:off x="1743074" y="695801"/>
+            <a:ext cx="5880035" cy="576262"/>
+          </a:xfrm>
+        </p:spPr>
+        <p:txBody>
+          <a:bodyPr/>
+          <a:lstStyle/>
+          <a:p>
+            <a:r>
+              <a:rPr lang="bg-BG" sz="2600" dirty="0"/>
+              <a:t>Обект „Потребители“ – </a:t>
+            </a:r>
+            <a:r>
+              <a:rPr lang="en-US" sz="2600" dirty="0"/>
+              <a:t>Users Entity</a:t>
+            </a:r>
+          </a:p>
+        </p:txBody>
+      </p:sp>
+      <p:sp>
+        <p:nvSpPr>
+          <p:cNvPr id="6" name="Content Placeholder 5">
+            <a:extLst>
+              <a:ext uri="{FF2B5EF4-FFF2-40B4-BE49-F238E27FC236}">
+                <a16:creationId xmlns:a16="http://schemas.microsoft.com/office/drawing/2014/main" id="{238BF3B0-2870-4B6D-B101-192D8FB5F841}"/>
+              </a:ext>
+            </a:extLst>
+          </p:cNvPr>
+          <p:cNvSpPr>
+            <a:spLocks noGrp="1"/>
+          </p:cNvSpPr>
+          <p:nvPr>
+            <p:ph sz="half" idx="2"/>
+          </p:nvPr>
+        </p:nvSpPr>
+        <p:spPr>
+          <a:xfrm>
+            <a:off x="2752725" y="1692221"/>
+            <a:ext cx="4522280" cy="4498935"/>
+          </a:xfrm>
+        </p:spPr>
+        <p:txBody>
+          <a:bodyPr>
+            <a:normAutofit/>
+          </a:bodyPr>
+          <a:lstStyle/>
+          <a:p>
+            <a:r>
+              <a:rPr lang="bg-BG" sz="2400" dirty="0"/>
+              <a:t>Променливи</a:t>
+            </a:r>
+          </a:p>
+          <a:p>
+            <a:pPr lvl="1"/>
+            <a:r>
+              <a:rPr lang="en-US" sz="2400" dirty="0"/>
+              <a:t>username</a:t>
+            </a:r>
+          </a:p>
+          <a:p>
+            <a:pPr lvl="1"/>
+            <a:r>
+              <a:rPr lang="en-US" sz="2400" dirty="0"/>
+              <a:t>password</a:t>
+            </a:r>
+          </a:p>
+          <a:p>
+            <a:pPr lvl="1"/>
+            <a:r>
+              <a:rPr lang="en-US" sz="2400" dirty="0"/>
+              <a:t>email</a:t>
+            </a:r>
+          </a:p>
+          <a:p>
+            <a:pPr lvl="1"/>
+            <a:r>
+              <a:rPr lang="en-US" sz="2400" dirty="0" err="1"/>
+              <a:t>phoneNumber</a:t>
+            </a:r>
+            <a:endParaRPr lang="en-US" sz="2400" dirty="0"/>
+          </a:p>
+          <a:p>
+            <a:pPr lvl="1"/>
+            <a:r>
+              <a:rPr lang="en-US" sz="2400" dirty="0" err="1"/>
+              <a:t>firstname</a:t>
+            </a:r>
+            <a:endParaRPr lang="en-US" sz="2400" dirty="0"/>
+          </a:p>
+          <a:p>
+            <a:pPr lvl="1"/>
+            <a:r>
+              <a:rPr lang="en-US" sz="2400" dirty="0" err="1"/>
+              <a:t>lastName</a:t>
+            </a:r>
+            <a:endParaRPr lang="en-US" sz="2400" dirty="0"/>
+          </a:p>
+          <a:p>
+            <a:pPr lvl="1"/>
+            <a:r>
+              <a:rPr lang="en-US" sz="2400" dirty="0"/>
+              <a:t>active</a:t>
+            </a:r>
+          </a:p>
+          <a:p>
+            <a:pPr lvl="1"/>
+            <a:r>
+              <a:rPr lang="bg-BG" sz="2400" dirty="0"/>
+              <a:t> </a:t>
+            </a:r>
+            <a:r>
+              <a:rPr lang="en-US" sz="2400" dirty="0"/>
+              <a:t>id</a:t>
+            </a:r>
+          </a:p>
+        </p:txBody>
+      </p:sp>
+      <p:sp>
+        <p:nvSpPr>
+          <p:cNvPr id="8" name="Text Placeholder 7">
+            <a:extLst>
+              <a:ext uri="{FF2B5EF4-FFF2-40B4-BE49-F238E27FC236}">
+                <a16:creationId xmlns:a16="http://schemas.microsoft.com/office/drawing/2014/main" id="{6AE42BE7-968A-4464-8CED-FE4CCAFE0F5E}"/>
+              </a:ext>
+            </a:extLst>
+          </p:cNvPr>
+          <p:cNvSpPr>
+            <a:spLocks noGrp="1"/>
+          </p:cNvSpPr>
+          <p:nvPr>
+            <p:ph type="body" sz="quarter" idx="3"/>
+          </p:nvPr>
+        </p:nvSpPr>
+        <p:spPr>
+          <a:xfrm>
+            <a:off x="7623109" y="682213"/>
+            <a:ext cx="4404391" cy="576262"/>
+          </a:xfrm>
+        </p:spPr>
+        <p:txBody>
+          <a:bodyPr/>
+          <a:lstStyle/>
+          <a:p>
+            <a:r>
+              <a:rPr lang="bg-BG" sz="2600" dirty="0"/>
+              <a:t>Обект „Роля“ - </a:t>
+            </a:r>
+            <a:r>
+              <a:rPr lang="en-US" sz="2600" dirty="0" err="1"/>
+              <a:t>RoleEntity</a:t>
+            </a:r>
+            <a:endParaRPr lang="en-US" sz="2600" dirty="0"/>
+          </a:p>
+        </p:txBody>
+      </p:sp>
+      <p:sp>
+        <p:nvSpPr>
+          <p:cNvPr id="9" name="Content Placeholder 8">
+            <a:extLst>
+              <a:ext uri="{FF2B5EF4-FFF2-40B4-BE49-F238E27FC236}">
+                <a16:creationId xmlns:a16="http://schemas.microsoft.com/office/drawing/2014/main" id="{E9DFA235-29E2-4548-ABFC-EFD70DA343D4}"/>
+              </a:ext>
+            </a:extLst>
+          </p:cNvPr>
+          <p:cNvSpPr>
+            <a:spLocks noGrp="1"/>
+          </p:cNvSpPr>
+          <p:nvPr>
+            <p:ph sz="quarter" idx="4"/>
+          </p:nvPr>
+        </p:nvSpPr>
+        <p:spPr>
+          <a:xfrm>
+            <a:off x="7923177" y="1692221"/>
+            <a:ext cx="3737011" cy="4365678"/>
+          </a:xfrm>
+        </p:spPr>
+        <p:txBody>
+          <a:bodyPr>
+            <a:normAutofit/>
+          </a:bodyPr>
+          <a:lstStyle/>
+          <a:p>
+            <a:r>
+              <a:rPr lang="bg-BG" sz="2400" dirty="0"/>
+              <a:t>Променливи</a:t>
+            </a:r>
+          </a:p>
+          <a:p>
+            <a:pPr lvl="1"/>
+            <a:r>
+              <a:rPr lang="en-US" sz="2400" dirty="0"/>
+              <a:t>name</a:t>
+            </a:r>
+          </a:p>
+          <a:p>
+            <a:pPr lvl="1"/>
+            <a:r>
+              <a:rPr lang="en-US" sz="2400" dirty="0" err="1"/>
+              <a:t>roleId</a:t>
+            </a:r>
+            <a:endParaRPr lang="en-US" sz="2400" dirty="0"/>
+          </a:p>
+          <a:p>
+            <a:endParaRPr lang="en-US" dirty="0"/>
+          </a:p>
+        </p:txBody>
+      </p:sp>
+      <p:sp>
+        <p:nvSpPr>
+          <p:cNvPr id="4" name="Slide Number Placeholder 3">
+            <a:extLst>
+              <a:ext uri="{FF2B5EF4-FFF2-40B4-BE49-F238E27FC236}">
+                <a16:creationId xmlns:a16="http://schemas.microsoft.com/office/drawing/2014/main" id="{6B0D3AA0-15E5-49CF-82AA-BBB4911C51E9}"/>
+              </a:ext>
+            </a:extLst>
+          </p:cNvPr>
+          <p:cNvSpPr>
+            <a:spLocks noGrp="1"/>
+          </p:cNvSpPr>
+          <p:nvPr>
+            <p:ph type="sldNum" sz="quarter" idx="12"/>
+          </p:nvPr>
+        </p:nvSpPr>
+        <p:spPr/>
+        <p:txBody>
+          <a:bodyPr/>
+          <a:lstStyle/>
+          <a:p>
+            <a:fld id="{7C933938-B8E8-47AB-B89E-92B6FF3A5B7F}" type="slidenum">
+              <a:rPr lang="bg-BG" smtClean="0"/>
+              <a:t>10</a:t>
+            </a:fld>
+            <a:endParaRPr lang="bg-BG"/>
+          </a:p>
+        </p:txBody>
+      </p:sp>
+    </p:spTree>
+    <p:extLst>
+      <p:ext uri="{BB962C8B-B14F-4D97-AF65-F5344CB8AC3E}">
+        <p14:creationId xmlns:p14="http://schemas.microsoft.com/office/powerpoint/2010/main" val="3176616177"/>
+      </p:ext>
+    </p:extLst>
+  </p:cSld>
+  <p:clrMapOvr>
+    <a:masterClrMapping/>
+  </p:clrMapOvr>
+</p:sld>
+</file>
+
+<file path=ppt/slides/slide11.xml><?xml version="1.0" encoding="utf-8"?>
+<p:sld xmlns:a="http://schemas.openxmlformats.org/drawingml/2006/main" xmlns:r="http://schemas.openxmlformats.org/officeDocument/2006/relationships" xmlns:p="http://schemas.openxmlformats.org/presentationml/2006/main">
+  <p:cSld>
+    <p:spTree>
+      <p:nvGrpSpPr>
+        <p:cNvPr id="1" name=""/>
+        <p:cNvGrpSpPr/>
+        <p:nvPr/>
+      </p:nvGrpSpPr>
+      <p:grpSpPr>
+        <a:xfrm>
+          <a:off x="0" y="0"/>
+          <a:ext cx="0" cy="0"/>
+          <a:chOff x="0" y="0"/>
+          <a:chExt cx="0" cy="0"/>
+        </a:xfrm>
+      </p:grpSpPr>
+      <p:sp>
+        <p:nvSpPr>
+          <p:cNvPr id="5" name="Text Placeholder 4">
+            <a:extLst>
+              <a:ext uri="{FF2B5EF4-FFF2-40B4-BE49-F238E27FC236}">
+                <a16:creationId xmlns:a16="http://schemas.microsoft.com/office/drawing/2014/main" id="{7E083E18-BFA2-4CD7-95F7-80BA7C40B74B}"/>
+              </a:ext>
+            </a:extLst>
+          </p:cNvPr>
+          <p:cNvSpPr>
+            <a:spLocks noGrp="1"/>
+          </p:cNvSpPr>
+          <p:nvPr>
+            <p:ph type="body" idx="1"/>
+          </p:nvPr>
+        </p:nvSpPr>
+        <p:spPr>
+          <a:xfrm>
+            <a:off x="1657349" y="785582"/>
+            <a:ext cx="5343525" cy="576262"/>
+          </a:xfrm>
+        </p:spPr>
+        <p:txBody>
+          <a:bodyPr/>
+          <a:lstStyle/>
+          <a:p>
+            <a:r>
+              <a:rPr lang="ru-RU" dirty="0"/>
+              <a:t>Обект „Спортно игрище“ - Field Entity</a:t>
+            </a:r>
+            <a:endParaRPr lang="en-US" dirty="0"/>
+          </a:p>
+        </p:txBody>
+      </p:sp>
+      <p:sp>
+        <p:nvSpPr>
+          <p:cNvPr id="3" name="Content Placeholder 2">
+            <a:extLst>
+              <a:ext uri="{FF2B5EF4-FFF2-40B4-BE49-F238E27FC236}">
+                <a16:creationId xmlns:a16="http://schemas.microsoft.com/office/drawing/2014/main" id="{73780F28-14F0-4E6D-94D7-089E76068285}"/>
+              </a:ext>
+            </a:extLst>
+          </p:cNvPr>
+          <p:cNvSpPr>
+            <a:spLocks noGrp="1"/>
+          </p:cNvSpPr>
+          <p:nvPr>
+            <p:ph sz="half" idx="2"/>
+          </p:nvPr>
+        </p:nvSpPr>
+        <p:spPr>
+          <a:xfrm>
+            <a:off x="2658447" y="1465213"/>
+            <a:ext cx="4338674" cy="4972680"/>
+          </a:xfrm>
+        </p:spPr>
+        <p:txBody>
+          <a:bodyPr>
+            <a:noAutofit/>
+          </a:bodyPr>
+          <a:lstStyle/>
+          <a:p>
+            <a:r>
+              <a:rPr lang="bg-BG" sz="2400" dirty="0"/>
+              <a:t>Параметри:</a:t>
+            </a:r>
+          </a:p>
+          <a:p>
+            <a:pPr lvl="1"/>
+            <a:r>
+              <a:rPr lang="en-US" sz="2400" dirty="0" err="1"/>
+              <a:t>fieldId</a:t>
+            </a:r>
+            <a:endParaRPr lang="en-US" sz="2400" dirty="0"/>
+          </a:p>
+          <a:p>
+            <a:pPr lvl="1"/>
+            <a:r>
+              <a:rPr lang="en-US" sz="2400" dirty="0"/>
+              <a:t>fieldname</a:t>
+            </a:r>
+          </a:p>
+          <a:p>
+            <a:pPr lvl="1"/>
+            <a:r>
+              <a:rPr lang="en-US" sz="2400" dirty="0"/>
+              <a:t>location</a:t>
+            </a:r>
+          </a:p>
+          <a:p>
+            <a:pPr lvl="1"/>
+            <a:r>
+              <a:rPr lang="en-US" sz="2400" dirty="0"/>
+              <a:t>type</a:t>
+            </a:r>
+          </a:p>
+          <a:p>
+            <a:pPr lvl="1"/>
+            <a:r>
+              <a:rPr lang="en-US" sz="2400" dirty="0"/>
+              <a:t>state</a:t>
+            </a:r>
+          </a:p>
+          <a:p>
+            <a:pPr lvl="1"/>
+            <a:r>
+              <a:rPr lang="en-US" sz="2400" dirty="0"/>
+              <a:t>price</a:t>
+            </a:r>
+          </a:p>
+          <a:p>
+            <a:pPr lvl="1"/>
+            <a:r>
+              <a:rPr lang="en-US" sz="2400" dirty="0" err="1"/>
+              <a:t>contactInformation</a:t>
+            </a:r>
+            <a:endParaRPr lang="en-US" sz="2400" dirty="0"/>
+          </a:p>
+          <a:p>
+            <a:pPr lvl="1"/>
+            <a:r>
+              <a:rPr lang="en-US" sz="2400" dirty="0" err="1"/>
+              <a:t>workingHours</a:t>
+            </a:r>
+            <a:endParaRPr lang="en-US" sz="2400" dirty="0"/>
+          </a:p>
+        </p:txBody>
+      </p:sp>
+      <p:sp>
+        <p:nvSpPr>
+          <p:cNvPr id="6" name="Text Placeholder 5">
+            <a:extLst>
+              <a:ext uri="{FF2B5EF4-FFF2-40B4-BE49-F238E27FC236}">
+                <a16:creationId xmlns:a16="http://schemas.microsoft.com/office/drawing/2014/main" id="{E24DFEF8-CF90-4C77-9BAA-CD556F209C65}"/>
+              </a:ext>
+            </a:extLst>
+          </p:cNvPr>
+          <p:cNvSpPr>
+            <a:spLocks noGrp="1"/>
+          </p:cNvSpPr>
+          <p:nvPr>
+            <p:ph type="body" sz="quarter" idx="3"/>
+          </p:nvPr>
+        </p:nvSpPr>
+        <p:spPr>
+          <a:xfrm>
+            <a:off x="6975382" y="772162"/>
+            <a:ext cx="4663067" cy="576262"/>
+          </a:xfrm>
+        </p:spPr>
+        <p:txBody>
+          <a:bodyPr/>
+          <a:lstStyle/>
+          <a:p>
+            <a:r>
+              <a:rPr lang="bg-BG" dirty="0"/>
+              <a:t>Обект „Резервация“ - </a:t>
+            </a:r>
+            <a:r>
+              <a:rPr lang="en-US" dirty="0"/>
+              <a:t>Reservation </a:t>
+            </a:r>
+            <a:r>
+              <a:rPr lang="en-US" dirty="0" err="1"/>
+              <a:t>Entitity</a:t>
+            </a:r>
+            <a:endParaRPr lang="en-US" dirty="0"/>
+          </a:p>
+        </p:txBody>
+      </p:sp>
+      <p:sp>
+        <p:nvSpPr>
+          <p:cNvPr id="7" name="Content Placeholder 6">
+            <a:extLst>
+              <a:ext uri="{FF2B5EF4-FFF2-40B4-BE49-F238E27FC236}">
+                <a16:creationId xmlns:a16="http://schemas.microsoft.com/office/drawing/2014/main" id="{7DC8BA4B-9370-4D30-A91C-D752502C90F9}"/>
+              </a:ext>
+            </a:extLst>
+          </p:cNvPr>
+          <p:cNvSpPr>
+            <a:spLocks noGrp="1"/>
+          </p:cNvSpPr>
+          <p:nvPr>
+            <p:ph sz="quarter" idx="4"/>
+          </p:nvPr>
+        </p:nvSpPr>
+        <p:spPr>
+          <a:xfrm>
+            <a:off x="7166957" y="1751970"/>
+            <a:ext cx="4338674" cy="4147828"/>
+          </a:xfrm>
+        </p:spPr>
+        <p:txBody>
+          <a:bodyPr>
+            <a:normAutofit/>
+          </a:bodyPr>
+          <a:lstStyle/>
+          <a:p>
+            <a:r>
+              <a:rPr lang="bg-BG" sz="2400" dirty="0"/>
+              <a:t>Параметри</a:t>
+            </a:r>
+          </a:p>
+          <a:p>
+            <a:pPr lvl="1"/>
+            <a:r>
+              <a:rPr lang="en-US" sz="2400" dirty="0" err="1"/>
+              <a:t>reservationId</a:t>
+            </a:r>
+            <a:endParaRPr lang="bg-BG" sz="2400" dirty="0"/>
+          </a:p>
+          <a:p>
+            <a:pPr lvl="1"/>
+            <a:r>
+              <a:rPr lang="en-US" sz="2400" dirty="0" err="1"/>
+              <a:t>madeBy</a:t>
+            </a:r>
+            <a:endParaRPr lang="bg-BG" sz="2400" dirty="0"/>
+          </a:p>
+          <a:p>
+            <a:pPr lvl="1"/>
+            <a:r>
+              <a:rPr lang="en-US" sz="2400" dirty="0"/>
+              <a:t>fieldname</a:t>
+            </a:r>
+            <a:endParaRPr lang="bg-BG" sz="2400" dirty="0"/>
+          </a:p>
+          <a:p>
+            <a:pPr lvl="1"/>
+            <a:r>
+              <a:rPr lang="en-US" sz="2400" dirty="0" err="1"/>
+              <a:t>reservationDuration</a:t>
+            </a:r>
+            <a:endParaRPr lang="en-US" sz="2400" dirty="0"/>
+          </a:p>
+          <a:p>
+            <a:endParaRPr lang="en-US" sz="2400" dirty="0"/>
+          </a:p>
+        </p:txBody>
+      </p:sp>
+      <p:sp>
+        <p:nvSpPr>
+          <p:cNvPr id="4" name="Slide Number Placeholder 3">
+            <a:extLst>
+              <a:ext uri="{FF2B5EF4-FFF2-40B4-BE49-F238E27FC236}">
+                <a16:creationId xmlns:a16="http://schemas.microsoft.com/office/drawing/2014/main" id="{9AB82B96-2DAF-4949-8365-696A094FE909}"/>
+              </a:ext>
+            </a:extLst>
+          </p:cNvPr>
+          <p:cNvSpPr>
+            <a:spLocks noGrp="1"/>
+          </p:cNvSpPr>
+          <p:nvPr>
+            <p:ph type="sldNum" sz="quarter" idx="12"/>
+          </p:nvPr>
+        </p:nvSpPr>
+        <p:spPr/>
+        <p:txBody>
+          <a:bodyPr/>
+          <a:lstStyle/>
+          <a:p>
+            <a:fld id="{7C933938-B8E8-47AB-B89E-92B6FF3A5B7F}" type="slidenum">
+              <a:rPr lang="bg-BG" smtClean="0"/>
+              <a:t>11</a:t>
+            </a:fld>
+            <a:endParaRPr lang="bg-BG"/>
+          </a:p>
+        </p:txBody>
+      </p:sp>
+    </p:spTree>
+    <p:extLst>
+      <p:ext uri="{BB962C8B-B14F-4D97-AF65-F5344CB8AC3E}">
+        <p14:creationId xmlns:p14="http://schemas.microsoft.com/office/powerpoint/2010/main" val="1886258544"/>
+      </p:ext>
+    </p:extLst>
+  </p:cSld>
+  <p:clrMapOvr>
+    <a:masterClrMapping/>
+  </p:clrMapOvr>
+</p:sld>
+</file>
+
+<file path=ppt/slides/slide12.xml><?xml version="1.0" encoding="utf-8"?>
+<p:sld xmlns:a="http://schemas.openxmlformats.org/drawingml/2006/main" xmlns:r="http://schemas.openxmlformats.org/officeDocument/2006/relationships" xmlns:p="http://schemas.openxmlformats.org/presentationml/2006/main">
+  <p:cSld>
+    <p:spTree>
+      <p:nvGrpSpPr>
+        <p:cNvPr id="1" name=""/>
+        <p:cNvGrpSpPr/>
+        <p:nvPr/>
+      </p:nvGrpSpPr>
+      <p:grpSpPr>
+        <a:xfrm>
+          <a:off x="0" y="0"/>
+          <a:ext cx="0" cy="0"/>
+          <a:chOff x="0" y="0"/>
+          <a:chExt cx="0" cy="0"/>
+        </a:xfrm>
+      </p:grpSpPr>
+      <p:sp>
+        <p:nvSpPr>
+          <p:cNvPr id="2" name="Title 1">
+            <a:extLst>
+              <a:ext uri="{FF2B5EF4-FFF2-40B4-BE49-F238E27FC236}">
+                <a16:creationId xmlns:a16="http://schemas.microsoft.com/office/drawing/2014/main" id="{E6E6B517-D3C1-40D3-904C-4F951C85A891}"/>
+              </a:ext>
+            </a:extLst>
+          </p:cNvPr>
+          <p:cNvSpPr>
+            <a:spLocks noGrp="1"/>
+          </p:cNvSpPr>
+          <p:nvPr>
+            <p:ph type="title"/>
+          </p:nvPr>
+        </p:nvSpPr>
+        <p:spPr/>
+        <p:txBody>
+          <a:bodyPr/>
+          <a:lstStyle/>
+          <a:p>
+            <a:r>
+              <a:rPr lang="bg-BG" dirty="0"/>
+              <a:t>Хранилища – </a:t>
+            </a:r>
+            <a:r>
+              <a:rPr lang="en-US" dirty="0"/>
+              <a:t>“Repositories”</a:t>
+            </a:r>
+          </a:p>
+        </p:txBody>
+      </p:sp>
+      <p:sp>
+        <p:nvSpPr>
+          <p:cNvPr id="5" name="Text Placeholder 4">
+            <a:extLst>
+              <a:ext uri="{FF2B5EF4-FFF2-40B4-BE49-F238E27FC236}">
+                <a16:creationId xmlns:a16="http://schemas.microsoft.com/office/drawing/2014/main" id="{9315BEB4-D22A-4C32-B70D-7F7099E16BEE}"/>
+              </a:ext>
+            </a:extLst>
+          </p:cNvPr>
+          <p:cNvSpPr>
+            <a:spLocks noGrp="1"/>
+          </p:cNvSpPr>
+          <p:nvPr>
+            <p:ph type="body" idx="1"/>
+          </p:nvPr>
+        </p:nvSpPr>
+        <p:spPr/>
+        <p:txBody>
+          <a:bodyPr/>
+          <a:lstStyle/>
+          <a:p>
+            <a:endParaRPr lang="en-US"/>
+          </a:p>
+        </p:txBody>
+      </p:sp>
+      <p:sp>
+        <p:nvSpPr>
+          <p:cNvPr id="4" name="Slide Number Placeholder 3">
+            <a:extLst>
+              <a:ext uri="{FF2B5EF4-FFF2-40B4-BE49-F238E27FC236}">
+                <a16:creationId xmlns:a16="http://schemas.microsoft.com/office/drawing/2014/main" id="{031B4E53-09AB-4549-8C10-15F23D4CF0F9}"/>
+              </a:ext>
+            </a:extLst>
+          </p:cNvPr>
+          <p:cNvSpPr>
+            <a:spLocks noGrp="1"/>
+          </p:cNvSpPr>
+          <p:nvPr>
+            <p:ph type="sldNum" sz="quarter" idx="12"/>
+          </p:nvPr>
+        </p:nvSpPr>
+        <p:spPr/>
+        <p:txBody>
+          <a:bodyPr/>
+          <a:lstStyle/>
+          <a:p>
+            <a:fld id="{7C933938-B8E8-47AB-B89E-92B6FF3A5B7F}" type="slidenum">
+              <a:rPr lang="bg-BG" smtClean="0"/>
+              <a:t>12</a:t>
+            </a:fld>
+            <a:endParaRPr lang="bg-BG"/>
+          </a:p>
+        </p:txBody>
+      </p:sp>
+    </p:spTree>
+    <p:extLst>
+      <p:ext uri="{BB962C8B-B14F-4D97-AF65-F5344CB8AC3E}">
+        <p14:creationId xmlns:p14="http://schemas.microsoft.com/office/powerpoint/2010/main" val="1483643408"/>
+      </p:ext>
+    </p:extLst>
+  </p:cSld>
+  <p:clrMapOvr>
+    <a:masterClrMapping/>
+  </p:clrMapOvr>
+</p:sld>
+</file>
+
+<file path=ppt/slides/slide13.xml><?xml version="1.0" encoding="utf-8"?>
+<p:sld xmlns:a="http://schemas.openxmlformats.org/drawingml/2006/main" xmlns:r="http://schemas.openxmlformats.org/officeDocument/2006/relationships" xmlns:p="http://schemas.openxmlformats.org/presentationml/2006/main">
+  <p:cSld>
+    <p:spTree>
+      <p:nvGrpSpPr>
+        <p:cNvPr id="1" name=""/>
+        <p:cNvGrpSpPr/>
+        <p:nvPr/>
+      </p:nvGrpSpPr>
+      <p:grpSpPr>
+        <a:xfrm>
+          <a:off x="0" y="0"/>
+          <a:ext cx="0" cy="0"/>
+          <a:chOff x="0" y="0"/>
+          <a:chExt cx="0" cy="0"/>
+        </a:xfrm>
+      </p:grpSpPr>
+      <p:sp>
+        <p:nvSpPr>
+          <p:cNvPr id="3" name="Text Placeholder 2">
+            <a:extLst>
+              <a:ext uri="{FF2B5EF4-FFF2-40B4-BE49-F238E27FC236}">
+                <a16:creationId xmlns:a16="http://schemas.microsoft.com/office/drawing/2014/main" id="{9B98121A-565A-407F-9241-49AE9680BB98}"/>
+              </a:ext>
+            </a:extLst>
+          </p:cNvPr>
+          <p:cNvSpPr>
+            <a:spLocks noGrp="1"/>
+          </p:cNvSpPr>
+          <p:nvPr>
+            <p:ph type="body" idx="1"/>
+          </p:nvPr>
+        </p:nvSpPr>
+        <p:spPr>
+          <a:xfrm>
+            <a:off x="1933575" y="787782"/>
+            <a:ext cx="4998529" cy="576262"/>
+          </a:xfrm>
+        </p:spPr>
+        <p:txBody>
+          <a:bodyPr/>
+          <a:lstStyle/>
+          <a:p>
+            <a:r>
+              <a:rPr lang="bg-BG" dirty="0"/>
+              <a:t>Хранилище за потребители - </a:t>
+            </a:r>
+            <a:r>
+              <a:rPr lang="en-US" dirty="0" err="1"/>
+              <a:t>UserRepository</a:t>
+            </a:r>
+            <a:endParaRPr lang="en-US" dirty="0"/>
+          </a:p>
+        </p:txBody>
+      </p:sp>
+      <p:sp>
+        <p:nvSpPr>
+          <p:cNvPr id="4" name="Content Placeholder 3">
+            <a:extLst>
+              <a:ext uri="{FF2B5EF4-FFF2-40B4-BE49-F238E27FC236}">
+                <a16:creationId xmlns:a16="http://schemas.microsoft.com/office/drawing/2014/main" id="{D788A98C-0287-4E33-9195-AE6B1B990C99}"/>
+              </a:ext>
+            </a:extLst>
+          </p:cNvPr>
+          <p:cNvSpPr>
+            <a:spLocks noGrp="1"/>
+          </p:cNvSpPr>
+          <p:nvPr>
+            <p:ph sz="half" idx="2"/>
+          </p:nvPr>
+        </p:nvSpPr>
+        <p:spPr>
+          <a:xfrm>
+            <a:off x="2589212" y="1943100"/>
+            <a:ext cx="4342893" cy="3959926"/>
+          </a:xfrm>
+        </p:spPr>
+        <p:txBody>
+          <a:bodyPr>
+            <a:normAutofit/>
+          </a:bodyPr>
+          <a:lstStyle/>
+          <a:p>
+            <a:r>
+              <a:rPr lang="en-US" sz="2400" dirty="0" err="1"/>
+              <a:t>findByEmail</a:t>
+            </a:r>
+            <a:r>
+              <a:rPr lang="en-US" sz="2400" dirty="0"/>
+              <a:t>()</a:t>
+            </a:r>
+          </a:p>
+          <a:p>
+            <a:r>
+              <a:rPr lang="en-US" sz="2400" dirty="0" err="1"/>
+              <a:t>findByUsername</a:t>
+            </a:r>
+            <a:r>
+              <a:rPr lang="en-US" sz="2400" dirty="0"/>
+              <a:t>()</a:t>
+            </a:r>
+          </a:p>
+          <a:p>
+            <a:r>
+              <a:rPr lang="en-US" sz="2400" dirty="0" err="1"/>
+              <a:t>findById</a:t>
+            </a:r>
+            <a:r>
+              <a:rPr lang="en-US" sz="2400" dirty="0"/>
+              <a:t>()</a:t>
+            </a:r>
+          </a:p>
+          <a:p>
+            <a:r>
+              <a:rPr lang="en-US" sz="2400" dirty="0" err="1"/>
+              <a:t>deleteById</a:t>
+            </a:r>
+            <a:r>
+              <a:rPr lang="en-US" sz="2400" dirty="0"/>
+              <a:t>()</a:t>
+            </a:r>
+          </a:p>
+          <a:p>
+            <a:r>
+              <a:rPr lang="en-US" sz="2400" dirty="0" err="1"/>
+              <a:t>findByRolesIn</a:t>
+            </a:r>
+            <a:r>
+              <a:rPr lang="en-US" sz="2400" dirty="0"/>
+              <a:t>()</a:t>
+            </a:r>
+          </a:p>
+        </p:txBody>
+      </p:sp>
+      <p:sp>
+        <p:nvSpPr>
+          <p:cNvPr id="5" name="Text Placeholder 4">
+            <a:extLst>
+              <a:ext uri="{FF2B5EF4-FFF2-40B4-BE49-F238E27FC236}">
+                <a16:creationId xmlns:a16="http://schemas.microsoft.com/office/drawing/2014/main" id="{6F8600B1-2F7E-4C91-92E0-02E0521C076F}"/>
+              </a:ext>
+            </a:extLst>
+          </p:cNvPr>
+          <p:cNvSpPr>
+            <a:spLocks noGrp="1"/>
+          </p:cNvSpPr>
+          <p:nvPr>
+            <p:ph type="body" sz="quarter" idx="3"/>
+          </p:nvPr>
+        </p:nvSpPr>
+        <p:spPr>
+          <a:xfrm>
+            <a:off x="7166957" y="795107"/>
+            <a:ext cx="4493231" cy="576262"/>
+          </a:xfrm>
+        </p:spPr>
+        <p:txBody>
+          <a:bodyPr/>
+          <a:lstStyle/>
+          <a:p>
+            <a:r>
+              <a:rPr lang="bg-BG" dirty="0"/>
+              <a:t>Хранилище за роли - </a:t>
+            </a:r>
+            <a:r>
+              <a:rPr lang="en-US" dirty="0" err="1"/>
+              <a:t>RoleRepository</a:t>
+            </a:r>
+            <a:endParaRPr lang="en-US" dirty="0"/>
+          </a:p>
+        </p:txBody>
+      </p:sp>
+      <p:sp>
+        <p:nvSpPr>
+          <p:cNvPr id="6" name="Content Placeholder 5">
+            <a:extLst>
+              <a:ext uri="{FF2B5EF4-FFF2-40B4-BE49-F238E27FC236}">
+                <a16:creationId xmlns:a16="http://schemas.microsoft.com/office/drawing/2014/main" id="{980224D2-4CF3-4374-90AC-199AC020D5FE}"/>
+              </a:ext>
+            </a:extLst>
+          </p:cNvPr>
+          <p:cNvSpPr>
+            <a:spLocks noGrp="1"/>
+          </p:cNvSpPr>
+          <p:nvPr>
+            <p:ph sz="quarter" idx="4"/>
+          </p:nvPr>
+        </p:nvSpPr>
+        <p:spPr>
+          <a:xfrm>
+            <a:off x="7166957" y="1939872"/>
+            <a:ext cx="4338674" cy="3959926"/>
+          </a:xfrm>
+        </p:spPr>
+        <p:txBody>
+          <a:bodyPr>
+            <a:normAutofit/>
+          </a:bodyPr>
+          <a:lstStyle/>
+          <a:p>
+            <a:r>
+              <a:rPr lang="en-US" sz="2400" dirty="0" err="1"/>
+              <a:t>findByName</a:t>
+            </a:r>
+            <a:r>
+              <a:rPr lang="en-US" sz="2400" dirty="0"/>
+              <a:t>()</a:t>
+            </a:r>
+          </a:p>
+        </p:txBody>
+      </p:sp>
+      <p:sp>
+        <p:nvSpPr>
+          <p:cNvPr id="7" name="Slide Number Placeholder 6">
+            <a:extLst>
+              <a:ext uri="{FF2B5EF4-FFF2-40B4-BE49-F238E27FC236}">
+                <a16:creationId xmlns:a16="http://schemas.microsoft.com/office/drawing/2014/main" id="{C14695F8-4257-44C7-AD37-011B62E794F1}"/>
+              </a:ext>
+            </a:extLst>
+          </p:cNvPr>
+          <p:cNvSpPr>
+            <a:spLocks noGrp="1"/>
+          </p:cNvSpPr>
+          <p:nvPr>
+            <p:ph type="sldNum" sz="quarter" idx="12"/>
+          </p:nvPr>
+        </p:nvSpPr>
+        <p:spPr/>
+        <p:txBody>
+          <a:bodyPr/>
+          <a:lstStyle/>
+          <a:p>
+            <a:fld id="{7C933938-B8E8-47AB-B89E-92B6FF3A5B7F}" type="slidenum">
+              <a:rPr lang="bg-BG" smtClean="0"/>
+              <a:t>13</a:t>
+            </a:fld>
+            <a:endParaRPr lang="bg-BG"/>
+          </a:p>
+        </p:txBody>
+      </p:sp>
+    </p:spTree>
+    <p:extLst>
+      <p:ext uri="{BB962C8B-B14F-4D97-AF65-F5344CB8AC3E}">
+        <p14:creationId xmlns:p14="http://schemas.microsoft.com/office/powerpoint/2010/main" val="1661612835"/>
+      </p:ext>
+    </p:extLst>
+  </p:cSld>
+  <p:clrMapOvr>
+    <a:masterClrMapping/>
+  </p:clrMapOvr>
+</p:sld>
+</file>
+
+<file path=ppt/slides/slide14.xml><?xml version="1.0" encoding="utf-8"?>
+<p:sld xmlns:a="http://schemas.openxmlformats.org/drawingml/2006/main" xmlns:r="http://schemas.openxmlformats.org/officeDocument/2006/relationships" xmlns:p="http://schemas.openxmlformats.org/presentationml/2006/main">
+  <p:cSld>
+    <p:spTree>
+      <p:nvGrpSpPr>
+        <p:cNvPr id="1" name=""/>
+        <p:cNvGrpSpPr/>
+        <p:nvPr/>
+      </p:nvGrpSpPr>
+      <p:grpSpPr>
+        <a:xfrm>
+          <a:off x="0" y="0"/>
+          <a:ext cx="0" cy="0"/>
+          <a:chOff x="0" y="0"/>
+          <a:chExt cx="0" cy="0"/>
+        </a:xfrm>
+      </p:grpSpPr>
+      <p:sp>
+        <p:nvSpPr>
+          <p:cNvPr id="3" name="Text Placeholder 2">
+            <a:extLst>
+              <a:ext uri="{FF2B5EF4-FFF2-40B4-BE49-F238E27FC236}">
+                <a16:creationId xmlns:a16="http://schemas.microsoft.com/office/drawing/2014/main" id="{1D321C2C-8C66-475B-BD87-AB5E6CE5652E}"/>
+              </a:ext>
+            </a:extLst>
+          </p:cNvPr>
+          <p:cNvSpPr>
+            <a:spLocks noGrp="1"/>
+          </p:cNvSpPr>
+          <p:nvPr>
+            <p:ph type="body" idx="1"/>
+          </p:nvPr>
+        </p:nvSpPr>
+        <p:spPr>
+          <a:xfrm>
+            <a:off x="1838131" y="787782"/>
+            <a:ext cx="5093974" cy="576262"/>
+          </a:xfrm>
+        </p:spPr>
+        <p:txBody>
+          <a:bodyPr/>
+          <a:lstStyle/>
+          <a:p>
+            <a:r>
+              <a:rPr lang="ru-RU" dirty="0"/>
+              <a:t>Хранилище за спортни игрища - FieldRepository</a:t>
+            </a:r>
+            <a:endParaRPr lang="en-US" dirty="0"/>
+          </a:p>
+        </p:txBody>
+      </p:sp>
+      <p:sp>
+        <p:nvSpPr>
+          <p:cNvPr id="4" name="Content Placeholder 3">
+            <a:extLst>
+              <a:ext uri="{FF2B5EF4-FFF2-40B4-BE49-F238E27FC236}">
+                <a16:creationId xmlns:a16="http://schemas.microsoft.com/office/drawing/2014/main" id="{0E0007F2-2D3E-4A24-B510-2D1ADF017AE4}"/>
+              </a:ext>
+            </a:extLst>
+          </p:cNvPr>
+          <p:cNvSpPr>
+            <a:spLocks noGrp="1"/>
+          </p:cNvSpPr>
+          <p:nvPr>
+            <p:ph sz="half" idx="2"/>
+          </p:nvPr>
+        </p:nvSpPr>
+        <p:spPr>
+          <a:xfrm>
+            <a:off x="2589212" y="1763486"/>
+            <a:ext cx="4342893" cy="4139540"/>
+          </a:xfrm>
+        </p:spPr>
+        <p:txBody>
+          <a:bodyPr>
+            <a:normAutofit/>
+          </a:bodyPr>
+          <a:lstStyle/>
+          <a:p>
+            <a:r>
+              <a:rPr lang="en-US" sz="2400" dirty="0" err="1"/>
+              <a:t>deleteById</a:t>
+            </a:r>
+            <a:r>
+              <a:rPr lang="en-US" sz="2400" dirty="0"/>
+              <a:t>()</a:t>
+            </a:r>
+          </a:p>
+          <a:p>
+            <a:r>
+              <a:rPr lang="en-US" sz="2400" dirty="0" err="1"/>
+              <a:t>FindByFieldId</a:t>
+            </a:r>
+            <a:r>
+              <a:rPr lang="en-US" sz="2400" dirty="0"/>
+              <a:t>()</a:t>
+            </a:r>
+          </a:p>
+          <a:p>
+            <a:r>
+              <a:rPr lang="en-US" sz="2400" dirty="0" err="1"/>
+              <a:t>FindByFieldName</a:t>
+            </a:r>
+            <a:r>
+              <a:rPr lang="en-US" sz="2400" dirty="0"/>
+              <a:t>()</a:t>
+            </a:r>
+          </a:p>
+        </p:txBody>
+      </p:sp>
+      <p:sp>
+        <p:nvSpPr>
+          <p:cNvPr id="5" name="Text Placeholder 4">
+            <a:extLst>
+              <a:ext uri="{FF2B5EF4-FFF2-40B4-BE49-F238E27FC236}">
+                <a16:creationId xmlns:a16="http://schemas.microsoft.com/office/drawing/2014/main" id="{12D8DBF5-641E-43E6-812F-8CCE28C33ACE}"/>
+              </a:ext>
+            </a:extLst>
+          </p:cNvPr>
+          <p:cNvSpPr>
+            <a:spLocks noGrp="1"/>
+          </p:cNvSpPr>
+          <p:nvPr>
+            <p:ph type="body" sz="quarter" idx="3"/>
+          </p:nvPr>
+        </p:nvSpPr>
+        <p:spPr>
+          <a:xfrm>
+            <a:off x="7166958" y="787782"/>
+            <a:ext cx="4493230" cy="576262"/>
+          </a:xfrm>
+        </p:spPr>
+        <p:txBody>
+          <a:bodyPr/>
+          <a:lstStyle/>
+          <a:p>
+            <a:r>
+              <a:rPr lang="bg-BG" dirty="0"/>
+              <a:t>Хранилище за резервации - </a:t>
+            </a:r>
+            <a:r>
+              <a:rPr lang="en-US" dirty="0" err="1"/>
+              <a:t>ReservationRepository</a:t>
+            </a:r>
+            <a:endParaRPr lang="en-US" dirty="0"/>
+          </a:p>
+        </p:txBody>
+      </p:sp>
+      <p:sp>
+        <p:nvSpPr>
+          <p:cNvPr id="6" name="Content Placeholder 5">
+            <a:extLst>
+              <a:ext uri="{FF2B5EF4-FFF2-40B4-BE49-F238E27FC236}">
+                <a16:creationId xmlns:a16="http://schemas.microsoft.com/office/drawing/2014/main" id="{361646F1-0847-40AF-98F4-3050EEDC1DB5}"/>
+              </a:ext>
+            </a:extLst>
+          </p:cNvPr>
+          <p:cNvSpPr>
+            <a:spLocks noGrp="1"/>
+          </p:cNvSpPr>
+          <p:nvPr>
+            <p:ph sz="quarter" idx="4"/>
+          </p:nvPr>
+        </p:nvSpPr>
+        <p:spPr>
+          <a:xfrm>
+            <a:off x="7166957" y="1760258"/>
+            <a:ext cx="4338674" cy="4139540"/>
+          </a:xfrm>
+        </p:spPr>
+        <p:txBody>
+          <a:bodyPr>
+            <a:normAutofit/>
+          </a:bodyPr>
+          <a:lstStyle/>
+          <a:p>
+            <a:r>
+              <a:rPr lang="en-US" sz="2400" dirty="0" err="1"/>
+              <a:t>findByFieldNameAndReservationDuration</a:t>
+            </a:r>
+            <a:r>
+              <a:rPr lang="en-US" sz="2400" dirty="0"/>
+              <a:t>()</a:t>
+            </a:r>
+          </a:p>
+          <a:p>
+            <a:r>
+              <a:rPr lang="en-US" sz="2400" dirty="0" err="1"/>
+              <a:t>findById</a:t>
+            </a:r>
+            <a:r>
+              <a:rPr lang="en-US" sz="2400" dirty="0"/>
+              <a:t>()</a:t>
+            </a:r>
+          </a:p>
+          <a:p>
+            <a:r>
+              <a:rPr lang="en-US" sz="2400" dirty="0" err="1"/>
+              <a:t>findAllByMadeBy</a:t>
+            </a:r>
+            <a:r>
+              <a:rPr lang="en-US" sz="2400" dirty="0"/>
+              <a:t>()</a:t>
+            </a:r>
+          </a:p>
+          <a:p>
+            <a:pPr marL="0" indent="0">
+              <a:buNone/>
+            </a:pPr>
+            <a:endParaRPr lang="en-US" sz="2400" dirty="0"/>
+          </a:p>
+        </p:txBody>
+      </p:sp>
+      <p:sp>
+        <p:nvSpPr>
+          <p:cNvPr id="7" name="Slide Number Placeholder 6">
+            <a:extLst>
+              <a:ext uri="{FF2B5EF4-FFF2-40B4-BE49-F238E27FC236}">
+                <a16:creationId xmlns:a16="http://schemas.microsoft.com/office/drawing/2014/main" id="{5DF094E4-72DB-48DE-A492-648C3BB991F0}"/>
+              </a:ext>
+            </a:extLst>
+          </p:cNvPr>
+          <p:cNvSpPr>
+            <a:spLocks noGrp="1"/>
+          </p:cNvSpPr>
+          <p:nvPr>
+            <p:ph type="sldNum" sz="quarter" idx="12"/>
+          </p:nvPr>
+        </p:nvSpPr>
+        <p:spPr/>
+        <p:txBody>
+          <a:bodyPr/>
+          <a:lstStyle/>
+          <a:p>
+            <a:fld id="{7C933938-B8E8-47AB-B89E-92B6FF3A5B7F}" type="slidenum">
+              <a:rPr lang="bg-BG" smtClean="0"/>
+              <a:t>14</a:t>
+            </a:fld>
+            <a:endParaRPr lang="bg-BG"/>
+          </a:p>
+        </p:txBody>
+      </p:sp>
+    </p:spTree>
+    <p:extLst>
+      <p:ext uri="{BB962C8B-B14F-4D97-AF65-F5344CB8AC3E}">
+        <p14:creationId xmlns:p14="http://schemas.microsoft.com/office/powerpoint/2010/main" val="1828569626"/>
+      </p:ext>
+    </p:extLst>
+  </p:cSld>
+  <p:clrMapOvr>
+    <a:masterClrMapping/>
+  </p:clrMapOvr>
+</p:sld>
+</file>
+
+<file path=ppt/slides/slide15.xml><?xml version="1.0" encoding="utf-8"?>
+<p:sld xmlns:a="http://schemas.openxmlformats.org/drawingml/2006/main" xmlns:r="http://schemas.openxmlformats.org/officeDocument/2006/relationships" xmlns:p="http://schemas.openxmlformats.org/presentationml/2006/main">
+  <p:cSld>
+    <p:spTree>
+      <p:nvGrpSpPr>
+        <p:cNvPr id="1" name=""/>
+        <p:cNvGrpSpPr/>
+        <p:nvPr/>
+      </p:nvGrpSpPr>
+      <p:grpSpPr>
+        <a:xfrm>
+          <a:off x="0" y="0"/>
+          <a:ext cx="0" cy="0"/>
+          <a:chOff x="0" y="0"/>
+          <a:chExt cx="0" cy="0"/>
+        </a:xfrm>
+      </p:grpSpPr>
+      <p:sp>
+        <p:nvSpPr>
+          <p:cNvPr id="2" name="Title 1">
+            <a:extLst>
+              <a:ext uri="{FF2B5EF4-FFF2-40B4-BE49-F238E27FC236}">
+                <a16:creationId xmlns:a16="http://schemas.microsoft.com/office/drawing/2014/main" id="{1DFD42FE-1A17-47CC-8D16-BA532D11EEB8}"/>
+              </a:ext>
+            </a:extLst>
+          </p:cNvPr>
+          <p:cNvSpPr>
+            <a:spLocks noGrp="1"/>
+          </p:cNvSpPr>
+          <p:nvPr>
+            <p:ph type="title"/>
+          </p:nvPr>
+        </p:nvSpPr>
+        <p:spPr/>
+        <p:txBody>
+          <a:bodyPr/>
+          <a:lstStyle/>
+          <a:p>
+            <a:r>
+              <a:rPr lang="bg-BG" dirty="0"/>
+              <a:t>Услуги (</a:t>
+            </a:r>
+            <a:r>
+              <a:rPr lang="en-US" dirty="0"/>
+              <a:t>Services)</a:t>
+            </a:r>
+          </a:p>
+        </p:txBody>
+      </p:sp>
+      <p:sp>
+        <p:nvSpPr>
+          <p:cNvPr id="3" name="Text Placeholder 2">
+            <a:extLst>
+              <a:ext uri="{FF2B5EF4-FFF2-40B4-BE49-F238E27FC236}">
+                <a16:creationId xmlns:a16="http://schemas.microsoft.com/office/drawing/2014/main" id="{42726854-44E0-44B0-B438-18D93D2B230F}"/>
+              </a:ext>
+            </a:extLst>
+          </p:cNvPr>
+          <p:cNvSpPr>
+            <a:spLocks noGrp="1"/>
+          </p:cNvSpPr>
+          <p:nvPr>
+            <p:ph type="body" idx="1"/>
+          </p:nvPr>
+        </p:nvSpPr>
+        <p:spPr/>
+        <p:txBody>
+          <a:bodyPr/>
+          <a:lstStyle/>
+          <a:p>
+            <a:endParaRPr lang="en-US"/>
+          </a:p>
+        </p:txBody>
+      </p:sp>
+      <p:sp>
+        <p:nvSpPr>
+          <p:cNvPr id="4" name="Slide Number Placeholder 3">
+            <a:extLst>
+              <a:ext uri="{FF2B5EF4-FFF2-40B4-BE49-F238E27FC236}">
+                <a16:creationId xmlns:a16="http://schemas.microsoft.com/office/drawing/2014/main" id="{C55C6068-0ABD-4D2E-AD22-607A38905783}"/>
+              </a:ext>
+            </a:extLst>
+          </p:cNvPr>
+          <p:cNvSpPr>
+            <a:spLocks noGrp="1"/>
+          </p:cNvSpPr>
+          <p:nvPr>
+            <p:ph type="sldNum" sz="quarter" idx="12"/>
+          </p:nvPr>
+        </p:nvSpPr>
+        <p:spPr/>
+        <p:txBody>
+          <a:bodyPr/>
+          <a:lstStyle/>
+          <a:p>
+            <a:fld id="{7C933938-B8E8-47AB-B89E-92B6FF3A5B7F}" type="slidenum">
+              <a:rPr lang="bg-BG" smtClean="0"/>
+              <a:t>15</a:t>
+            </a:fld>
+            <a:endParaRPr lang="bg-BG"/>
+          </a:p>
+        </p:txBody>
+      </p:sp>
+    </p:spTree>
+    <p:extLst>
+      <p:ext uri="{BB962C8B-B14F-4D97-AF65-F5344CB8AC3E}">
+        <p14:creationId xmlns:p14="http://schemas.microsoft.com/office/powerpoint/2010/main" val="354635188"/>
+      </p:ext>
+    </p:extLst>
+  </p:cSld>
+  <p:clrMapOvr>
+    <a:masterClrMapping/>
+  </p:clrMapOvr>
+</p:sld>
+</file>
+
+<file path=ppt/slides/slide16.xml><?xml version="1.0" encoding="utf-8"?>
+<p:sld xmlns:a="http://schemas.openxmlformats.org/drawingml/2006/main" xmlns:r="http://schemas.openxmlformats.org/officeDocument/2006/relationships" xmlns:p="http://schemas.openxmlformats.org/presentationml/2006/main">
+  <p:cSld>
+    <p:spTree>
+      <p:nvGrpSpPr>
+        <p:cNvPr id="1" name=""/>
+        <p:cNvGrpSpPr/>
+        <p:nvPr/>
+      </p:nvGrpSpPr>
+      <p:grpSpPr>
+        <a:xfrm>
+          <a:off x="0" y="0"/>
+          <a:ext cx="0" cy="0"/>
+          <a:chOff x="0" y="0"/>
+          <a:chExt cx="0" cy="0"/>
+        </a:xfrm>
+      </p:grpSpPr>
+      <p:sp>
+        <p:nvSpPr>
+          <p:cNvPr id="2" name="Title 1">
+            <a:extLst>
+              <a:ext uri="{FF2B5EF4-FFF2-40B4-BE49-F238E27FC236}">
+                <a16:creationId xmlns:a16="http://schemas.microsoft.com/office/drawing/2014/main" id="{76AF2A21-F337-4109-AFF6-A9EABDD9BE69}"/>
+              </a:ext>
+            </a:extLst>
+          </p:cNvPr>
+          <p:cNvSpPr>
+            <a:spLocks noGrp="1"/>
+          </p:cNvSpPr>
+          <p:nvPr>
+            <p:ph type="title"/>
+          </p:nvPr>
+        </p:nvSpPr>
+        <p:spPr/>
+        <p:txBody>
+          <a:bodyPr/>
+          <a:lstStyle/>
+          <a:p>
+            <a:r>
+              <a:rPr lang="bg-BG" dirty="0"/>
+              <a:t>Услуги за потребители – </a:t>
+            </a:r>
+            <a:r>
+              <a:rPr lang="en-US" dirty="0" err="1"/>
+              <a:t>UserService</a:t>
+            </a:r>
+            <a:br>
+              <a:rPr lang="en-US" dirty="0"/>
+            </a:br>
+            <a:endParaRPr lang="en-US" dirty="0"/>
+          </a:p>
+        </p:txBody>
+      </p:sp>
+      <p:sp>
+        <p:nvSpPr>
+          <p:cNvPr id="3" name="Content Placeholder 2">
+            <a:extLst>
+              <a:ext uri="{FF2B5EF4-FFF2-40B4-BE49-F238E27FC236}">
+                <a16:creationId xmlns:a16="http://schemas.microsoft.com/office/drawing/2014/main" id="{66C207F6-AAF6-4173-ADAC-425F1308852C}"/>
+              </a:ext>
+            </a:extLst>
+          </p:cNvPr>
+          <p:cNvSpPr>
+            <a:spLocks noGrp="1"/>
+          </p:cNvSpPr>
+          <p:nvPr>
+            <p:ph idx="1"/>
+          </p:nvPr>
+        </p:nvSpPr>
+        <p:spPr>
+          <a:xfrm>
+            <a:off x="2859799" y="1396481"/>
+            <a:ext cx="8915400" cy="814873"/>
+          </a:xfrm>
+        </p:spPr>
+        <p:txBody>
+          <a:bodyPr>
+            <a:normAutofit lnSpcReduction="10000"/>
+          </a:bodyPr>
+          <a:lstStyle/>
+          <a:p>
+            <a:r>
+              <a:rPr lang="bg-BG" sz="2400" dirty="0"/>
+              <a:t>Методи </a:t>
+            </a:r>
+            <a:r>
+              <a:rPr lang="en-US" sz="2400" dirty="0" err="1"/>
+              <a:t>addRegisteredCustomer</a:t>
+            </a:r>
+            <a:r>
+              <a:rPr lang="en-US" sz="2400" dirty="0"/>
+              <a:t>()</a:t>
+            </a:r>
+            <a:r>
+              <a:rPr lang="bg-BG" sz="2400" dirty="0"/>
+              <a:t>, </a:t>
+            </a:r>
+            <a:r>
+              <a:rPr lang="en-US" sz="2400" dirty="0" err="1"/>
+              <a:t>addCompany</a:t>
+            </a:r>
+            <a:r>
+              <a:rPr lang="en-US" sz="2400" dirty="0"/>
+              <a:t>()</a:t>
+            </a:r>
+            <a:r>
+              <a:rPr lang="bg-BG" sz="2400" dirty="0"/>
+              <a:t>, </a:t>
+            </a:r>
+            <a:r>
+              <a:rPr lang="en-US" sz="2400" dirty="0" err="1"/>
+              <a:t>addAdmin</a:t>
+            </a:r>
+            <a:r>
+              <a:rPr lang="en-US" sz="2400" dirty="0"/>
+              <a:t>()</a:t>
+            </a:r>
+          </a:p>
+        </p:txBody>
+      </p:sp>
+      <p:sp>
+        <p:nvSpPr>
+          <p:cNvPr id="4" name="Slide Number Placeholder 3">
+            <a:extLst>
+              <a:ext uri="{FF2B5EF4-FFF2-40B4-BE49-F238E27FC236}">
+                <a16:creationId xmlns:a16="http://schemas.microsoft.com/office/drawing/2014/main" id="{8442CA4C-276C-46DE-8D0C-09A2EEA7E359}"/>
+              </a:ext>
+            </a:extLst>
+          </p:cNvPr>
+          <p:cNvSpPr>
+            <a:spLocks noGrp="1"/>
+          </p:cNvSpPr>
+          <p:nvPr>
+            <p:ph type="sldNum" sz="quarter" idx="12"/>
+          </p:nvPr>
+        </p:nvSpPr>
+        <p:spPr/>
+        <p:txBody>
+          <a:bodyPr/>
+          <a:lstStyle/>
+          <a:p>
+            <a:fld id="{7C933938-B8E8-47AB-B89E-92B6FF3A5B7F}" type="slidenum">
+              <a:rPr lang="bg-BG" smtClean="0"/>
+              <a:t>16</a:t>
+            </a:fld>
+            <a:endParaRPr lang="bg-BG"/>
+          </a:p>
+        </p:txBody>
+      </p:sp>
+      <p:pic>
+        <p:nvPicPr>
+          <p:cNvPr id="6" name="Picture 5" descr="Text&#10;&#10;Description automatically generated">
+            <a:extLst>
+              <a:ext uri="{FF2B5EF4-FFF2-40B4-BE49-F238E27FC236}">
+                <a16:creationId xmlns:a16="http://schemas.microsoft.com/office/drawing/2014/main" id="{1F44D355-4F16-46B7-A0F5-0D00EA38896C}"/>
+              </a:ext>
+            </a:extLst>
+          </p:cNvPr>
+          <p:cNvPicPr>
+            <a:picLocks noChangeAspect="1"/>
+          </p:cNvPicPr>
+          <p:nvPr/>
+        </p:nvPicPr>
+        <p:blipFill>
+          <a:blip r:embed="rId2">
+            <a:extLst>
+              <a:ext uri="{28A0092B-C50C-407E-A947-70E740481C1C}">
+                <a14:useLocalDpi xmlns:a14="http://schemas.microsoft.com/office/drawing/2010/main" val="0"/>
+              </a:ext>
+            </a:extLst>
+          </a:blip>
+          <a:stretch>
+            <a:fillRect/>
+          </a:stretch>
+        </p:blipFill>
+        <p:spPr>
+          <a:xfrm>
+            <a:off x="2630407" y="2286000"/>
+            <a:ext cx="9144792" cy="4191363"/>
+          </a:xfrm>
+          <a:prstGeom prst="rect">
+            <a:avLst/>
+          </a:prstGeom>
+        </p:spPr>
+      </p:pic>
+    </p:spTree>
+    <p:extLst>
+      <p:ext uri="{BB962C8B-B14F-4D97-AF65-F5344CB8AC3E}">
+        <p14:creationId xmlns:p14="http://schemas.microsoft.com/office/powerpoint/2010/main" val="2604811426"/>
+      </p:ext>
+    </p:extLst>
+  </p:cSld>
+  <p:clrMapOvr>
+    <a:masterClrMapping/>
+  </p:clrMapOvr>
+</p:sld>
+</file>
+
+<file path=ppt/slides/slide17.xml><?xml version="1.0" encoding="utf-8"?>
+<p:sld xmlns:a="http://schemas.openxmlformats.org/drawingml/2006/main" xmlns:r="http://schemas.openxmlformats.org/officeDocument/2006/relationships" xmlns:p="http://schemas.openxmlformats.org/presentationml/2006/main">
+  <p:cSld>
+    <p:spTree>
+      <p:nvGrpSpPr>
+        <p:cNvPr id="1" name=""/>
+        <p:cNvGrpSpPr/>
+        <p:nvPr/>
+      </p:nvGrpSpPr>
+      <p:grpSpPr>
+        <a:xfrm>
+          <a:off x="0" y="0"/>
+          <a:ext cx="0" cy="0"/>
+          <a:chOff x="0" y="0"/>
+          <a:chExt cx="0" cy="0"/>
+        </a:xfrm>
+      </p:grpSpPr>
+      <p:sp>
+        <p:nvSpPr>
+          <p:cNvPr id="3" name="Content Placeholder 2">
+            <a:extLst>
+              <a:ext uri="{FF2B5EF4-FFF2-40B4-BE49-F238E27FC236}">
+                <a16:creationId xmlns:a16="http://schemas.microsoft.com/office/drawing/2014/main" id="{4E1A9E23-33D1-4CFF-8519-73C95F26AB4B}"/>
+              </a:ext>
+            </a:extLst>
+          </p:cNvPr>
+          <p:cNvSpPr>
+            <a:spLocks noGrp="1"/>
+          </p:cNvSpPr>
+          <p:nvPr>
+            <p:ph idx="1"/>
+          </p:nvPr>
+        </p:nvSpPr>
+        <p:spPr>
+          <a:xfrm>
+            <a:off x="2589212" y="787782"/>
+            <a:ext cx="8915400" cy="1022357"/>
+          </a:xfrm>
+        </p:spPr>
+        <p:txBody>
+          <a:bodyPr>
+            <a:normAutofit/>
+          </a:bodyPr>
+          <a:lstStyle/>
+          <a:p>
+            <a:r>
+              <a:rPr lang="bg-BG" sz="2400" dirty="0"/>
+              <a:t>Методи </a:t>
+            </a:r>
+            <a:r>
+              <a:rPr lang="en-US" sz="2400" dirty="0" err="1"/>
+              <a:t>viewAllCompanies</a:t>
+            </a:r>
+            <a:r>
+              <a:rPr lang="en-US" sz="2400" dirty="0"/>
+              <a:t>()</a:t>
+            </a:r>
+            <a:r>
+              <a:rPr lang="bg-BG" sz="2400" dirty="0"/>
+              <a:t>, </a:t>
+            </a:r>
+            <a:r>
+              <a:rPr lang="en-US" sz="2400" dirty="0" err="1"/>
+              <a:t>getAllAdmins</a:t>
+            </a:r>
+            <a:r>
+              <a:rPr lang="en-US" sz="2400" dirty="0"/>
+              <a:t>()</a:t>
+            </a:r>
+            <a:r>
+              <a:rPr lang="bg-BG" sz="2400" dirty="0"/>
+              <a:t>, </a:t>
+            </a:r>
+            <a:r>
+              <a:rPr lang="en-US" sz="2400" dirty="0" err="1"/>
+              <a:t>viewAllCustomers</a:t>
+            </a:r>
+            <a:r>
+              <a:rPr lang="en-US" sz="2400" dirty="0"/>
+              <a:t>()</a:t>
+            </a:r>
+          </a:p>
+        </p:txBody>
+      </p:sp>
+      <p:sp>
+        <p:nvSpPr>
+          <p:cNvPr id="4" name="Slide Number Placeholder 3">
+            <a:extLst>
+              <a:ext uri="{FF2B5EF4-FFF2-40B4-BE49-F238E27FC236}">
+                <a16:creationId xmlns:a16="http://schemas.microsoft.com/office/drawing/2014/main" id="{BC9CBFDD-61FA-47A0-96B2-18B70F972386}"/>
+              </a:ext>
+            </a:extLst>
+          </p:cNvPr>
+          <p:cNvSpPr>
+            <a:spLocks noGrp="1"/>
+          </p:cNvSpPr>
+          <p:nvPr>
+            <p:ph type="sldNum" sz="quarter" idx="12"/>
+          </p:nvPr>
+        </p:nvSpPr>
+        <p:spPr/>
+        <p:txBody>
+          <a:bodyPr/>
+          <a:lstStyle/>
+          <a:p>
+            <a:fld id="{7C933938-B8E8-47AB-B89E-92B6FF3A5B7F}" type="slidenum">
+              <a:rPr lang="bg-BG" smtClean="0"/>
+              <a:t>17</a:t>
+            </a:fld>
+            <a:endParaRPr lang="bg-BG"/>
+          </a:p>
+        </p:txBody>
+      </p:sp>
+      <p:pic>
+        <p:nvPicPr>
+          <p:cNvPr id="6" name="Picture 5" descr="Text&#10;&#10;Description automatically generated">
+            <a:extLst>
+              <a:ext uri="{FF2B5EF4-FFF2-40B4-BE49-F238E27FC236}">
+                <a16:creationId xmlns:a16="http://schemas.microsoft.com/office/drawing/2014/main" id="{733C1A5D-0B8E-418C-9FFF-81BA23F8B6B8}"/>
+              </a:ext>
+            </a:extLst>
+          </p:cNvPr>
+          <p:cNvPicPr>
+            <a:picLocks noChangeAspect="1"/>
+          </p:cNvPicPr>
+          <p:nvPr/>
+        </p:nvPicPr>
+        <p:blipFill>
+          <a:blip r:embed="rId2">
+            <a:extLst>
+              <a:ext uri="{28A0092B-C50C-407E-A947-70E740481C1C}">
+                <a14:useLocalDpi xmlns:a14="http://schemas.microsoft.com/office/drawing/2010/main" val="0"/>
+              </a:ext>
+            </a:extLst>
+          </a:blip>
+          <a:stretch>
+            <a:fillRect/>
+          </a:stretch>
+        </p:blipFill>
+        <p:spPr>
+          <a:xfrm>
+            <a:off x="2589212" y="2262968"/>
+            <a:ext cx="9129551" cy="3970364"/>
+          </a:xfrm>
+          <a:prstGeom prst="rect">
+            <a:avLst/>
+          </a:prstGeom>
+        </p:spPr>
+      </p:pic>
+    </p:spTree>
+    <p:extLst>
+      <p:ext uri="{BB962C8B-B14F-4D97-AF65-F5344CB8AC3E}">
+        <p14:creationId xmlns:p14="http://schemas.microsoft.com/office/powerpoint/2010/main" val="2605487680"/>
+      </p:ext>
+    </p:extLst>
+  </p:cSld>
+  <p:clrMapOvr>
+    <a:masterClrMapping/>
+  </p:clrMapOvr>
+</p:sld>
+</file>
+
+<file path=ppt/slides/slide18.xml><?xml version="1.0" encoding="utf-8"?>
+<p:sld xmlns:a="http://schemas.openxmlformats.org/drawingml/2006/main" xmlns:r="http://schemas.openxmlformats.org/officeDocument/2006/relationships" xmlns:p="http://schemas.openxmlformats.org/presentationml/2006/main">
+  <p:cSld>
+    <p:spTree>
+      <p:nvGrpSpPr>
+        <p:cNvPr id="1" name=""/>
+        <p:cNvGrpSpPr/>
+        <p:nvPr/>
+      </p:nvGrpSpPr>
+      <p:grpSpPr>
+        <a:xfrm>
+          <a:off x="0" y="0"/>
+          <a:ext cx="0" cy="0"/>
+          <a:chOff x="0" y="0"/>
+          <a:chExt cx="0" cy="0"/>
+        </a:xfrm>
+      </p:grpSpPr>
+      <p:sp>
+        <p:nvSpPr>
+          <p:cNvPr id="9" name="Content Placeholder 8">
+            <a:extLst>
+              <a:ext uri="{FF2B5EF4-FFF2-40B4-BE49-F238E27FC236}">
+                <a16:creationId xmlns:a16="http://schemas.microsoft.com/office/drawing/2014/main" id="{221EB483-70FA-47EB-97B5-928B0760C2FD}"/>
+              </a:ext>
+            </a:extLst>
+          </p:cNvPr>
+          <p:cNvSpPr>
+            <a:spLocks noGrp="1"/>
+          </p:cNvSpPr>
+          <p:nvPr>
+            <p:ph sz="half" idx="1"/>
+          </p:nvPr>
+        </p:nvSpPr>
+        <p:spPr>
+          <a:xfrm>
+            <a:off x="1712134" y="678422"/>
+            <a:ext cx="4313864" cy="629816"/>
+          </a:xfrm>
+        </p:spPr>
+        <p:txBody>
+          <a:bodyPr>
+            <a:normAutofit/>
+          </a:bodyPr>
+          <a:lstStyle/>
+          <a:p>
+            <a:r>
+              <a:rPr lang="bg-BG" sz="2400" dirty="0"/>
+              <a:t>Метод </a:t>
+            </a:r>
+            <a:r>
+              <a:rPr lang="en-US" sz="2400" dirty="0" err="1"/>
+              <a:t>removeUser</a:t>
+            </a:r>
+            <a:r>
+              <a:rPr lang="en-US" sz="2400" dirty="0"/>
+              <a:t>()</a:t>
+            </a:r>
+          </a:p>
+        </p:txBody>
+      </p:sp>
+      <p:sp>
+        <p:nvSpPr>
+          <p:cNvPr id="10" name="Content Placeholder 9">
+            <a:extLst>
+              <a:ext uri="{FF2B5EF4-FFF2-40B4-BE49-F238E27FC236}">
+                <a16:creationId xmlns:a16="http://schemas.microsoft.com/office/drawing/2014/main" id="{5A39760A-1DB2-4370-A724-A768E1A4DAFF}"/>
+              </a:ext>
+            </a:extLst>
+          </p:cNvPr>
+          <p:cNvSpPr>
+            <a:spLocks noGrp="1"/>
+          </p:cNvSpPr>
+          <p:nvPr>
+            <p:ph sz="half" idx="2"/>
+          </p:nvPr>
+        </p:nvSpPr>
+        <p:spPr>
+          <a:xfrm>
+            <a:off x="5756988" y="678422"/>
+            <a:ext cx="6046235" cy="629816"/>
+          </a:xfrm>
+        </p:spPr>
+        <p:txBody>
+          <a:bodyPr>
+            <a:normAutofit/>
+          </a:bodyPr>
+          <a:lstStyle/>
+          <a:p>
+            <a:r>
+              <a:rPr lang="bg-BG" sz="2400" dirty="0"/>
+              <a:t>Метод </a:t>
+            </a:r>
+            <a:r>
+              <a:rPr lang="en-US" sz="2400" dirty="0" err="1"/>
+              <a:t>changePersonalInformation</a:t>
+            </a:r>
+            <a:r>
+              <a:rPr lang="en-US" sz="2400" dirty="0"/>
+              <a:t>()</a:t>
+            </a:r>
+          </a:p>
+        </p:txBody>
+      </p:sp>
+      <p:sp>
+        <p:nvSpPr>
+          <p:cNvPr id="7" name="Slide Number Placeholder 6">
+            <a:extLst>
+              <a:ext uri="{FF2B5EF4-FFF2-40B4-BE49-F238E27FC236}">
+                <a16:creationId xmlns:a16="http://schemas.microsoft.com/office/drawing/2014/main" id="{2337D156-E7DD-49A3-818C-9A9BA04EA96E}"/>
+              </a:ext>
+            </a:extLst>
+          </p:cNvPr>
+          <p:cNvSpPr>
+            <a:spLocks noGrp="1"/>
+          </p:cNvSpPr>
+          <p:nvPr>
+            <p:ph type="sldNum" sz="quarter" idx="12"/>
+          </p:nvPr>
+        </p:nvSpPr>
+        <p:spPr/>
+        <p:txBody>
+          <a:bodyPr/>
+          <a:lstStyle/>
+          <a:p>
+            <a:fld id="{7C933938-B8E8-47AB-B89E-92B6FF3A5B7F}" type="slidenum">
+              <a:rPr lang="bg-BG" smtClean="0"/>
+              <a:t>18</a:t>
+            </a:fld>
+            <a:endParaRPr lang="bg-BG"/>
+          </a:p>
+        </p:txBody>
+      </p:sp>
+      <p:pic>
+        <p:nvPicPr>
+          <p:cNvPr id="12" name="Picture 11" descr="Text&#10;&#10;Description automatically generated">
+            <a:extLst>
+              <a:ext uri="{FF2B5EF4-FFF2-40B4-BE49-F238E27FC236}">
+                <a16:creationId xmlns:a16="http://schemas.microsoft.com/office/drawing/2014/main" id="{60372BB3-5FF7-49D9-B17C-AD526D44A2D0}"/>
+              </a:ext>
+            </a:extLst>
+          </p:cNvPr>
+          <p:cNvPicPr>
+            <a:picLocks noChangeAspect="1"/>
+          </p:cNvPicPr>
+          <p:nvPr/>
+        </p:nvPicPr>
+        <p:blipFill>
+          <a:blip r:embed="rId2">
+            <a:extLst>
+              <a:ext uri="{28A0092B-C50C-407E-A947-70E740481C1C}">
+                <a14:useLocalDpi xmlns:a14="http://schemas.microsoft.com/office/drawing/2010/main" val="0"/>
+              </a:ext>
+            </a:extLst>
+          </a:blip>
+          <a:stretch>
+            <a:fillRect/>
+          </a:stretch>
+        </p:blipFill>
+        <p:spPr>
+          <a:xfrm>
+            <a:off x="771766" y="1308238"/>
+            <a:ext cx="6710145" cy="2846514"/>
+          </a:xfrm>
+          <a:prstGeom prst="rect">
+            <a:avLst/>
+          </a:prstGeom>
+        </p:spPr>
+      </p:pic>
+      <p:pic>
+        <p:nvPicPr>
+          <p:cNvPr id="14" name="Picture 13" descr="Text&#10;&#10;Description automatically generated">
+            <a:extLst>
+              <a:ext uri="{FF2B5EF4-FFF2-40B4-BE49-F238E27FC236}">
+                <a16:creationId xmlns:a16="http://schemas.microsoft.com/office/drawing/2014/main" id="{2A1EA2EE-A060-4E1E-8BA7-B423AC799643}"/>
+              </a:ext>
+            </a:extLst>
+          </p:cNvPr>
+          <p:cNvPicPr>
+            <a:picLocks noChangeAspect="1"/>
+          </p:cNvPicPr>
+          <p:nvPr/>
+        </p:nvPicPr>
+        <p:blipFill>
+          <a:blip r:embed="rId3">
+            <a:extLst>
+              <a:ext uri="{28A0092B-C50C-407E-A947-70E740481C1C}">
+                <a14:useLocalDpi xmlns:a14="http://schemas.microsoft.com/office/drawing/2010/main" val="0"/>
+              </a:ext>
+            </a:extLst>
+          </a:blip>
+          <a:stretch>
+            <a:fillRect/>
+          </a:stretch>
+        </p:blipFill>
+        <p:spPr>
+          <a:xfrm>
+            <a:off x="4251621" y="4246629"/>
+            <a:ext cx="7795936" cy="2606266"/>
+          </a:xfrm>
+          <a:prstGeom prst="rect">
+            <a:avLst/>
+          </a:prstGeom>
+        </p:spPr>
+      </p:pic>
+    </p:spTree>
+    <p:extLst>
+      <p:ext uri="{BB962C8B-B14F-4D97-AF65-F5344CB8AC3E}">
+        <p14:creationId xmlns:p14="http://schemas.microsoft.com/office/powerpoint/2010/main" val="3893448393"/>
+      </p:ext>
+    </p:extLst>
+  </p:cSld>
+  <p:clrMapOvr>
+    <a:masterClrMapping/>
+  </p:clrMapOvr>
+</p:sld>
+</file>
+
+<file path=ppt/slides/slide19.xml><?xml version="1.0" encoding="utf-8"?>
+<p:sld xmlns:a="http://schemas.openxmlformats.org/drawingml/2006/main" xmlns:r="http://schemas.openxmlformats.org/officeDocument/2006/relationships" xmlns:p="http://schemas.openxmlformats.org/presentationml/2006/main">
+  <p:cSld>
+    <p:spTree>
+      <p:nvGrpSpPr>
+        <p:cNvPr id="1" name=""/>
+        <p:cNvGrpSpPr/>
+        <p:nvPr/>
+      </p:nvGrpSpPr>
+      <p:grpSpPr>
+        <a:xfrm>
+          <a:off x="0" y="0"/>
+          <a:ext cx="0" cy="0"/>
+          <a:chOff x="0" y="0"/>
+          <a:chExt cx="0" cy="0"/>
+        </a:xfrm>
+      </p:grpSpPr>
+      <p:sp>
+        <p:nvSpPr>
+          <p:cNvPr id="3" name="Content Placeholder 2">
+            <a:extLst>
+              <a:ext uri="{FF2B5EF4-FFF2-40B4-BE49-F238E27FC236}">
+                <a16:creationId xmlns:a16="http://schemas.microsoft.com/office/drawing/2014/main" id="{5D66CA2D-4827-4508-95CB-E90CAA427AE6}"/>
+              </a:ext>
+            </a:extLst>
+          </p:cNvPr>
+          <p:cNvSpPr>
+            <a:spLocks noGrp="1"/>
+          </p:cNvSpPr>
+          <p:nvPr>
+            <p:ph idx="1"/>
+          </p:nvPr>
+        </p:nvSpPr>
+        <p:spPr>
+          <a:xfrm>
+            <a:off x="2618963" y="1286029"/>
+            <a:ext cx="8915400" cy="740229"/>
+          </a:xfrm>
+        </p:spPr>
+        <p:txBody>
+          <a:bodyPr>
+            <a:normAutofit/>
+          </a:bodyPr>
+          <a:lstStyle/>
+          <a:p>
+            <a:r>
+              <a:rPr lang="bg-BG" sz="2400" dirty="0"/>
+              <a:t>Метод </a:t>
+            </a:r>
+            <a:r>
+              <a:rPr lang="en-US" sz="2400" dirty="0" err="1"/>
+              <a:t>viewProfileInfo</a:t>
+            </a:r>
+            <a:r>
+              <a:rPr lang="en-US" sz="2400" dirty="0"/>
+              <a:t>()</a:t>
+            </a:r>
+          </a:p>
+        </p:txBody>
+      </p:sp>
+      <p:sp>
+        <p:nvSpPr>
+          <p:cNvPr id="4" name="Slide Number Placeholder 3">
+            <a:extLst>
+              <a:ext uri="{FF2B5EF4-FFF2-40B4-BE49-F238E27FC236}">
+                <a16:creationId xmlns:a16="http://schemas.microsoft.com/office/drawing/2014/main" id="{9F124544-E891-4B06-9B63-1C7D6FAAD422}"/>
+              </a:ext>
+            </a:extLst>
+          </p:cNvPr>
+          <p:cNvSpPr>
+            <a:spLocks noGrp="1"/>
+          </p:cNvSpPr>
+          <p:nvPr>
+            <p:ph type="sldNum" sz="quarter" idx="12"/>
+          </p:nvPr>
+        </p:nvSpPr>
+        <p:spPr/>
+        <p:txBody>
+          <a:bodyPr/>
+          <a:lstStyle/>
+          <a:p>
+            <a:fld id="{7C933938-B8E8-47AB-B89E-92B6FF3A5B7F}" type="slidenum">
+              <a:rPr lang="bg-BG" smtClean="0"/>
+              <a:t>19</a:t>
+            </a:fld>
+            <a:endParaRPr lang="bg-BG"/>
+          </a:p>
+        </p:txBody>
+      </p:sp>
+      <p:pic>
+        <p:nvPicPr>
+          <p:cNvPr id="6" name="Picture 5" descr="Text&#10;&#10;Description automatically generated">
+            <a:extLst>
+              <a:ext uri="{FF2B5EF4-FFF2-40B4-BE49-F238E27FC236}">
+                <a16:creationId xmlns:a16="http://schemas.microsoft.com/office/drawing/2014/main" id="{F570B065-752D-4EC5-A56E-4F12BF332A6F}"/>
+              </a:ext>
+            </a:extLst>
+          </p:cNvPr>
+          <p:cNvPicPr>
+            <a:picLocks noChangeAspect="1"/>
+          </p:cNvPicPr>
+          <p:nvPr/>
+        </p:nvPicPr>
+        <p:blipFill>
+          <a:blip r:embed="rId2">
+            <a:extLst>
+              <a:ext uri="{28A0092B-C50C-407E-A947-70E740481C1C}">
+                <a14:useLocalDpi xmlns:a14="http://schemas.microsoft.com/office/drawing/2010/main" val="0"/>
+              </a:ext>
+            </a:extLst>
+          </a:blip>
+          <a:stretch>
+            <a:fillRect/>
+          </a:stretch>
+        </p:blipFill>
+        <p:spPr>
+          <a:xfrm>
+            <a:off x="2618963" y="2400300"/>
+            <a:ext cx="8734837" cy="3543300"/>
+          </a:xfrm>
+          <a:prstGeom prst="rect">
+            <a:avLst/>
+          </a:prstGeom>
+        </p:spPr>
+      </p:pic>
+    </p:spTree>
+    <p:extLst>
+      <p:ext uri="{BB962C8B-B14F-4D97-AF65-F5344CB8AC3E}">
+        <p14:creationId xmlns:p14="http://schemas.microsoft.com/office/powerpoint/2010/main" val="494654850"/>
+      </p:ext>
+    </p:extLst>
+  </p:cSld>
+  <p:clrMapOvr>
+    <a:masterClrMapping/>
+  </p:clrMapOvr>
+</p:sld>
+</file>
+
 <file path=ppt/slides/slide2.xml><?xml version="1.0" encoding="utf-8"?>
 <p:sld xmlns:a="http://schemas.openxmlformats.org/drawingml/2006/main" xmlns:r="http://schemas.openxmlformats.org/officeDocument/2006/relationships" xmlns:p="http://schemas.openxmlformats.org/presentationml/2006/main">
   <p:cSld>
@@ -8431,6 +10493,1649 @@
     <p:extLst>
       <p:ext uri="{BB962C8B-B14F-4D97-AF65-F5344CB8AC3E}">
         <p14:creationId xmlns:p14="http://schemas.microsoft.com/office/powerpoint/2010/main" val="1951769137"/>
+      </p:ext>
+    </p:extLst>
+  </p:cSld>
+  <p:clrMapOvr>
+    <a:masterClrMapping/>
+  </p:clrMapOvr>
+</p:sld>
+</file>
+
+<file path=ppt/slides/slide20.xml><?xml version="1.0" encoding="utf-8"?>
+<p:sld xmlns:a="http://schemas.openxmlformats.org/drawingml/2006/main" xmlns:r="http://schemas.openxmlformats.org/officeDocument/2006/relationships" xmlns:p="http://schemas.openxmlformats.org/presentationml/2006/main">
+  <p:cSld>
+    <p:spTree>
+      <p:nvGrpSpPr>
+        <p:cNvPr id="1" name=""/>
+        <p:cNvGrpSpPr/>
+        <p:nvPr/>
+      </p:nvGrpSpPr>
+      <p:grpSpPr>
+        <a:xfrm>
+          <a:off x="0" y="0"/>
+          <a:ext cx="0" cy="0"/>
+          <a:chOff x="0" y="0"/>
+          <a:chExt cx="0" cy="0"/>
+        </a:xfrm>
+      </p:grpSpPr>
+      <p:sp>
+        <p:nvSpPr>
+          <p:cNvPr id="2" name="Title 1">
+            <a:extLst>
+              <a:ext uri="{FF2B5EF4-FFF2-40B4-BE49-F238E27FC236}">
+                <a16:creationId xmlns:a16="http://schemas.microsoft.com/office/drawing/2014/main" id="{9B68BBE6-144A-46E8-B81C-C05F3908A5C1}"/>
+              </a:ext>
+            </a:extLst>
+          </p:cNvPr>
+          <p:cNvSpPr>
+            <a:spLocks noGrp="1"/>
+          </p:cNvSpPr>
+          <p:nvPr>
+            <p:ph type="title"/>
+          </p:nvPr>
+        </p:nvSpPr>
+        <p:spPr/>
+        <p:txBody>
+          <a:bodyPr/>
+          <a:lstStyle/>
+          <a:p>
+            <a:r>
+              <a:rPr lang="bg-BG" dirty="0"/>
+              <a:t>Услуга за Роли - </a:t>
+            </a:r>
+            <a:r>
+              <a:rPr lang="en-US" dirty="0" err="1"/>
+              <a:t>RoleService</a:t>
+            </a:r>
+            <a:endParaRPr lang="en-US" dirty="0"/>
+          </a:p>
+        </p:txBody>
+      </p:sp>
+      <p:sp>
+        <p:nvSpPr>
+          <p:cNvPr id="8" name="Content Placeholder 7">
+            <a:extLst>
+              <a:ext uri="{FF2B5EF4-FFF2-40B4-BE49-F238E27FC236}">
+                <a16:creationId xmlns:a16="http://schemas.microsoft.com/office/drawing/2014/main" id="{58CC3E09-C7E0-4431-962F-96ACEF436A3A}"/>
+              </a:ext>
+            </a:extLst>
+          </p:cNvPr>
+          <p:cNvSpPr>
+            <a:spLocks noGrp="1"/>
+          </p:cNvSpPr>
+          <p:nvPr>
+            <p:ph idx="1"/>
+          </p:nvPr>
+        </p:nvSpPr>
+        <p:spPr>
+          <a:xfrm>
+            <a:off x="2589212" y="1485900"/>
+            <a:ext cx="8915400" cy="619125"/>
+          </a:xfrm>
+        </p:spPr>
+        <p:txBody>
+          <a:bodyPr>
+            <a:normAutofit/>
+          </a:bodyPr>
+          <a:lstStyle/>
+          <a:p>
+            <a:r>
+              <a:rPr lang="bg-BG" sz="2400" dirty="0"/>
+              <a:t>Методи </a:t>
+            </a:r>
+            <a:r>
+              <a:rPr lang="en-US" sz="2400" dirty="0" err="1"/>
+              <a:t>addRole</a:t>
+            </a:r>
+            <a:r>
+              <a:rPr lang="en-US" sz="2400" dirty="0"/>
+              <a:t>()</a:t>
+            </a:r>
+            <a:r>
+              <a:rPr lang="bg-BG" sz="2400" dirty="0"/>
+              <a:t>, </a:t>
+            </a:r>
+            <a:r>
+              <a:rPr lang="en-US" sz="2400" dirty="0" err="1"/>
+              <a:t>getAllRoles</a:t>
+            </a:r>
+            <a:r>
+              <a:rPr lang="en-US" sz="2400" dirty="0"/>
+              <a:t>()</a:t>
+            </a:r>
+          </a:p>
+        </p:txBody>
+      </p:sp>
+      <p:sp>
+        <p:nvSpPr>
+          <p:cNvPr id="7" name="Slide Number Placeholder 6">
+            <a:extLst>
+              <a:ext uri="{FF2B5EF4-FFF2-40B4-BE49-F238E27FC236}">
+                <a16:creationId xmlns:a16="http://schemas.microsoft.com/office/drawing/2014/main" id="{07D37E21-9A35-45ED-9462-0A7781671E7E}"/>
+              </a:ext>
+            </a:extLst>
+          </p:cNvPr>
+          <p:cNvSpPr>
+            <a:spLocks noGrp="1"/>
+          </p:cNvSpPr>
+          <p:nvPr>
+            <p:ph type="sldNum" sz="quarter" idx="12"/>
+          </p:nvPr>
+        </p:nvSpPr>
+        <p:spPr/>
+        <p:txBody>
+          <a:bodyPr/>
+          <a:lstStyle/>
+          <a:p>
+            <a:fld id="{7C933938-B8E8-47AB-B89E-92B6FF3A5B7F}" type="slidenum">
+              <a:rPr lang="bg-BG" smtClean="0"/>
+              <a:t>20</a:t>
+            </a:fld>
+            <a:endParaRPr lang="bg-BG"/>
+          </a:p>
+        </p:txBody>
+      </p:sp>
+      <p:pic>
+        <p:nvPicPr>
+          <p:cNvPr id="10" name="Picture 9" descr="Text&#10;&#10;Description automatically generated">
+            <a:extLst>
+              <a:ext uri="{FF2B5EF4-FFF2-40B4-BE49-F238E27FC236}">
+                <a16:creationId xmlns:a16="http://schemas.microsoft.com/office/drawing/2014/main" id="{F736F547-7888-4885-A52A-CDA469715FC2}"/>
+              </a:ext>
+            </a:extLst>
+          </p:cNvPr>
+          <p:cNvPicPr>
+            <a:picLocks noChangeAspect="1"/>
+          </p:cNvPicPr>
+          <p:nvPr/>
+        </p:nvPicPr>
+        <p:blipFill>
+          <a:blip r:embed="rId2">
+            <a:extLst>
+              <a:ext uri="{28A0092B-C50C-407E-A947-70E740481C1C}">
+                <a14:useLocalDpi xmlns:a14="http://schemas.microsoft.com/office/drawing/2010/main" val="0"/>
+              </a:ext>
+            </a:extLst>
+          </a:blip>
+          <a:stretch>
+            <a:fillRect/>
+          </a:stretch>
+        </p:blipFill>
+        <p:spPr>
+          <a:xfrm>
+            <a:off x="2589212" y="2371725"/>
+            <a:ext cx="8138865" cy="3764435"/>
+          </a:xfrm>
+          <a:prstGeom prst="rect">
+            <a:avLst/>
+          </a:prstGeom>
+        </p:spPr>
+      </p:pic>
+    </p:spTree>
+    <p:extLst>
+      <p:ext uri="{BB962C8B-B14F-4D97-AF65-F5344CB8AC3E}">
+        <p14:creationId xmlns:p14="http://schemas.microsoft.com/office/powerpoint/2010/main" val="909746381"/>
+      </p:ext>
+    </p:extLst>
+  </p:cSld>
+  <p:clrMapOvr>
+    <a:masterClrMapping/>
+  </p:clrMapOvr>
+</p:sld>
+</file>
+
+<file path=ppt/slides/slide21.xml><?xml version="1.0" encoding="utf-8"?>
+<p:sld xmlns:a="http://schemas.openxmlformats.org/drawingml/2006/main" xmlns:r="http://schemas.openxmlformats.org/officeDocument/2006/relationships" xmlns:p="http://schemas.openxmlformats.org/presentationml/2006/main">
+  <p:cSld>
+    <p:spTree>
+      <p:nvGrpSpPr>
+        <p:cNvPr id="1" name=""/>
+        <p:cNvGrpSpPr/>
+        <p:nvPr/>
+      </p:nvGrpSpPr>
+      <p:grpSpPr>
+        <a:xfrm>
+          <a:off x="0" y="0"/>
+          <a:ext cx="0" cy="0"/>
+          <a:chOff x="0" y="0"/>
+          <a:chExt cx="0" cy="0"/>
+        </a:xfrm>
+      </p:grpSpPr>
+      <p:sp>
+        <p:nvSpPr>
+          <p:cNvPr id="2" name="Title 1">
+            <a:extLst>
+              <a:ext uri="{FF2B5EF4-FFF2-40B4-BE49-F238E27FC236}">
+                <a16:creationId xmlns:a16="http://schemas.microsoft.com/office/drawing/2014/main" id="{76030398-D54E-4871-8045-0DCCEE41ED2B}"/>
+              </a:ext>
+            </a:extLst>
+          </p:cNvPr>
+          <p:cNvSpPr>
+            <a:spLocks noGrp="1"/>
+          </p:cNvSpPr>
+          <p:nvPr>
+            <p:ph type="title"/>
+          </p:nvPr>
+        </p:nvSpPr>
+        <p:spPr>
+          <a:xfrm>
+            <a:off x="1978091" y="624110"/>
+            <a:ext cx="9526522" cy="1280890"/>
+          </a:xfrm>
+        </p:spPr>
+        <p:txBody>
+          <a:bodyPr/>
+          <a:lstStyle/>
+          <a:p>
+            <a:r>
+              <a:rPr lang="ru-RU" dirty="0"/>
+              <a:t>Услуга за спортни игрища - FieldService</a:t>
+            </a:r>
+            <a:endParaRPr lang="en-US" dirty="0"/>
+          </a:p>
+        </p:txBody>
+      </p:sp>
+      <p:sp>
+        <p:nvSpPr>
+          <p:cNvPr id="3" name="Content Placeholder 2">
+            <a:extLst>
+              <a:ext uri="{FF2B5EF4-FFF2-40B4-BE49-F238E27FC236}">
+                <a16:creationId xmlns:a16="http://schemas.microsoft.com/office/drawing/2014/main" id="{2BE7DD5F-A313-4707-8EF0-CBC924218A0A}"/>
+              </a:ext>
+            </a:extLst>
+          </p:cNvPr>
+          <p:cNvSpPr>
+            <a:spLocks noGrp="1"/>
+          </p:cNvSpPr>
+          <p:nvPr>
+            <p:ph idx="1"/>
+          </p:nvPr>
+        </p:nvSpPr>
+        <p:spPr>
+          <a:xfrm>
+            <a:off x="8153400" y="1561641"/>
+            <a:ext cx="3943349" cy="2424404"/>
+          </a:xfrm>
+        </p:spPr>
+        <p:txBody>
+          <a:bodyPr>
+            <a:normAutofit/>
+          </a:bodyPr>
+          <a:lstStyle/>
+          <a:p>
+            <a:r>
+              <a:rPr lang="bg-BG" sz="2400" dirty="0"/>
+              <a:t>Метод </a:t>
+            </a:r>
+            <a:r>
+              <a:rPr lang="en-US" sz="2400" dirty="0" err="1"/>
+              <a:t>addNewField</a:t>
+            </a:r>
+            <a:r>
+              <a:rPr lang="en-US" sz="2400" dirty="0"/>
+              <a:t>()</a:t>
+            </a:r>
+            <a:endParaRPr lang="bg-BG" sz="2400" dirty="0"/>
+          </a:p>
+          <a:p>
+            <a:r>
+              <a:rPr lang="bg-BG" sz="2400" dirty="0"/>
+              <a:t>Метод </a:t>
+            </a:r>
+            <a:r>
+              <a:rPr lang="en-US" sz="2400" dirty="0" err="1"/>
+              <a:t>deleteField</a:t>
+            </a:r>
+            <a:r>
+              <a:rPr lang="en-US" sz="2400" dirty="0"/>
+              <a:t>()</a:t>
+            </a:r>
+            <a:endParaRPr lang="bg-BG" sz="2400" dirty="0"/>
+          </a:p>
+          <a:p>
+            <a:r>
+              <a:rPr lang="bg-BG" sz="2400" dirty="0"/>
+              <a:t>Метод </a:t>
+            </a:r>
+            <a:r>
+              <a:rPr lang="en-US" sz="2400" dirty="0" err="1"/>
+              <a:t>getAllFields</a:t>
+            </a:r>
+            <a:r>
+              <a:rPr lang="en-US" sz="2400" dirty="0"/>
+              <a:t>()</a:t>
+            </a:r>
+            <a:endParaRPr lang="bg-BG" sz="2400" dirty="0"/>
+          </a:p>
+          <a:p>
+            <a:r>
+              <a:rPr lang="bg-BG" sz="2400" dirty="0"/>
+              <a:t>Метод </a:t>
+            </a:r>
+            <a:r>
+              <a:rPr lang="en-US" sz="2400" dirty="0" err="1"/>
+              <a:t>getAllFieldsByCity</a:t>
+            </a:r>
+            <a:r>
+              <a:rPr lang="en-US" sz="2400" dirty="0"/>
+              <a:t>()</a:t>
+            </a:r>
+          </a:p>
+        </p:txBody>
+      </p:sp>
+      <p:sp>
+        <p:nvSpPr>
+          <p:cNvPr id="4" name="Slide Number Placeholder 3">
+            <a:extLst>
+              <a:ext uri="{FF2B5EF4-FFF2-40B4-BE49-F238E27FC236}">
+                <a16:creationId xmlns:a16="http://schemas.microsoft.com/office/drawing/2014/main" id="{6D22652E-F65C-4834-82D7-3C2DB7C73865}"/>
+              </a:ext>
+            </a:extLst>
+          </p:cNvPr>
+          <p:cNvSpPr>
+            <a:spLocks noGrp="1"/>
+          </p:cNvSpPr>
+          <p:nvPr>
+            <p:ph type="sldNum" sz="quarter" idx="12"/>
+          </p:nvPr>
+        </p:nvSpPr>
+        <p:spPr/>
+        <p:txBody>
+          <a:bodyPr/>
+          <a:lstStyle/>
+          <a:p>
+            <a:fld id="{7C933938-B8E8-47AB-B89E-92B6FF3A5B7F}" type="slidenum">
+              <a:rPr lang="bg-BG" smtClean="0"/>
+              <a:t>21</a:t>
+            </a:fld>
+            <a:endParaRPr lang="bg-BG"/>
+          </a:p>
+        </p:txBody>
+      </p:sp>
+      <p:pic>
+        <p:nvPicPr>
+          <p:cNvPr id="6" name="Picture 5" descr="Text&#10;&#10;Description automatically generated">
+            <a:extLst>
+              <a:ext uri="{FF2B5EF4-FFF2-40B4-BE49-F238E27FC236}">
+                <a16:creationId xmlns:a16="http://schemas.microsoft.com/office/drawing/2014/main" id="{FB2FF047-D71F-407A-B9B4-E791C57073E2}"/>
+              </a:ext>
+            </a:extLst>
+          </p:cNvPr>
+          <p:cNvPicPr>
+            <a:picLocks noChangeAspect="1"/>
+          </p:cNvPicPr>
+          <p:nvPr/>
+        </p:nvPicPr>
+        <p:blipFill>
+          <a:blip r:embed="rId2">
+            <a:extLst>
+              <a:ext uri="{28A0092B-C50C-407E-A947-70E740481C1C}">
+                <a14:useLocalDpi xmlns:a14="http://schemas.microsoft.com/office/drawing/2010/main" val="0"/>
+              </a:ext>
+            </a:extLst>
+          </a:blip>
+          <a:stretch>
+            <a:fillRect/>
+          </a:stretch>
+        </p:blipFill>
+        <p:spPr>
+          <a:xfrm>
+            <a:off x="174172" y="1561641"/>
+            <a:ext cx="7902625" cy="5296359"/>
+          </a:xfrm>
+          <a:prstGeom prst="rect">
+            <a:avLst/>
+          </a:prstGeom>
+        </p:spPr>
+      </p:pic>
+    </p:spTree>
+    <p:extLst>
+      <p:ext uri="{BB962C8B-B14F-4D97-AF65-F5344CB8AC3E}">
+        <p14:creationId xmlns:p14="http://schemas.microsoft.com/office/powerpoint/2010/main" val="2120834777"/>
+      </p:ext>
+    </p:extLst>
+  </p:cSld>
+  <p:clrMapOvr>
+    <a:masterClrMapping/>
+  </p:clrMapOvr>
+</p:sld>
+</file>
+
+<file path=ppt/slides/slide22.xml><?xml version="1.0" encoding="utf-8"?>
+<p:sld xmlns:a="http://schemas.openxmlformats.org/drawingml/2006/main" xmlns:r="http://schemas.openxmlformats.org/officeDocument/2006/relationships" xmlns:p="http://schemas.openxmlformats.org/presentationml/2006/main">
+  <p:cSld>
+    <p:spTree>
+      <p:nvGrpSpPr>
+        <p:cNvPr id="1" name=""/>
+        <p:cNvGrpSpPr/>
+        <p:nvPr/>
+      </p:nvGrpSpPr>
+      <p:grpSpPr>
+        <a:xfrm>
+          <a:off x="0" y="0"/>
+          <a:ext cx="0" cy="0"/>
+          <a:chOff x="0" y="0"/>
+          <a:chExt cx="0" cy="0"/>
+        </a:xfrm>
+      </p:grpSpPr>
+      <p:sp>
+        <p:nvSpPr>
+          <p:cNvPr id="3" name="Content Placeholder 2">
+            <a:extLst>
+              <a:ext uri="{FF2B5EF4-FFF2-40B4-BE49-F238E27FC236}">
+                <a16:creationId xmlns:a16="http://schemas.microsoft.com/office/drawing/2014/main" id="{2FBFD455-1680-4863-B42E-39B3FD552134}"/>
+              </a:ext>
+            </a:extLst>
+          </p:cNvPr>
+          <p:cNvSpPr>
+            <a:spLocks noGrp="1"/>
+          </p:cNvSpPr>
+          <p:nvPr>
+            <p:ph idx="1"/>
+          </p:nvPr>
+        </p:nvSpPr>
+        <p:spPr>
+          <a:xfrm>
+            <a:off x="2589212" y="787782"/>
+            <a:ext cx="8915400" cy="898143"/>
+          </a:xfrm>
+        </p:spPr>
+        <p:txBody>
+          <a:bodyPr>
+            <a:normAutofit/>
+          </a:bodyPr>
+          <a:lstStyle/>
+          <a:p>
+            <a:r>
+              <a:rPr lang="bg-BG" sz="2400" dirty="0"/>
+              <a:t>Методи </a:t>
+            </a:r>
+            <a:r>
+              <a:rPr lang="en-US" sz="2400" dirty="0" err="1"/>
+              <a:t>getFieldById</a:t>
+            </a:r>
+            <a:r>
+              <a:rPr lang="en-US" sz="2400" dirty="0"/>
+              <a:t>()</a:t>
+            </a:r>
+            <a:r>
+              <a:rPr lang="bg-BG" sz="2400" dirty="0"/>
+              <a:t>, </a:t>
+            </a:r>
+            <a:r>
+              <a:rPr lang="en-US" sz="2400" dirty="0" err="1"/>
+              <a:t>changeFieldState</a:t>
+            </a:r>
+            <a:r>
+              <a:rPr lang="en-US" sz="2400" dirty="0"/>
+              <a:t>()</a:t>
+            </a:r>
+          </a:p>
+        </p:txBody>
+      </p:sp>
+      <p:sp>
+        <p:nvSpPr>
+          <p:cNvPr id="4" name="Slide Number Placeholder 3">
+            <a:extLst>
+              <a:ext uri="{FF2B5EF4-FFF2-40B4-BE49-F238E27FC236}">
+                <a16:creationId xmlns:a16="http://schemas.microsoft.com/office/drawing/2014/main" id="{209CC327-456E-4EC5-B316-13D15AD40FE5}"/>
+              </a:ext>
+            </a:extLst>
+          </p:cNvPr>
+          <p:cNvSpPr>
+            <a:spLocks noGrp="1"/>
+          </p:cNvSpPr>
+          <p:nvPr>
+            <p:ph type="sldNum" sz="quarter" idx="12"/>
+          </p:nvPr>
+        </p:nvSpPr>
+        <p:spPr/>
+        <p:txBody>
+          <a:bodyPr/>
+          <a:lstStyle/>
+          <a:p>
+            <a:fld id="{7C933938-B8E8-47AB-B89E-92B6FF3A5B7F}" type="slidenum">
+              <a:rPr lang="bg-BG" smtClean="0"/>
+              <a:t>22</a:t>
+            </a:fld>
+            <a:endParaRPr lang="bg-BG"/>
+          </a:p>
+        </p:txBody>
+      </p:sp>
+      <p:pic>
+        <p:nvPicPr>
+          <p:cNvPr id="6" name="Picture 5" descr="Text&#10;&#10;Description automatically generated">
+            <a:extLst>
+              <a:ext uri="{FF2B5EF4-FFF2-40B4-BE49-F238E27FC236}">
+                <a16:creationId xmlns:a16="http://schemas.microsoft.com/office/drawing/2014/main" id="{84C051CE-4B50-4B15-9B30-BAD09A6D8C9B}"/>
+              </a:ext>
+            </a:extLst>
+          </p:cNvPr>
+          <p:cNvPicPr>
+            <a:picLocks noChangeAspect="1"/>
+          </p:cNvPicPr>
+          <p:nvPr/>
+        </p:nvPicPr>
+        <p:blipFill>
+          <a:blip r:embed="rId2">
+            <a:extLst>
+              <a:ext uri="{28A0092B-C50C-407E-A947-70E740481C1C}">
+                <a14:useLocalDpi xmlns:a14="http://schemas.microsoft.com/office/drawing/2010/main" val="0"/>
+              </a:ext>
+            </a:extLst>
+          </a:blip>
+          <a:stretch>
+            <a:fillRect/>
+          </a:stretch>
+        </p:blipFill>
+        <p:spPr>
+          <a:xfrm>
+            <a:off x="2777860" y="1685925"/>
+            <a:ext cx="8726752" cy="4809143"/>
+          </a:xfrm>
+          <a:prstGeom prst="rect">
+            <a:avLst/>
+          </a:prstGeom>
+        </p:spPr>
+      </p:pic>
+    </p:spTree>
+    <p:extLst>
+      <p:ext uri="{BB962C8B-B14F-4D97-AF65-F5344CB8AC3E}">
+        <p14:creationId xmlns:p14="http://schemas.microsoft.com/office/powerpoint/2010/main" val="1689526947"/>
+      </p:ext>
+    </p:extLst>
+  </p:cSld>
+  <p:clrMapOvr>
+    <a:masterClrMapping/>
+  </p:clrMapOvr>
+</p:sld>
+</file>
+
+<file path=ppt/slides/slide23.xml><?xml version="1.0" encoding="utf-8"?>
+<p:sld xmlns:a="http://schemas.openxmlformats.org/drawingml/2006/main" xmlns:r="http://schemas.openxmlformats.org/officeDocument/2006/relationships" xmlns:p="http://schemas.openxmlformats.org/presentationml/2006/main">
+  <p:cSld>
+    <p:spTree>
+      <p:nvGrpSpPr>
+        <p:cNvPr id="1" name=""/>
+        <p:cNvGrpSpPr/>
+        <p:nvPr/>
+      </p:nvGrpSpPr>
+      <p:grpSpPr>
+        <a:xfrm>
+          <a:off x="0" y="0"/>
+          <a:ext cx="0" cy="0"/>
+          <a:chOff x="0" y="0"/>
+          <a:chExt cx="0" cy="0"/>
+        </a:xfrm>
+      </p:grpSpPr>
+      <p:sp>
+        <p:nvSpPr>
+          <p:cNvPr id="3" name="Content Placeholder 2">
+            <a:extLst>
+              <a:ext uri="{FF2B5EF4-FFF2-40B4-BE49-F238E27FC236}">
+                <a16:creationId xmlns:a16="http://schemas.microsoft.com/office/drawing/2014/main" id="{CDD3CB23-5241-4F5A-8D7D-18DBD27DF8DF}"/>
+              </a:ext>
+            </a:extLst>
+          </p:cNvPr>
+          <p:cNvSpPr>
+            <a:spLocks noGrp="1"/>
+          </p:cNvSpPr>
+          <p:nvPr>
+            <p:ph idx="1"/>
+          </p:nvPr>
+        </p:nvSpPr>
+        <p:spPr>
+          <a:xfrm>
+            <a:off x="2837558" y="400050"/>
+            <a:ext cx="6516883" cy="1494064"/>
+          </a:xfrm>
+        </p:spPr>
+        <p:txBody>
+          <a:bodyPr>
+            <a:normAutofit/>
+          </a:bodyPr>
+          <a:lstStyle/>
+          <a:p>
+            <a:r>
+              <a:rPr lang="bg-BG" sz="2400" dirty="0"/>
+              <a:t>Метод </a:t>
+            </a:r>
+            <a:r>
+              <a:rPr lang="en-US" sz="2400" dirty="0"/>
+              <a:t>reserve()</a:t>
+            </a:r>
+            <a:endParaRPr lang="bg-BG" sz="2400" dirty="0"/>
+          </a:p>
+          <a:p>
+            <a:r>
+              <a:rPr lang="bg-BG" sz="2400" dirty="0"/>
+              <a:t>Метод </a:t>
+            </a:r>
+            <a:r>
+              <a:rPr lang="en-US" sz="2400" dirty="0" err="1"/>
+              <a:t>changeFieldInfo</a:t>
+            </a:r>
+            <a:r>
+              <a:rPr lang="en-US" sz="2400" dirty="0"/>
+              <a:t>()</a:t>
+            </a:r>
+            <a:endParaRPr lang="bg-BG" sz="2400" dirty="0"/>
+          </a:p>
+          <a:p>
+            <a:r>
+              <a:rPr lang="bg-BG" sz="2400" dirty="0"/>
+              <a:t>Метод </a:t>
+            </a:r>
+            <a:r>
+              <a:rPr lang="en-US" sz="2400" dirty="0" err="1"/>
+              <a:t>getAllFieldsByType</a:t>
+            </a:r>
+            <a:r>
+              <a:rPr lang="en-US" sz="2400" dirty="0"/>
+              <a:t>()</a:t>
+            </a:r>
+          </a:p>
+        </p:txBody>
+      </p:sp>
+      <p:sp>
+        <p:nvSpPr>
+          <p:cNvPr id="4" name="Slide Number Placeholder 3">
+            <a:extLst>
+              <a:ext uri="{FF2B5EF4-FFF2-40B4-BE49-F238E27FC236}">
+                <a16:creationId xmlns:a16="http://schemas.microsoft.com/office/drawing/2014/main" id="{77AF611F-B0B7-41FE-ABDE-E0FA0E8249E8}"/>
+              </a:ext>
+            </a:extLst>
+          </p:cNvPr>
+          <p:cNvSpPr>
+            <a:spLocks noGrp="1"/>
+          </p:cNvSpPr>
+          <p:nvPr>
+            <p:ph type="sldNum" sz="quarter" idx="12"/>
+          </p:nvPr>
+        </p:nvSpPr>
+        <p:spPr/>
+        <p:txBody>
+          <a:bodyPr/>
+          <a:lstStyle/>
+          <a:p>
+            <a:fld id="{7C933938-B8E8-47AB-B89E-92B6FF3A5B7F}" type="slidenum">
+              <a:rPr lang="bg-BG" smtClean="0"/>
+              <a:t>23</a:t>
+            </a:fld>
+            <a:endParaRPr lang="bg-BG"/>
+          </a:p>
+        </p:txBody>
+      </p:sp>
+      <p:pic>
+        <p:nvPicPr>
+          <p:cNvPr id="6" name="Picture 5" descr="Text&#10;&#10;Description automatically generated">
+            <a:extLst>
+              <a:ext uri="{FF2B5EF4-FFF2-40B4-BE49-F238E27FC236}">
+                <a16:creationId xmlns:a16="http://schemas.microsoft.com/office/drawing/2014/main" id="{5FB1E530-B223-47DC-9771-96B0B863D475}"/>
+              </a:ext>
+            </a:extLst>
+          </p:cNvPr>
+          <p:cNvPicPr>
+            <a:picLocks noChangeAspect="1"/>
+          </p:cNvPicPr>
+          <p:nvPr/>
+        </p:nvPicPr>
+        <p:blipFill>
+          <a:blip r:embed="rId2">
+            <a:extLst>
+              <a:ext uri="{28A0092B-C50C-407E-A947-70E740481C1C}">
+                <a14:useLocalDpi xmlns:a14="http://schemas.microsoft.com/office/drawing/2010/main" val="0"/>
+              </a:ext>
+            </a:extLst>
+          </a:blip>
+          <a:stretch>
+            <a:fillRect/>
+          </a:stretch>
+        </p:blipFill>
+        <p:spPr>
+          <a:xfrm>
+            <a:off x="2837558" y="2109260"/>
+            <a:ext cx="8992379" cy="4549534"/>
+          </a:xfrm>
+          <a:prstGeom prst="rect">
+            <a:avLst/>
+          </a:prstGeom>
+        </p:spPr>
+      </p:pic>
+    </p:spTree>
+    <p:extLst>
+      <p:ext uri="{BB962C8B-B14F-4D97-AF65-F5344CB8AC3E}">
+        <p14:creationId xmlns:p14="http://schemas.microsoft.com/office/powerpoint/2010/main" val="1394248675"/>
+      </p:ext>
+    </p:extLst>
+  </p:cSld>
+  <p:clrMapOvr>
+    <a:masterClrMapping/>
+  </p:clrMapOvr>
+</p:sld>
+</file>
+
+<file path=ppt/slides/slide24.xml><?xml version="1.0" encoding="utf-8"?>
+<p:sld xmlns:a="http://schemas.openxmlformats.org/drawingml/2006/main" xmlns:r="http://schemas.openxmlformats.org/officeDocument/2006/relationships" xmlns:p="http://schemas.openxmlformats.org/presentationml/2006/main">
+  <p:cSld>
+    <p:spTree>
+      <p:nvGrpSpPr>
+        <p:cNvPr id="1" name=""/>
+        <p:cNvGrpSpPr/>
+        <p:nvPr/>
+      </p:nvGrpSpPr>
+      <p:grpSpPr>
+        <a:xfrm>
+          <a:off x="0" y="0"/>
+          <a:ext cx="0" cy="0"/>
+          <a:chOff x="0" y="0"/>
+          <a:chExt cx="0" cy="0"/>
+        </a:xfrm>
+      </p:grpSpPr>
+      <p:sp>
+        <p:nvSpPr>
+          <p:cNvPr id="2" name="Title 1">
+            <a:extLst>
+              <a:ext uri="{FF2B5EF4-FFF2-40B4-BE49-F238E27FC236}">
+                <a16:creationId xmlns:a16="http://schemas.microsoft.com/office/drawing/2014/main" id="{6772CA98-22A9-4BD9-B62C-C9C2BE6D2ED3}"/>
+              </a:ext>
+            </a:extLst>
+          </p:cNvPr>
+          <p:cNvSpPr>
+            <a:spLocks noGrp="1"/>
+          </p:cNvSpPr>
+          <p:nvPr>
+            <p:ph type="title"/>
+          </p:nvPr>
+        </p:nvSpPr>
+        <p:spPr>
+          <a:xfrm>
+            <a:off x="1604865" y="624110"/>
+            <a:ext cx="9899748" cy="1280890"/>
+          </a:xfrm>
+        </p:spPr>
+        <p:txBody>
+          <a:bodyPr/>
+          <a:lstStyle/>
+          <a:p>
+            <a:r>
+              <a:rPr lang="bg-BG" dirty="0"/>
+              <a:t>Услуга за резервации - </a:t>
+            </a:r>
+            <a:r>
+              <a:rPr lang="en-US" dirty="0" err="1"/>
+              <a:t>ReservationService</a:t>
+            </a:r>
+            <a:endParaRPr lang="en-US" dirty="0"/>
+          </a:p>
+        </p:txBody>
+      </p:sp>
+      <p:sp>
+        <p:nvSpPr>
+          <p:cNvPr id="3" name="Content Placeholder 2">
+            <a:extLst>
+              <a:ext uri="{FF2B5EF4-FFF2-40B4-BE49-F238E27FC236}">
+                <a16:creationId xmlns:a16="http://schemas.microsoft.com/office/drawing/2014/main" id="{65E6E777-05B5-498F-8BC8-1779D2B8525F}"/>
+              </a:ext>
+            </a:extLst>
+          </p:cNvPr>
+          <p:cNvSpPr>
+            <a:spLocks noGrp="1"/>
+          </p:cNvSpPr>
+          <p:nvPr>
+            <p:ph idx="1"/>
+          </p:nvPr>
+        </p:nvSpPr>
+        <p:spPr>
+          <a:xfrm>
+            <a:off x="8226165" y="2233383"/>
+            <a:ext cx="4110135" cy="4265991"/>
+          </a:xfrm>
+        </p:spPr>
+        <p:txBody>
+          <a:bodyPr>
+            <a:normAutofit/>
+          </a:bodyPr>
+          <a:lstStyle/>
+          <a:p>
+            <a:r>
+              <a:rPr lang="bg-BG" sz="2400" dirty="0"/>
+              <a:t>Методи</a:t>
+            </a:r>
+            <a:r>
+              <a:rPr lang="en-US" sz="2400" dirty="0"/>
+              <a:t>:</a:t>
+            </a:r>
+          </a:p>
+          <a:p>
+            <a:pPr lvl="1"/>
+            <a:r>
+              <a:rPr lang="bg-BG" sz="2200" dirty="0"/>
+              <a:t> </a:t>
+            </a:r>
+            <a:r>
+              <a:rPr lang="en-US" sz="2200" dirty="0" err="1"/>
+              <a:t>reserveField</a:t>
+            </a:r>
+            <a:r>
+              <a:rPr lang="en-US" sz="2200" dirty="0"/>
+              <a:t>()	</a:t>
+            </a:r>
+          </a:p>
+          <a:p>
+            <a:pPr lvl="1"/>
+            <a:r>
+              <a:rPr lang="en-US" sz="2200" dirty="0" err="1"/>
+              <a:t>cancelReservation</a:t>
+            </a:r>
+            <a:r>
+              <a:rPr lang="en-US" sz="2200" dirty="0"/>
+              <a:t>()</a:t>
+            </a:r>
+          </a:p>
+          <a:p>
+            <a:pPr lvl="1"/>
+            <a:r>
+              <a:rPr lang="en-US" sz="2200" dirty="0" err="1"/>
+              <a:t>getReservationHistory</a:t>
+            </a:r>
+            <a:r>
+              <a:rPr lang="en-US" sz="2200" dirty="0"/>
+              <a:t>()</a:t>
+            </a:r>
+          </a:p>
+          <a:p>
+            <a:pPr lvl="1"/>
+            <a:r>
+              <a:rPr lang="en-US" sz="2200" dirty="0" err="1"/>
+              <a:t>viewAllReservations</a:t>
+            </a:r>
+            <a:r>
+              <a:rPr lang="en-US" sz="2200" dirty="0"/>
+              <a:t>()</a:t>
+            </a:r>
+          </a:p>
+        </p:txBody>
+      </p:sp>
+      <p:sp>
+        <p:nvSpPr>
+          <p:cNvPr id="4" name="Slide Number Placeholder 3">
+            <a:extLst>
+              <a:ext uri="{FF2B5EF4-FFF2-40B4-BE49-F238E27FC236}">
+                <a16:creationId xmlns:a16="http://schemas.microsoft.com/office/drawing/2014/main" id="{582F4382-418B-4426-A979-6432F8FAC0EA}"/>
+              </a:ext>
+            </a:extLst>
+          </p:cNvPr>
+          <p:cNvSpPr>
+            <a:spLocks noGrp="1"/>
+          </p:cNvSpPr>
+          <p:nvPr>
+            <p:ph type="sldNum" sz="quarter" idx="12"/>
+          </p:nvPr>
+        </p:nvSpPr>
+        <p:spPr/>
+        <p:txBody>
+          <a:bodyPr/>
+          <a:lstStyle/>
+          <a:p>
+            <a:fld id="{7C933938-B8E8-47AB-B89E-92B6FF3A5B7F}" type="slidenum">
+              <a:rPr lang="bg-BG" smtClean="0"/>
+              <a:t>24</a:t>
+            </a:fld>
+            <a:endParaRPr lang="bg-BG"/>
+          </a:p>
+        </p:txBody>
+      </p:sp>
+      <p:pic>
+        <p:nvPicPr>
+          <p:cNvPr id="6" name="Picture 5" descr="Text&#10;&#10;Description automatically generated">
+            <a:extLst>
+              <a:ext uri="{FF2B5EF4-FFF2-40B4-BE49-F238E27FC236}">
+                <a16:creationId xmlns:a16="http://schemas.microsoft.com/office/drawing/2014/main" id="{9A27D8C2-F398-465F-A87B-09037CC35F42}"/>
+              </a:ext>
+            </a:extLst>
+          </p:cNvPr>
+          <p:cNvPicPr>
+            <a:picLocks noChangeAspect="1"/>
+          </p:cNvPicPr>
+          <p:nvPr/>
+        </p:nvPicPr>
+        <p:blipFill>
+          <a:blip r:embed="rId2">
+            <a:extLst>
+              <a:ext uri="{28A0092B-C50C-407E-A947-70E740481C1C}">
+                <a14:useLocalDpi xmlns:a14="http://schemas.microsoft.com/office/drawing/2010/main" val="0"/>
+              </a:ext>
+            </a:extLst>
+          </a:blip>
+          <a:stretch>
+            <a:fillRect/>
+          </a:stretch>
+        </p:blipFill>
+        <p:spPr>
+          <a:xfrm>
+            <a:off x="239712" y="3341912"/>
+            <a:ext cx="7986452" cy="2789162"/>
+          </a:xfrm>
+          <a:prstGeom prst="rect">
+            <a:avLst/>
+          </a:prstGeom>
+        </p:spPr>
+      </p:pic>
+      <p:pic>
+        <p:nvPicPr>
+          <p:cNvPr id="8" name="Picture 7">
+            <a:extLst>
+              <a:ext uri="{FF2B5EF4-FFF2-40B4-BE49-F238E27FC236}">
+                <a16:creationId xmlns:a16="http://schemas.microsoft.com/office/drawing/2014/main" id="{97097DBF-EAA1-4084-938A-78D56A98D209}"/>
+              </a:ext>
+            </a:extLst>
+          </p:cNvPr>
+          <p:cNvPicPr>
+            <a:picLocks noChangeAspect="1"/>
+          </p:cNvPicPr>
+          <p:nvPr/>
+        </p:nvPicPr>
+        <p:blipFill>
+          <a:blip r:embed="rId3">
+            <a:extLst>
+              <a:ext uri="{28A0092B-C50C-407E-A947-70E740481C1C}">
+                <a14:useLocalDpi xmlns:a14="http://schemas.microsoft.com/office/drawing/2010/main" val="0"/>
+              </a:ext>
+            </a:extLst>
+          </a:blip>
+          <a:stretch>
+            <a:fillRect/>
+          </a:stretch>
+        </p:blipFill>
+        <p:spPr>
+          <a:xfrm>
+            <a:off x="239712" y="1990547"/>
+            <a:ext cx="7986453" cy="983065"/>
+          </a:xfrm>
+          <a:prstGeom prst="rect">
+            <a:avLst/>
+          </a:prstGeom>
+        </p:spPr>
+      </p:pic>
+    </p:spTree>
+    <p:extLst>
+      <p:ext uri="{BB962C8B-B14F-4D97-AF65-F5344CB8AC3E}">
+        <p14:creationId xmlns:p14="http://schemas.microsoft.com/office/powerpoint/2010/main" val="2685629482"/>
+      </p:ext>
+    </p:extLst>
+  </p:cSld>
+  <p:clrMapOvr>
+    <a:masterClrMapping/>
+  </p:clrMapOvr>
+</p:sld>
+</file>
+
+<file path=ppt/slides/slide25.xml><?xml version="1.0" encoding="utf-8"?>
+<p:sld xmlns:a="http://schemas.openxmlformats.org/drawingml/2006/main" xmlns:r="http://schemas.openxmlformats.org/officeDocument/2006/relationships" xmlns:p="http://schemas.openxmlformats.org/presentationml/2006/main">
+  <p:cSld>
+    <p:spTree>
+      <p:nvGrpSpPr>
+        <p:cNvPr id="1" name=""/>
+        <p:cNvGrpSpPr/>
+        <p:nvPr/>
+      </p:nvGrpSpPr>
+      <p:grpSpPr>
+        <a:xfrm>
+          <a:off x="0" y="0"/>
+          <a:ext cx="0" cy="0"/>
+          <a:chOff x="0" y="0"/>
+          <a:chExt cx="0" cy="0"/>
+        </a:xfrm>
+      </p:grpSpPr>
+      <p:sp>
+        <p:nvSpPr>
+          <p:cNvPr id="5" name="Title 4">
+            <a:extLst>
+              <a:ext uri="{FF2B5EF4-FFF2-40B4-BE49-F238E27FC236}">
+                <a16:creationId xmlns:a16="http://schemas.microsoft.com/office/drawing/2014/main" id="{7543B474-D7CF-46A7-B684-4B7D9D32CDC2}"/>
+              </a:ext>
+            </a:extLst>
+          </p:cNvPr>
+          <p:cNvSpPr>
+            <a:spLocks noGrp="1"/>
+          </p:cNvSpPr>
+          <p:nvPr>
+            <p:ph type="title"/>
+          </p:nvPr>
+        </p:nvSpPr>
+        <p:spPr/>
+        <p:txBody>
+          <a:bodyPr/>
+          <a:lstStyle/>
+          <a:p>
+            <a:r>
+              <a:rPr lang="bg-BG" dirty="0"/>
+              <a:t>Управление (</a:t>
+            </a:r>
+            <a:r>
+              <a:rPr lang="en-US" dirty="0"/>
+              <a:t>Controllers)</a:t>
+            </a:r>
+          </a:p>
+        </p:txBody>
+      </p:sp>
+      <p:sp>
+        <p:nvSpPr>
+          <p:cNvPr id="6" name="Text Placeholder 5">
+            <a:extLst>
+              <a:ext uri="{FF2B5EF4-FFF2-40B4-BE49-F238E27FC236}">
+                <a16:creationId xmlns:a16="http://schemas.microsoft.com/office/drawing/2014/main" id="{6E9FD80E-6FCB-4AA1-A478-98C69E27BB01}"/>
+              </a:ext>
+            </a:extLst>
+          </p:cNvPr>
+          <p:cNvSpPr>
+            <a:spLocks noGrp="1"/>
+          </p:cNvSpPr>
+          <p:nvPr>
+            <p:ph type="body" idx="1"/>
+          </p:nvPr>
+        </p:nvSpPr>
+        <p:spPr/>
+        <p:txBody>
+          <a:bodyPr/>
+          <a:lstStyle/>
+          <a:p>
+            <a:endParaRPr lang="en-US"/>
+          </a:p>
+        </p:txBody>
+      </p:sp>
+      <p:sp>
+        <p:nvSpPr>
+          <p:cNvPr id="4" name="Slide Number Placeholder 3">
+            <a:extLst>
+              <a:ext uri="{FF2B5EF4-FFF2-40B4-BE49-F238E27FC236}">
+                <a16:creationId xmlns:a16="http://schemas.microsoft.com/office/drawing/2014/main" id="{3CB112E4-4420-43B4-AB82-DA3D6EFC5F1D}"/>
+              </a:ext>
+            </a:extLst>
+          </p:cNvPr>
+          <p:cNvSpPr>
+            <a:spLocks noGrp="1"/>
+          </p:cNvSpPr>
+          <p:nvPr>
+            <p:ph type="sldNum" sz="quarter" idx="12"/>
+          </p:nvPr>
+        </p:nvSpPr>
+        <p:spPr/>
+        <p:txBody>
+          <a:bodyPr/>
+          <a:lstStyle/>
+          <a:p>
+            <a:fld id="{7C933938-B8E8-47AB-B89E-92B6FF3A5B7F}" type="slidenum">
+              <a:rPr lang="bg-BG" smtClean="0"/>
+              <a:t>25</a:t>
+            </a:fld>
+            <a:endParaRPr lang="bg-BG"/>
+          </a:p>
+        </p:txBody>
+      </p:sp>
+    </p:spTree>
+    <p:extLst>
+      <p:ext uri="{BB962C8B-B14F-4D97-AF65-F5344CB8AC3E}">
+        <p14:creationId xmlns:p14="http://schemas.microsoft.com/office/powerpoint/2010/main" val="2631335344"/>
+      </p:ext>
+    </p:extLst>
+  </p:cSld>
+  <p:clrMapOvr>
+    <a:masterClrMapping/>
+  </p:clrMapOvr>
+</p:sld>
+</file>
+
+<file path=ppt/slides/slide26.xml><?xml version="1.0" encoding="utf-8"?>
+<p:sld xmlns:a="http://schemas.openxmlformats.org/drawingml/2006/main" xmlns:r="http://schemas.openxmlformats.org/officeDocument/2006/relationships" xmlns:p="http://schemas.openxmlformats.org/presentationml/2006/main">
+  <p:cSld>
+    <p:spTree>
+      <p:nvGrpSpPr>
+        <p:cNvPr id="1" name=""/>
+        <p:cNvGrpSpPr/>
+        <p:nvPr/>
+      </p:nvGrpSpPr>
+      <p:grpSpPr>
+        <a:xfrm>
+          <a:off x="0" y="0"/>
+          <a:ext cx="0" cy="0"/>
+          <a:chOff x="0" y="0"/>
+          <a:chExt cx="0" cy="0"/>
+        </a:xfrm>
+      </p:grpSpPr>
+      <p:sp>
+        <p:nvSpPr>
+          <p:cNvPr id="2" name="Title 1">
+            <a:extLst>
+              <a:ext uri="{FF2B5EF4-FFF2-40B4-BE49-F238E27FC236}">
+                <a16:creationId xmlns:a16="http://schemas.microsoft.com/office/drawing/2014/main" id="{742F8884-B14E-4D75-8951-61D6F2D2652F}"/>
+              </a:ext>
+            </a:extLst>
+          </p:cNvPr>
+          <p:cNvSpPr>
+            <a:spLocks noGrp="1"/>
+          </p:cNvSpPr>
+          <p:nvPr>
+            <p:ph type="title"/>
+          </p:nvPr>
+        </p:nvSpPr>
+        <p:spPr>
+          <a:xfrm>
+            <a:off x="1800809" y="624110"/>
+            <a:ext cx="9703804" cy="915441"/>
+          </a:xfrm>
+        </p:spPr>
+        <p:txBody>
+          <a:bodyPr/>
+          <a:lstStyle/>
+          <a:p>
+            <a:r>
+              <a:rPr lang="bg-BG" dirty="0"/>
+              <a:t>Основно управление - </a:t>
+            </a:r>
+            <a:r>
+              <a:rPr lang="en-US" dirty="0" err="1"/>
+              <a:t>MainController</a:t>
+            </a:r>
+            <a:endParaRPr lang="en-US" dirty="0"/>
+          </a:p>
+        </p:txBody>
+      </p:sp>
+      <p:pic>
+        <p:nvPicPr>
+          <p:cNvPr id="6" name="Content Placeholder 5" descr="Text&#10;&#10;Description automatically generated">
+            <a:extLst>
+              <a:ext uri="{FF2B5EF4-FFF2-40B4-BE49-F238E27FC236}">
+                <a16:creationId xmlns:a16="http://schemas.microsoft.com/office/drawing/2014/main" id="{0ECF01CC-6EC7-42C5-9EB6-64C2716DE729}"/>
+              </a:ext>
+            </a:extLst>
+          </p:cNvPr>
+          <p:cNvPicPr>
+            <a:picLocks noGrp="1" noChangeAspect="1"/>
+          </p:cNvPicPr>
+          <p:nvPr>
+            <p:ph idx="1"/>
+          </p:nvPr>
+        </p:nvPicPr>
+        <p:blipFill>
+          <a:blip r:embed="rId2">
+            <a:extLst>
+              <a:ext uri="{28A0092B-C50C-407E-A947-70E740481C1C}">
+                <a14:useLocalDpi xmlns:a14="http://schemas.microsoft.com/office/drawing/2010/main" val="0"/>
+              </a:ext>
+            </a:extLst>
+          </a:blip>
+          <a:stretch>
+            <a:fillRect/>
+          </a:stretch>
+        </p:blipFill>
+        <p:spPr>
+          <a:xfrm>
+            <a:off x="3324225" y="1500361"/>
+            <a:ext cx="7856538" cy="5357639"/>
+          </a:xfrm>
+        </p:spPr>
+      </p:pic>
+      <p:sp>
+        <p:nvSpPr>
+          <p:cNvPr id="4" name="Slide Number Placeholder 3">
+            <a:extLst>
+              <a:ext uri="{FF2B5EF4-FFF2-40B4-BE49-F238E27FC236}">
+                <a16:creationId xmlns:a16="http://schemas.microsoft.com/office/drawing/2014/main" id="{BF6073B5-A2E3-4AEB-8973-35D68610647A}"/>
+              </a:ext>
+            </a:extLst>
+          </p:cNvPr>
+          <p:cNvSpPr>
+            <a:spLocks noGrp="1"/>
+          </p:cNvSpPr>
+          <p:nvPr>
+            <p:ph type="sldNum" sz="quarter" idx="12"/>
+          </p:nvPr>
+        </p:nvSpPr>
+        <p:spPr/>
+        <p:txBody>
+          <a:bodyPr/>
+          <a:lstStyle/>
+          <a:p>
+            <a:fld id="{7C933938-B8E8-47AB-B89E-92B6FF3A5B7F}" type="slidenum">
+              <a:rPr lang="bg-BG" smtClean="0"/>
+              <a:t>26</a:t>
+            </a:fld>
+            <a:endParaRPr lang="bg-BG"/>
+          </a:p>
+        </p:txBody>
+      </p:sp>
+    </p:spTree>
+    <p:extLst>
+      <p:ext uri="{BB962C8B-B14F-4D97-AF65-F5344CB8AC3E}">
+        <p14:creationId xmlns:p14="http://schemas.microsoft.com/office/powerpoint/2010/main" val="713041605"/>
+      </p:ext>
+    </p:extLst>
+  </p:cSld>
+  <p:clrMapOvr>
+    <a:masterClrMapping/>
+  </p:clrMapOvr>
+</p:sld>
+</file>
+
+<file path=ppt/slides/slide27.xml><?xml version="1.0" encoding="utf-8"?>
+<p:sld xmlns:a="http://schemas.openxmlformats.org/drawingml/2006/main" xmlns:r="http://schemas.openxmlformats.org/officeDocument/2006/relationships" xmlns:p="http://schemas.openxmlformats.org/presentationml/2006/main">
+  <p:cSld>
+    <p:spTree>
+      <p:nvGrpSpPr>
+        <p:cNvPr id="1" name=""/>
+        <p:cNvGrpSpPr/>
+        <p:nvPr/>
+      </p:nvGrpSpPr>
+      <p:grpSpPr>
+        <a:xfrm>
+          <a:off x="0" y="0"/>
+          <a:ext cx="0" cy="0"/>
+          <a:chOff x="0" y="0"/>
+          <a:chExt cx="0" cy="0"/>
+        </a:xfrm>
+      </p:grpSpPr>
+      <p:sp>
+        <p:nvSpPr>
+          <p:cNvPr id="2" name="Title 1">
+            <a:extLst>
+              <a:ext uri="{FF2B5EF4-FFF2-40B4-BE49-F238E27FC236}">
+                <a16:creationId xmlns:a16="http://schemas.microsoft.com/office/drawing/2014/main" id="{515FF05D-768C-4663-AE84-33F3D8ADD090}"/>
+              </a:ext>
+            </a:extLst>
+          </p:cNvPr>
+          <p:cNvSpPr>
+            <a:spLocks noGrp="1"/>
+          </p:cNvSpPr>
+          <p:nvPr>
+            <p:ph type="title"/>
+          </p:nvPr>
+        </p:nvSpPr>
+        <p:spPr>
+          <a:xfrm>
+            <a:off x="1514476" y="190500"/>
+            <a:ext cx="10677524" cy="1714500"/>
+          </a:xfrm>
+        </p:spPr>
+        <p:txBody>
+          <a:bodyPr/>
+          <a:lstStyle/>
+          <a:p>
+            <a:r>
+              <a:rPr lang="bg-BG" dirty="0"/>
+              <a:t>Потребителското управление – </a:t>
+            </a:r>
+            <a:r>
+              <a:rPr lang="en-US" dirty="0" err="1"/>
+              <a:t>UserController</a:t>
+            </a:r>
+            <a:br>
+              <a:rPr lang="en-US" dirty="0"/>
+            </a:br>
+            <a:r>
+              <a:rPr lang="bg-BG" dirty="0"/>
+              <a:t>част 1</a:t>
+            </a:r>
+            <a:endParaRPr lang="en-US" dirty="0"/>
+          </a:p>
+        </p:txBody>
+      </p:sp>
+      <p:pic>
+        <p:nvPicPr>
+          <p:cNvPr id="6" name="Content Placeholder 5" descr="Text&#10;&#10;Description automatically generated">
+            <a:extLst>
+              <a:ext uri="{FF2B5EF4-FFF2-40B4-BE49-F238E27FC236}">
+                <a16:creationId xmlns:a16="http://schemas.microsoft.com/office/drawing/2014/main" id="{0647C2B6-C236-44AE-9321-4202EC4F59C4}"/>
+              </a:ext>
+            </a:extLst>
+          </p:cNvPr>
+          <p:cNvPicPr>
+            <a:picLocks noGrp="1" noChangeAspect="1"/>
+          </p:cNvPicPr>
+          <p:nvPr>
+            <p:ph idx="1"/>
+          </p:nvPr>
+        </p:nvPicPr>
+        <p:blipFill>
+          <a:blip r:embed="rId2">
+            <a:extLst>
+              <a:ext uri="{28A0092B-C50C-407E-A947-70E740481C1C}">
+                <a14:useLocalDpi xmlns:a14="http://schemas.microsoft.com/office/drawing/2010/main" val="0"/>
+              </a:ext>
+            </a:extLst>
+          </a:blip>
+          <a:stretch>
+            <a:fillRect/>
+          </a:stretch>
+        </p:blipFill>
+        <p:spPr>
+          <a:xfrm>
+            <a:off x="1762126" y="1316324"/>
+            <a:ext cx="9725892" cy="5484526"/>
+          </a:xfrm>
+        </p:spPr>
+      </p:pic>
+      <p:sp>
+        <p:nvSpPr>
+          <p:cNvPr id="4" name="Slide Number Placeholder 3">
+            <a:extLst>
+              <a:ext uri="{FF2B5EF4-FFF2-40B4-BE49-F238E27FC236}">
+                <a16:creationId xmlns:a16="http://schemas.microsoft.com/office/drawing/2014/main" id="{712A724B-2C8F-4C57-A116-C38B62A03785}"/>
+              </a:ext>
+            </a:extLst>
+          </p:cNvPr>
+          <p:cNvSpPr>
+            <a:spLocks noGrp="1"/>
+          </p:cNvSpPr>
+          <p:nvPr>
+            <p:ph type="sldNum" sz="quarter" idx="12"/>
+          </p:nvPr>
+        </p:nvSpPr>
+        <p:spPr/>
+        <p:txBody>
+          <a:bodyPr/>
+          <a:lstStyle/>
+          <a:p>
+            <a:fld id="{7C933938-B8E8-47AB-B89E-92B6FF3A5B7F}" type="slidenum">
+              <a:rPr lang="bg-BG" smtClean="0"/>
+              <a:t>27</a:t>
+            </a:fld>
+            <a:endParaRPr lang="bg-BG"/>
+          </a:p>
+        </p:txBody>
+      </p:sp>
+    </p:spTree>
+    <p:extLst>
+      <p:ext uri="{BB962C8B-B14F-4D97-AF65-F5344CB8AC3E}">
+        <p14:creationId xmlns:p14="http://schemas.microsoft.com/office/powerpoint/2010/main" val="2647622508"/>
+      </p:ext>
+    </p:extLst>
+  </p:cSld>
+  <p:clrMapOvr>
+    <a:masterClrMapping/>
+  </p:clrMapOvr>
+</p:sld>
+</file>
+
+<file path=ppt/slides/slide28.xml><?xml version="1.0" encoding="utf-8"?>
+<p:sld xmlns:a="http://schemas.openxmlformats.org/drawingml/2006/main" xmlns:r="http://schemas.openxmlformats.org/officeDocument/2006/relationships" xmlns:p="http://schemas.openxmlformats.org/presentationml/2006/main">
+  <p:cSld>
+    <p:spTree>
+      <p:nvGrpSpPr>
+        <p:cNvPr id="1" name=""/>
+        <p:cNvGrpSpPr/>
+        <p:nvPr/>
+      </p:nvGrpSpPr>
+      <p:grpSpPr>
+        <a:xfrm>
+          <a:off x="0" y="0"/>
+          <a:ext cx="0" cy="0"/>
+          <a:chOff x="0" y="0"/>
+          <a:chExt cx="0" cy="0"/>
+        </a:xfrm>
+      </p:grpSpPr>
+      <p:sp>
+        <p:nvSpPr>
+          <p:cNvPr id="2" name="Title 1">
+            <a:extLst>
+              <a:ext uri="{FF2B5EF4-FFF2-40B4-BE49-F238E27FC236}">
+                <a16:creationId xmlns:a16="http://schemas.microsoft.com/office/drawing/2014/main" id="{47A733AA-6BEA-4479-BFE3-2938254F17CB}"/>
+              </a:ext>
+            </a:extLst>
+          </p:cNvPr>
+          <p:cNvSpPr>
+            <a:spLocks noGrp="1"/>
+          </p:cNvSpPr>
+          <p:nvPr>
+            <p:ph type="title"/>
+          </p:nvPr>
+        </p:nvSpPr>
+        <p:spPr>
+          <a:xfrm>
+            <a:off x="1670179" y="232224"/>
+            <a:ext cx="10950445" cy="1149104"/>
+          </a:xfrm>
+        </p:spPr>
+        <p:txBody>
+          <a:bodyPr>
+            <a:normAutofit fontScale="90000"/>
+          </a:bodyPr>
+          <a:lstStyle/>
+          <a:p>
+            <a:r>
+              <a:rPr lang="bg-BG" dirty="0"/>
+              <a:t>Потребителското управление – </a:t>
+            </a:r>
+            <a:r>
+              <a:rPr lang="en-US" dirty="0" err="1"/>
+              <a:t>UserController</a:t>
+            </a:r>
+            <a:br>
+              <a:rPr lang="en-US" dirty="0"/>
+            </a:br>
+            <a:r>
+              <a:rPr lang="bg-BG" dirty="0"/>
+              <a:t>част 2</a:t>
+            </a:r>
+            <a:endParaRPr lang="en-US" dirty="0"/>
+          </a:p>
+        </p:txBody>
+      </p:sp>
+      <p:pic>
+        <p:nvPicPr>
+          <p:cNvPr id="6" name="Content Placeholder 5" descr="Text&#10;&#10;Description automatically generated">
+            <a:extLst>
+              <a:ext uri="{FF2B5EF4-FFF2-40B4-BE49-F238E27FC236}">
+                <a16:creationId xmlns:a16="http://schemas.microsoft.com/office/drawing/2014/main" id="{8CE152E8-80CC-414C-93CD-F64ABE1D71BD}"/>
+              </a:ext>
+            </a:extLst>
+          </p:cNvPr>
+          <p:cNvPicPr>
+            <a:picLocks noGrp="1" noChangeAspect="1"/>
+          </p:cNvPicPr>
+          <p:nvPr>
+            <p:ph idx="1"/>
+          </p:nvPr>
+        </p:nvPicPr>
+        <p:blipFill>
+          <a:blip r:embed="rId2">
+            <a:extLst>
+              <a:ext uri="{28A0092B-C50C-407E-A947-70E740481C1C}">
+                <a14:useLocalDpi xmlns:a14="http://schemas.microsoft.com/office/drawing/2010/main" val="0"/>
+              </a:ext>
+            </a:extLst>
+          </a:blip>
+          <a:stretch>
+            <a:fillRect/>
+          </a:stretch>
+        </p:blipFill>
+        <p:spPr>
+          <a:xfrm>
+            <a:off x="4017524" y="787782"/>
+            <a:ext cx="7383293" cy="5982669"/>
+          </a:xfrm>
+        </p:spPr>
+      </p:pic>
+      <p:sp>
+        <p:nvSpPr>
+          <p:cNvPr id="4" name="Slide Number Placeholder 3">
+            <a:extLst>
+              <a:ext uri="{FF2B5EF4-FFF2-40B4-BE49-F238E27FC236}">
+                <a16:creationId xmlns:a16="http://schemas.microsoft.com/office/drawing/2014/main" id="{576332BB-1DEB-4D23-B617-A5110DD0EC5E}"/>
+              </a:ext>
+            </a:extLst>
+          </p:cNvPr>
+          <p:cNvSpPr>
+            <a:spLocks noGrp="1"/>
+          </p:cNvSpPr>
+          <p:nvPr>
+            <p:ph type="sldNum" sz="quarter" idx="12"/>
+          </p:nvPr>
+        </p:nvSpPr>
+        <p:spPr/>
+        <p:txBody>
+          <a:bodyPr/>
+          <a:lstStyle/>
+          <a:p>
+            <a:fld id="{7C933938-B8E8-47AB-B89E-92B6FF3A5B7F}" type="slidenum">
+              <a:rPr lang="bg-BG" smtClean="0"/>
+              <a:t>28</a:t>
+            </a:fld>
+            <a:endParaRPr lang="bg-BG"/>
+          </a:p>
+        </p:txBody>
+      </p:sp>
+    </p:spTree>
+    <p:extLst>
+      <p:ext uri="{BB962C8B-B14F-4D97-AF65-F5344CB8AC3E}">
+        <p14:creationId xmlns:p14="http://schemas.microsoft.com/office/powerpoint/2010/main" val="993694748"/>
+      </p:ext>
+    </p:extLst>
+  </p:cSld>
+  <p:clrMapOvr>
+    <a:masterClrMapping/>
+  </p:clrMapOvr>
+</p:sld>
+</file>
+
+<file path=ppt/slides/slide29.xml><?xml version="1.0" encoding="utf-8"?>
+<p:sld xmlns:a="http://schemas.openxmlformats.org/drawingml/2006/main" xmlns:r="http://schemas.openxmlformats.org/officeDocument/2006/relationships" xmlns:p="http://schemas.openxmlformats.org/presentationml/2006/main">
+  <p:cSld>
+    <p:spTree>
+      <p:nvGrpSpPr>
+        <p:cNvPr id="1" name=""/>
+        <p:cNvGrpSpPr/>
+        <p:nvPr/>
+      </p:nvGrpSpPr>
+      <p:grpSpPr>
+        <a:xfrm>
+          <a:off x="0" y="0"/>
+          <a:ext cx="0" cy="0"/>
+          <a:chOff x="0" y="0"/>
+          <a:chExt cx="0" cy="0"/>
+        </a:xfrm>
+      </p:grpSpPr>
+      <p:sp>
+        <p:nvSpPr>
+          <p:cNvPr id="2" name="Title 1">
+            <a:extLst>
+              <a:ext uri="{FF2B5EF4-FFF2-40B4-BE49-F238E27FC236}">
+                <a16:creationId xmlns:a16="http://schemas.microsoft.com/office/drawing/2014/main" id="{9D78C6A5-E6CC-4FB2-B8DA-3DEFAA45F4FC}"/>
+              </a:ext>
+            </a:extLst>
+          </p:cNvPr>
+          <p:cNvSpPr>
+            <a:spLocks noGrp="1"/>
+          </p:cNvSpPr>
+          <p:nvPr>
+            <p:ph type="title"/>
+          </p:nvPr>
+        </p:nvSpPr>
+        <p:spPr>
+          <a:xfrm>
+            <a:off x="1717220" y="89613"/>
+            <a:ext cx="10282335" cy="1231641"/>
+          </a:xfrm>
+        </p:spPr>
+        <p:txBody>
+          <a:bodyPr>
+            <a:normAutofit fontScale="90000"/>
+          </a:bodyPr>
+          <a:lstStyle/>
+          <a:p>
+            <a:r>
+              <a:rPr lang="bg-BG" dirty="0"/>
+              <a:t>Потребителското управление – </a:t>
+            </a:r>
+            <a:r>
+              <a:rPr lang="en-US" dirty="0" err="1"/>
+              <a:t>UserController</a:t>
+            </a:r>
+            <a:br>
+              <a:rPr lang="en-US" dirty="0"/>
+            </a:br>
+            <a:r>
+              <a:rPr lang="bg-BG" dirty="0"/>
+              <a:t>част </a:t>
+            </a:r>
+            <a:r>
+              <a:rPr lang="en-US" dirty="0"/>
+              <a:t>3</a:t>
+            </a:r>
+          </a:p>
+        </p:txBody>
+      </p:sp>
+      <p:sp>
+        <p:nvSpPr>
+          <p:cNvPr id="4" name="Slide Number Placeholder 3">
+            <a:extLst>
+              <a:ext uri="{FF2B5EF4-FFF2-40B4-BE49-F238E27FC236}">
+                <a16:creationId xmlns:a16="http://schemas.microsoft.com/office/drawing/2014/main" id="{8D65FCA2-2B7C-4429-A508-F7B9981ABF4E}"/>
+              </a:ext>
+            </a:extLst>
+          </p:cNvPr>
+          <p:cNvSpPr>
+            <a:spLocks noGrp="1"/>
+          </p:cNvSpPr>
+          <p:nvPr>
+            <p:ph type="sldNum" sz="quarter" idx="12"/>
+          </p:nvPr>
+        </p:nvSpPr>
+        <p:spPr/>
+        <p:txBody>
+          <a:bodyPr/>
+          <a:lstStyle/>
+          <a:p>
+            <a:fld id="{7C933938-B8E8-47AB-B89E-92B6FF3A5B7F}" type="slidenum">
+              <a:rPr lang="bg-BG" smtClean="0"/>
+              <a:t>29</a:t>
+            </a:fld>
+            <a:endParaRPr lang="bg-BG"/>
+          </a:p>
+        </p:txBody>
+      </p:sp>
+      <p:pic>
+        <p:nvPicPr>
+          <p:cNvPr id="8" name="Picture 7" descr="Text&#10;&#10;Description automatically generated">
+            <a:extLst>
+              <a:ext uri="{FF2B5EF4-FFF2-40B4-BE49-F238E27FC236}">
+                <a16:creationId xmlns:a16="http://schemas.microsoft.com/office/drawing/2014/main" id="{1BB29CE6-FE88-4FE9-A426-34A1302A8A00}"/>
+              </a:ext>
+            </a:extLst>
+          </p:cNvPr>
+          <p:cNvPicPr>
+            <a:picLocks noChangeAspect="1"/>
+          </p:cNvPicPr>
+          <p:nvPr/>
+        </p:nvPicPr>
+        <p:blipFill>
+          <a:blip r:embed="rId2">
+            <a:extLst>
+              <a:ext uri="{28A0092B-C50C-407E-A947-70E740481C1C}">
+                <a14:useLocalDpi xmlns:a14="http://schemas.microsoft.com/office/drawing/2010/main" val="0"/>
+              </a:ext>
+            </a:extLst>
+          </a:blip>
+          <a:stretch>
+            <a:fillRect/>
+          </a:stretch>
+        </p:blipFill>
+        <p:spPr>
+          <a:xfrm>
+            <a:off x="804694" y="1541218"/>
+            <a:ext cx="11103653" cy="4962385"/>
+          </a:xfrm>
+          <a:prstGeom prst="rect">
+            <a:avLst/>
+          </a:prstGeom>
+        </p:spPr>
+      </p:pic>
+    </p:spTree>
+    <p:extLst>
+      <p:ext uri="{BB962C8B-B14F-4D97-AF65-F5344CB8AC3E}">
+        <p14:creationId xmlns:p14="http://schemas.microsoft.com/office/powerpoint/2010/main" val="2314998896"/>
       </p:ext>
     </p:extLst>
   </p:cSld>
@@ -8592,6 +12297,250 @@
     <p:extLst>
       <p:ext uri="{BB962C8B-B14F-4D97-AF65-F5344CB8AC3E}">
         <p14:creationId xmlns:p14="http://schemas.microsoft.com/office/powerpoint/2010/main" val="1687132170"/>
+      </p:ext>
+    </p:extLst>
+  </p:cSld>
+  <p:clrMapOvr>
+    <a:masterClrMapping/>
+  </p:clrMapOvr>
+</p:sld>
+</file>
+
+<file path=ppt/slides/slide30.xml><?xml version="1.0" encoding="utf-8"?>
+<p:sld xmlns:a="http://schemas.openxmlformats.org/drawingml/2006/main" xmlns:r="http://schemas.openxmlformats.org/officeDocument/2006/relationships" xmlns:p="http://schemas.openxmlformats.org/presentationml/2006/main">
+  <p:cSld>
+    <p:spTree>
+      <p:nvGrpSpPr>
+        <p:cNvPr id="1" name=""/>
+        <p:cNvGrpSpPr/>
+        <p:nvPr/>
+      </p:nvGrpSpPr>
+      <p:grpSpPr>
+        <a:xfrm>
+          <a:off x="0" y="0"/>
+          <a:ext cx="0" cy="0"/>
+          <a:chOff x="0" y="0"/>
+          <a:chExt cx="0" cy="0"/>
+        </a:xfrm>
+      </p:grpSpPr>
+      <p:sp>
+        <p:nvSpPr>
+          <p:cNvPr id="2" name="Slide Number Placeholder 1">
+            <a:extLst>
+              <a:ext uri="{FF2B5EF4-FFF2-40B4-BE49-F238E27FC236}">
+                <a16:creationId xmlns:a16="http://schemas.microsoft.com/office/drawing/2014/main" id="{26E94EBD-5DAC-4AAB-87AE-978D6B240660}"/>
+              </a:ext>
+            </a:extLst>
+          </p:cNvPr>
+          <p:cNvSpPr>
+            <a:spLocks noGrp="1"/>
+          </p:cNvSpPr>
+          <p:nvPr>
+            <p:ph type="sldNum" sz="quarter" idx="12"/>
+          </p:nvPr>
+        </p:nvSpPr>
+        <p:spPr/>
+        <p:txBody>
+          <a:bodyPr/>
+          <a:lstStyle/>
+          <a:p>
+            <a:fld id="{7C933938-B8E8-47AB-B89E-92B6FF3A5B7F}" type="slidenum">
+              <a:rPr lang="bg-BG" smtClean="0"/>
+              <a:t>30</a:t>
+            </a:fld>
+            <a:endParaRPr lang="bg-BG"/>
+          </a:p>
+        </p:txBody>
+      </p:sp>
+      <p:pic>
+        <p:nvPicPr>
+          <p:cNvPr id="4" name="Picture 3" descr="Text&#10;&#10;Description automatically generated">
+            <a:extLst>
+              <a:ext uri="{FF2B5EF4-FFF2-40B4-BE49-F238E27FC236}">
+                <a16:creationId xmlns:a16="http://schemas.microsoft.com/office/drawing/2014/main" id="{775F3E30-C11D-4270-AC8D-739D7E78458C}"/>
+              </a:ext>
+            </a:extLst>
+          </p:cNvPr>
+          <p:cNvPicPr>
+            <a:picLocks noChangeAspect="1"/>
+          </p:cNvPicPr>
+          <p:nvPr/>
+        </p:nvPicPr>
+        <p:blipFill>
+          <a:blip r:embed="rId2">
+            <a:extLst>
+              <a:ext uri="{28A0092B-C50C-407E-A947-70E740481C1C}">
+                <a14:useLocalDpi xmlns:a14="http://schemas.microsoft.com/office/drawing/2010/main" val="0"/>
+              </a:ext>
+            </a:extLst>
+          </a:blip>
+          <a:stretch>
+            <a:fillRect/>
+          </a:stretch>
+        </p:blipFill>
+        <p:spPr>
+          <a:xfrm>
+            <a:off x="2282455" y="3429000"/>
+            <a:ext cx="8172444" cy="3137635"/>
+          </a:xfrm>
+          <a:prstGeom prst="rect">
+            <a:avLst/>
+          </a:prstGeom>
+        </p:spPr>
+      </p:pic>
+      <p:pic>
+        <p:nvPicPr>
+          <p:cNvPr id="5" name="Content Placeholder 5" descr="Text&#10;&#10;Description automatically generated">
+            <a:extLst>
+              <a:ext uri="{FF2B5EF4-FFF2-40B4-BE49-F238E27FC236}">
+                <a16:creationId xmlns:a16="http://schemas.microsoft.com/office/drawing/2014/main" id="{EDAF19F1-8BCE-4067-9B87-5A0D9B1EDFD3}"/>
+              </a:ext>
+            </a:extLst>
+          </p:cNvPr>
+          <p:cNvPicPr>
+            <a:picLocks noChangeAspect="1"/>
+          </p:cNvPicPr>
+          <p:nvPr/>
+        </p:nvPicPr>
+        <p:blipFill>
+          <a:blip r:embed="rId3">
+            <a:extLst>
+              <a:ext uri="{28A0092B-C50C-407E-A947-70E740481C1C}">
+                <a14:useLocalDpi xmlns:a14="http://schemas.microsoft.com/office/drawing/2010/main" val="0"/>
+              </a:ext>
+            </a:extLst>
+          </a:blip>
+          <a:stretch>
+            <a:fillRect/>
+          </a:stretch>
+        </p:blipFill>
+        <p:spPr>
+          <a:xfrm>
+            <a:off x="3463087" y="757016"/>
+            <a:ext cx="7917464" cy="1967133"/>
+          </a:xfrm>
+          <a:prstGeom prst="rect">
+            <a:avLst/>
+          </a:prstGeom>
+        </p:spPr>
+      </p:pic>
+    </p:spTree>
+    <p:extLst>
+      <p:ext uri="{BB962C8B-B14F-4D97-AF65-F5344CB8AC3E}">
+        <p14:creationId xmlns:p14="http://schemas.microsoft.com/office/powerpoint/2010/main" val="1523417388"/>
+      </p:ext>
+    </p:extLst>
+  </p:cSld>
+  <p:clrMapOvr>
+    <a:masterClrMapping/>
+  </p:clrMapOvr>
+</p:sld>
+</file>
+
+<file path=ppt/slides/slide31.xml><?xml version="1.0" encoding="utf-8"?>
+<p:sld xmlns:a="http://schemas.openxmlformats.org/drawingml/2006/main" xmlns:r="http://schemas.openxmlformats.org/officeDocument/2006/relationships" xmlns:p="http://schemas.openxmlformats.org/presentationml/2006/main">
+  <p:cSld>
+    <p:spTree>
+      <p:nvGrpSpPr>
+        <p:cNvPr id="1" name=""/>
+        <p:cNvGrpSpPr/>
+        <p:nvPr/>
+      </p:nvGrpSpPr>
+      <p:grpSpPr>
+        <a:xfrm>
+          <a:off x="0" y="0"/>
+          <a:ext cx="0" cy="0"/>
+          <a:chOff x="0" y="0"/>
+          <a:chExt cx="0" cy="0"/>
+        </a:xfrm>
+      </p:grpSpPr>
+      <p:sp>
+        <p:nvSpPr>
+          <p:cNvPr id="2" name="Title 1">
+            <a:extLst>
+              <a:ext uri="{FF2B5EF4-FFF2-40B4-BE49-F238E27FC236}">
+                <a16:creationId xmlns:a16="http://schemas.microsoft.com/office/drawing/2014/main" id="{91ABB488-2E69-4891-B8F0-8D0194EAD2AF}"/>
+              </a:ext>
+            </a:extLst>
+          </p:cNvPr>
+          <p:cNvSpPr>
+            <a:spLocks noGrp="1"/>
+          </p:cNvSpPr>
+          <p:nvPr>
+            <p:ph type="title"/>
+          </p:nvPr>
+        </p:nvSpPr>
+        <p:spPr/>
+        <p:txBody>
+          <a:bodyPr/>
+          <a:lstStyle/>
+          <a:p>
+            <a:r>
+              <a:rPr lang="ru-RU" dirty="0"/>
+              <a:t>Защита на приложението и нейната конфугурация</a:t>
+            </a:r>
+            <a:endParaRPr lang="en-US" dirty="0"/>
+          </a:p>
+        </p:txBody>
+      </p:sp>
+      <p:sp>
+        <p:nvSpPr>
+          <p:cNvPr id="3" name="Text Placeholder 2">
+            <a:extLst>
+              <a:ext uri="{FF2B5EF4-FFF2-40B4-BE49-F238E27FC236}">
+                <a16:creationId xmlns:a16="http://schemas.microsoft.com/office/drawing/2014/main" id="{88C11CB5-77E7-4C00-BAB1-B057D07E38CF}"/>
+              </a:ext>
+            </a:extLst>
+          </p:cNvPr>
+          <p:cNvSpPr>
+            <a:spLocks noGrp="1"/>
+          </p:cNvSpPr>
+          <p:nvPr>
+            <p:ph type="body" idx="1"/>
+          </p:nvPr>
+        </p:nvSpPr>
+        <p:spPr/>
+        <p:txBody>
+          <a:bodyPr/>
+          <a:lstStyle/>
+          <a:p>
+            <a:endParaRPr lang="en-US"/>
+          </a:p>
+        </p:txBody>
+      </p:sp>
+      <p:sp>
+        <p:nvSpPr>
+          <p:cNvPr id="4" name="Slide Number Placeholder 3">
+            <a:extLst>
+              <a:ext uri="{FF2B5EF4-FFF2-40B4-BE49-F238E27FC236}">
+                <a16:creationId xmlns:a16="http://schemas.microsoft.com/office/drawing/2014/main" id="{FEBA2EE4-3CB9-4015-9626-5BF28D73D212}"/>
+              </a:ext>
+            </a:extLst>
+          </p:cNvPr>
+          <p:cNvSpPr>
+            <a:spLocks noGrp="1"/>
+          </p:cNvSpPr>
+          <p:nvPr>
+            <p:ph type="sldNum" sz="quarter" idx="12"/>
+          </p:nvPr>
+        </p:nvSpPr>
+        <p:spPr/>
+        <p:txBody>
+          <a:bodyPr/>
+          <a:lstStyle/>
+          <a:p>
+            <a:fld id="{7C933938-B8E8-47AB-B89E-92B6FF3A5B7F}" type="slidenum">
+              <a:rPr lang="bg-BG" smtClean="0"/>
+              <a:t>31</a:t>
+            </a:fld>
+            <a:endParaRPr lang="bg-BG"/>
+          </a:p>
+        </p:txBody>
+      </p:sp>
+    </p:spTree>
+    <p:extLst>
+      <p:ext uri="{BB962C8B-B14F-4D97-AF65-F5344CB8AC3E}">
+        <p14:creationId xmlns:p14="http://schemas.microsoft.com/office/powerpoint/2010/main" val="1509302349"/>
       </p:ext>
     </p:extLst>
   </p:cSld>
@@ -10558,6 +14507,122 @@
     <p:extLst>
       <p:ext uri="{BB962C8B-B14F-4D97-AF65-F5344CB8AC3E}">
         <p14:creationId xmlns:p14="http://schemas.microsoft.com/office/powerpoint/2010/main" val="2817122198"/>
+      </p:ext>
+    </p:extLst>
+  </p:cSld>
+  <p:clrMapOvr>
+    <a:masterClrMapping/>
+  </p:clrMapOvr>
+</p:sld>
+</file>
+
+<file path=ppt/slides/slide9.xml><?xml version="1.0" encoding="utf-8"?>
+<p:sld xmlns:a="http://schemas.openxmlformats.org/drawingml/2006/main" xmlns:r="http://schemas.openxmlformats.org/officeDocument/2006/relationships" xmlns:p="http://schemas.openxmlformats.org/presentationml/2006/main">
+  <p:cSld>
+    <p:spTree>
+      <p:nvGrpSpPr>
+        <p:cNvPr id="1" name=""/>
+        <p:cNvGrpSpPr/>
+        <p:nvPr/>
+      </p:nvGrpSpPr>
+      <p:grpSpPr>
+        <a:xfrm>
+          <a:off x="0" y="0"/>
+          <a:ext cx="0" cy="0"/>
+          <a:chOff x="0" y="0"/>
+          <a:chExt cx="0" cy="0"/>
+        </a:xfrm>
+      </p:grpSpPr>
+      <p:sp>
+        <p:nvSpPr>
+          <p:cNvPr id="5" name="Title 4">
+            <a:extLst>
+              <a:ext uri="{FF2B5EF4-FFF2-40B4-BE49-F238E27FC236}">
+                <a16:creationId xmlns:a16="http://schemas.microsoft.com/office/drawing/2014/main" id="{76EEF1BF-FCC0-4850-83AE-D51C6A45F33E}"/>
+              </a:ext>
+            </a:extLst>
+          </p:cNvPr>
+          <p:cNvSpPr>
+            <a:spLocks noGrp="1"/>
+          </p:cNvSpPr>
+          <p:nvPr>
+            <p:ph type="title"/>
+          </p:nvPr>
+        </p:nvSpPr>
+        <p:spPr/>
+        <p:txBody>
+          <a:bodyPr/>
+          <a:lstStyle/>
+          <a:p>
+            <a:r>
+              <a:rPr lang="bg-BG" dirty="0"/>
+              <a:t>Обекти - </a:t>
+            </a:r>
+            <a:r>
+              <a:rPr lang="en-US" dirty="0"/>
+              <a:t>Entities</a:t>
+            </a:r>
+          </a:p>
+        </p:txBody>
+      </p:sp>
+      <p:sp>
+        <p:nvSpPr>
+          <p:cNvPr id="6" name="Text Placeholder 5">
+            <a:extLst>
+              <a:ext uri="{FF2B5EF4-FFF2-40B4-BE49-F238E27FC236}">
+                <a16:creationId xmlns:a16="http://schemas.microsoft.com/office/drawing/2014/main" id="{AE940B62-3AF2-45EB-B6ED-12C5EA940C0F}"/>
+              </a:ext>
+            </a:extLst>
+          </p:cNvPr>
+          <p:cNvSpPr>
+            <a:spLocks noGrp="1"/>
+          </p:cNvSpPr>
+          <p:nvPr>
+            <p:ph type="body" idx="1"/>
+          </p:nvPr>
+        </p:nvSpPr>
+        <p:spPr/>
+        <p:txBody>
+          <a:bodyPr/>
+          <a:lstStyle/>
+          <a:p>
+            <a:endParaRPr lang="en-US"/>
+          </a:p>
+        </p:txBody>
+      </p:sp>
+      <p:sp>
+        <p:nvSpPr>
+          <p:cNvPr id="4" name="Slide Number Placeholder 3">
+            <a:extLst>
+              <a:ext uri="{FF2B5EF4-FFF2-40B4-BE49-F238E27FC236}">
+                <a16:creationId xmlns:a16="http://schemas.microsoft.com/office/drawing/2014/main" id="{0FCA60B5-FA9A-4A38-8EFE-F8EC2839BE4C}"/>
+              </a:ext>
+            </a:extLst>
+          </p:cNvPr>
+          <p:cNvSpPr>
+            <a:spLocks noGrp="1"/>
+          </p:cNvSpPr>
+          <p:nvPr>
+            <p:ph type="sldNum" sz="quarter" idx="12"/>
+          </p:nvPr>
+        </p:nvSpPr>
+        <p:spPr/>
+        <p:txBody>
+          <a:bodyPr/>
+          <a:lstStyle/>
+          <a:p>
+            <a:fld id="{7C933938-B8E8-47AB-B89E-92B6FF3A5B7F}" type="slidenum">
+              <a:rPr lang="bg-BG" smtClean="0"/>
+              <a:t>9</a:t>
+            </a:fld>
+            <a:endParaRPr lang="bg-BG"/>
+          </a:p>
+        </p:txBody>
+      </p:sp>
+    </p:spTree>
+    <p:extLst>
+      <p:ext uri="{BB962C8B-B14F-4D97-AF65-F5344CB8AC3E}">
+        <p14:creationId xmlns:p14="http://schemas.microsoft.com/office/powerpoint/2010/main" val="3500530216"/>
       </p:ext>
     </p:extLst>
   </p:cSld>
